--- a/doc/presentatie oktober.pptx
+++ b/doc/presentatie oktober.pptx
@@ -4514,7 +4514,7 @@
                 <a:spcPct val="100000"/>
               </a:lnSpc>
             </a:pPr>
-            <a:fld id="{A5C469FC-F7B5-4D0D-BFF1-DAA1E8CF27E3}" type="datetime">
+            <a:fld id="{60250649-DC82-4215-A142-035E47C2C6C7}" type="datetime">
               <a:rPr b="0" lang="en-US" sz="1200" spc="-1" strike="noStrike">
                 <a:solidFill>
                   <a:srgbClr val="b07906"/>
@@ -4584,7 +4584,7 @@
                 <a:spcPct val="100000"/>
               </a:lnSpc>
             </a:pPr>
-            <a:fld id="{A49DFF27-F8DE-440F-BAC8-9489ABC9348C}" type="slidenum">
+            <a:fld id="{B1581BEA-CFB8-48E0-8C30-1C57F8162C83}" type="slidenum">
               <a:rPr b="0" lang="en-US" sz="1200" spc="-1" strike="noStrike">
                 <a:solidFill>
                   <a:srgbClr val="b07906"/>
@@ -5646,7 +5646,7 @@
                 <a:spcPct val="100000"/>
               </a:lnSpc>
             </a:pPr>
-            <a:fld id="{CC828FC1-3C18-40C0-A6A8-B70FE32E17EB}" type="datetime">
+            <a:fld id="{491A47D7-1CD8-4811-8E57-C009C1CD3F66}" type="datetime">
               <a:rPr b="0" lang="en-US" sz="1200" spc="-1" strike="noStrike">
                 <a:solidFill>
                   <a:srgbClr val="595959"/>
@@ -5716,14 +5716,14 @@
                 <a:spcPct val="100000"/>
               </a:lnSpc>
             </a:pPr>
-            <a:fld id="{87AEDC0C-CD60-4DD0-95CF-E0DB045AF4CF}" type="slidenum">
+            <a:fld id="{D26BF323-1A75-4409-8763-92BC2F1EE1BA}" type="slidenum">
               <a:rPr b="0" lang="en-US" sz="1200" spc="-1" strike="noStrike">
                 <a:solidFill>
                   <a:srgbClr val="595959"/>
                 </a:solidFill>
                 <a:latin typeface="Gill Sans MT"/>
               </a:rPr>
-              <a:t>&lt;number&gt;</a:t>
+              <a:t>1</a:t>
             </a:fld>
             <a:endParaRPr b="0" lang="en-US" sz="1200" spc="-1" strike="noStrike">
               <a:latin typeface="Times New Roman"/>

--- a/doc/presentatie oktober.pptx
+++ b/doc/presentatie oktober.pptx
@@ -16,6 +16,7 @@
     <p:sldId id="263" r:id="rId11"/>
     <p:sldId id="264" r:id="rId12"/>
     <p:sldId id="265" r:id="rId13"/>
+    <p:sldId id="266" r:id="rId14"/>
   </p:sldIdLst>
   <p:sldSz cx="12192000" cy="6858000"/>
   <p:notesSz cx="7559675" cy="10691812"/>
@@ -63,7 +64,7 @@
       </p:grpSpPr>
       <p:sp>
         <p:nvSpPr>
-          <p:cNvPr id="30" name="PlaceHolder 1"/>
+          <p:cNvPr id="27" name="PlaceHolder 1"/>
           <p:cNvSpPr>
             <a:spLocks noGrp="1"/>
           </p:cNvSpPr>
@@ -73,8 +74,8 @@
         </p:nvSpPr>
         <p:spPr>
           <a:xfrm>
-            <a:off x="1251720" y="382320"/>
-            <a:ext cx="10177920" cy="1491840"/>
+            <a:off x="609480" y="273600"/>
+            <a:ext cx="10972440" cy="1144800"/>
           </a:xfrm>
           <a:prstGeom prst="rect">
             <a:avLst/>
@@ -83,18 +84,16 @@
         <p:txBody>
           <a:bodyPr lIns="0" rIns="0" tIns="0" bIns="0" anchor="ctr"/>
           <a:p>
-            <a:endParaRPr b="0" lang="en-US" sz="1800" spc="-1" strike="noStrike">
-              <a:solidFill>
-                <a:srgbClr val="000000"/>
-              </a:solidFill>
-              <a:latin typeface="Gill Sans MT"/>
-            </a:endParaRPr>
-          </a:p>
-        </p:txBody>
-      </p:sp>
-      <p:sp>
-        <p:nvSpPr>
-          <p:cNvPr id="31" name="PlaceHolder 2"/>
+            <a:pPr algn="ctr"/>
+            <a:endParaRPr b="0" lang="en-US" sz="4400" spc="-1" strike="noStrike">
+              <a:latin typeface="Arial"/>
+            </a:endParaRPr>
+          </a:p>
+        </p:txBody>
+      </p:sp>
+      <p:sp>
+        <p:nvSpPr>
+          <p:cNvPr id="28" name="PlaceHolder 2"/>
           <p:cNvSpPr>
             <a:spLocks noGrp="1"/>
           </p:cNvSpPr>
@@ -104,8 +103,8 @@
         </p:nvSpPr>
         <p:spPr>
           <a:xfrm>
-            <a:off x="1251720" y="2286000"/>
-            <a:ext cx="10177920" cy="1713600"/>
+            <a:off x="609480" y="1604520"/>
+            <a:ext cx="10972440" cy="1896840"/>
           </a:xfrm>
           <a:prstGeom prst="rect">
             <a:avLst/>
@@ -116,18 +115,15 @@
             <a:normAutofit/>
           </a:bodyPr>
           <a:p>
-            <a:endParaRPr b="0" lang="en-US" sz="2000" spc="-1" strike="noStrike">
-              <a:solidFill>
-                <a:srgbClr val="595959"/>
-              </a:solidFill>
-              <a:latin typeface="Gill Sans MT"/>
-            </a:endParaRPr>
-          </a:p>
-        </p:txBody>
-      </p:sp>
-      <p:sp>
-        <p:nvSpPr>
-          <p:cNvPr id="32" name="PlaceHolder 3"/>
+            <a:endParaRPr b="0" lang="en-US" sz="3200" spc="-1" strike="noStrike">
+              <a:latin typeface="Arial"/>
+            </a:endParaRPr>
+          </a:p>
+        </p:txBody>
+      </p:sp>
+      <p:sp>
+        <p:nvSpPr>
+          <p:cNvPr id="29" name="PlaceHolder 3"/>
           <p:cNvSpPr>
             <a:spLocks noGrp="1"/>
           </p:cNvSpPr>
@@ -137,8 +133,8 @@
         </p:nvSpPr>
         <p:spPr>
           <a:xfrm>
-            <a:off x="1251720" y="4162680"/>
-            <a:ext cx="10177920" cy="1713600"/>
+            <a:off x="609480" y="3682080"/>
+            <a:ext cx="10972440" cy="1896840"/>
           </a:xfrm>
           <a:prstGeom prst="rect">
             <a:avLst/>
@@ -149,11 +145,8 @@
             <a:normAutofit/>
           </a:bodyPr>
           <a:p>
-            <a:endParaRPr b="0" lang="en-US" sz="2000" spc="-1" strike="noStrike">
-              <a:solidFill>
-                <a:srgbClr val="595959"/>
-              </a:solidFill>
-              <a:latin typeface="Gill Sans MT"/>
+            <a:endParaRPr b="0" lang="en-US" sz="3200" spc="-1" strike="noStrike">
+              <a:latin typeface="Arial"/>
             </a:endParaRPr>
           </a:p>
         </p:txBody>
@@ -182,7 +175,7 @@
       </p:grpSpPr>
       <p:sp>
         <p:nvSpPr>
-          <p:cNvPr id="33" name="PlaceHolder 1"/>
+          <p:cNvPr id="30" name="PlaceHolder 1"/>
           <p:cNvSpPr>
             <a:spLocks noGrp="1"/>
           </p:cNvSpPr>
@@ -192,8 +185,8 @@
         </p:nvSpPr>
         <p:spPr>
           <a:xfrm>
-            <a:off x="1251720" y="382320"/>
-            <a:ext cx="10177920" cy="1491840"/>
+            <a:off x="609480" y="273600"/>
+            <a:ext cx="10972440" cy="1144800"/>
           </a:xfrm>
           <a:prstGeom prst="rect">
             <a:avLst/>
@@ -202,18 +195,16 @@
         <p:txBody>
           <a:bodyPr lIns="0" rIns="0" tIns="0" bIns="0" anchor="ctr"/>
           <a:p>
-            <a:endParaRPr b="0" lang="en-US" sz="1800" spc="-1" strike="noStrike">
-              <a:solidFill>
-                <a:srgbClr val="000000"/>
-              </a:solidFill>
-              <a:latin typeface="Gill Sans MT"/>
-            </a:endParaRPr>
-          </a:p>
-        </p:txBody>
-      </p:sp>
-      <p:sp>
-        <p:nvSpPr>
-          <p:cNvPr id="34" name="PlaceHolder 2"/>
+            <a:pPr algn="ctr"/>
+            <a:endParaRPr b="0" lang="en-US" sz="4400" spc="-1" strike="noStrike">
+              <a:latin typeface="Arial"/>
+            </a:endParaRPr>
+          </a:p>
+        </p:txBody>
+      </p:sp>
+      <p:sp>
+        <p:nvSpPr>
+          <p:cNvPr id="31" name="PlaceHolder 2"/>
           <p:cNvSpPr>
             <a:spLocks noGrp="1"/>
           </p:cNvSpPr>
@@ -223,8 +214,8 @@
         </p:nvSpPr>
         <p:spPr>
           <a:xfrm>
-            <a:off x="1251720" y="2286000"/>
-            <a:ext cx="4966560" cy="1713600"/>
+            <a:off x="609480" y="1604520"/>
+            <a:ext cx="5354280" cy="1896840"/>
           </a:xfrm>
           <a:prstGeom prst="rect">
             <a:avLst/>
@@ -235,18 +226,15 @@
             <a:normAutofit/>
           </a:bodyPr>
           <a:p>
-            <a:endParaRPr b="0" lang="en-US" sz="2000" spc="-1" strike="noStrike">
-              <a:solidFill>
-                <a:srgbClr val="595959"/>
-              </a:solidFill>
-              <a:latin typeface="Gill Sans MT"/>
-            </a:endParaRPr>
-          </a:p>
-        </p:txBody>
-      </p:sp>
-      <p:sp>
-        <p:nvSpPr>
-          <p:cNvPr id="35" name="PlaceHolder 3"/>
+            <a:endParaRPr b="0" lang="en-US" sz="3200" spc="-1" strike="noStrike">
+              <a:latin typeface="Arial"/>
+            </a:endParaRPr>
+          </a:p>
+        </p:txBody>
+      </p:sp>
+      <p:sp>
+        <p:nvSpPr>
+          <p:cNvPr id="32" name="PlaceHolder 3"/>
           <p:cNvSpPr>
             <a:spLocks noGrp="1"/>
           </p:cNvSpPr>
@@ -256,8 +244,8 @@
         </p:nvSpPr>
         <p:spPr>
           <a:xfrm>
-            <a:off x="6467040" y="2286000"/>
-            <a:ext cx="4966560" cy="1713600"/>
+            <a:off x="6231960" y="1604520"/>
+            <a:ext cx="5354280" cy="1896840"/>
           </a:xfrm>
           <a:prstGeom prst="rect">
             <a:avLst/>
@@ -268,18 +256,15 @@
             <a:normAutofit/>
           </a:bodyPr>
           <a:p>
-            <a:endParaRPr b="0" lang="en-US" sz="2000" spc="-1" strike="noStrike">
-              <a:solidFill>
-                <a:srgbClr val="595959"/>
-              </a:solidFill>
-              <a:latin typeface="Gill Sans MT"/>
-            </a:endParaRPr>
-          </a:p>
-        </p:txBody>
-      </p:sp>
-      <p:sp>
-        <p:nvSpPr>
-          <p:cNvPr id="36" name="PlaceHolder 4"/>
+            <a:endParaRPr b="0" lang="en-US" sz="3200" spc="-1" strike="noStrike">
+              <a:latin typeface="Arial"/>
+            </a:endParaRPr>
+          </a:p>
+        </p:txBody>
+      </p:sp>
+      <p:sp>
+        <p:nvSpPr>
+          <p:cNvPr id="33" name="PlaceHolder 4"/>
           <p:cNvSpPr>
             <a:spLocks noGrp="1"/>
           </p:cNvSpPr>
@@ -289,8 +274,8 @@
         </p:nvSpPr>
         <p:spPr>
           <a:xfrm>
-            <a:off x="6467040" y="4162680"/>
-            <a:ext cx="4966560" cy="1713600"/>
+            <a:off x="6231960" y="3682080"/>
+            <a:ext cx="5354280" cy="1896840"/>
           </a:xfrm>
           <a:prstGeom prst="rect">
             <a:avLst/>
@@ -301,18 +286,15 @@
             <a:normAutofit/>
           </a:bodyPr>
           <a:p>
-            <a:endParaRPr b="0" lang="en-US" sz="2000" spc="-1" strike="noStrike">
-              <a:solidFill>
-                <a:srgbClr val="595959"/>
-              </a:solidFill>
-              <a:latin typeface="Gill Sans MT"/>
-            </a:endParaRPr>
-          </a:p>
-        </p:txBody>
-      </p:sp>
-      <p:sp>
-        <p:nvSpPr>
-          <p:cNvPr id="37" name="PlaceHolder 5"/>
+            <a:endParaRPr b="0" lang="en-US" sz="3200" spc="-1" strike="noStrike">
+              <a:latin typeface="Arial"/>
+            </a:endParaRPr>
+          </a:p>
+        </p:txBody>
+      </p:sp>
+      <p:sp>
+        <p:nvSpPr>
+          <p:cNvPr id="34" name="PlaceHolder 5"/>
           <p:cNvSpPr>
             <a:spLocks noGrp="1"/>
           </p:cNvSpPr>
@@ -322,8 +304,8 @@
         </p:nvSpPr>
         <p:spPr>
           <a:xfrm>
-            <a:off x="1251720" y="4162680"/>
-            <a:ext cx="4966560" cy="1713600"/>
+            <a:off x="609480" y="3682080"/>
+            <a:ext cx="5354280" cy="1896840"/>
           </a:xfrm>
           <a:prstGeom prst="rect">
             <a:avLst/>
@@ -334,11 +316,8 @@
             <a:normAutofit/>
           </a:bodyPr>
           <a:p>
-            <a:endParaRPr b="0" lang="en-US" sz="2000" spc="-1" strike="noStrike">
-              <a:solidFill>
-                <a:srgbClr val="595959"/>
-              </a:solidFill>
-              <a:latin typeface="Gill Sans MT"/>
+            <a:endParaRPr b="0" lang="en-US" sz="3200" spc="-1" strike="noStrike">
+              <a:latin typeface="Arial"/>
             </a:endParaRPr>
           </a:p>
         </p:txBody>
@@ -367,7 +346,7 @@
       </p:grpSpPr>
       <p:sp>
         <p:nvSpPr>
-          <p:cNvPr id="38" name="PlaceHolder 1"/>
+          <p:cNvPr id="35" name="PlaceHolder 1"/>
           <p:cNvSpPr>
             <a:spLocks noGrp="1"/>
           </p:cNvSpPr>
@@ -377,8 +356,8 @@
         </p:nvSpPr>
         <p:spPr>
           <a:xfrm>
-            <a:off x="1251720" y="382320"/>
-            <a:ext cx="10177920" cy="1491840"/>
+            <a:off x="609480" y="273600"/>
+            <a:ext cx="10972440" cy="1144800"/>
           </a:xfrm>
           <a:prstGeom prst="rect">
             <a:avLst/>
@@ -387,18 +366,16 @@
         <p:txBody>
           <a:bodyPr lIns="0" rIns="0" tIns="0" bIns="0" anchor="ctr"/>
           <a:p>
-            <a:endParaRPr b="0" lang="en-US" sz="1800" spc="-1" strike="noStrike">
-              <a:solidFill>
-                <a:srgbClr val="000000"/>
-              </a:solidFill>
-              <a:latin typeface="Gill Sans MT"/>
-            </a:endParaRPr>
-          </a:p>
-        </p:txBody>
-      </p:sp>
-      <p:sp>
-        <p:nvSpPr>
-          <p:cNvPr id="39" name="PlaceHolder 2"/>
+            <a:pPr algn="ctr"/>
+            <a:endParaRPr b="0" lang="en-US" sz="4400" spc="-1" strike="noStrike">
+              <a:latin typeface="Arial"/>
+            </a:endParaRPr>
+          </a:p>
+        </p:txBody>
+      </p:sp>
+      <p:sp>
+        <p:nvSpPr>
+          <p:cNvPr id="36" name="PlaceHolder 2"/>
           <p:cNvSpPr>
             <a:spLocks noGrp="1"/>
           </p:cNvSpPr>
@@ -408,8 +385,8 @@
         </p:nvSpPr>
         <p:spPr>
           <a:xfrm>
-            <a:off x="1251720" y="2286000"/>
-            <a:ext cx="3277080" cy="1713600"/>
+            <a:off x="609480" y="1604520"/>
+            <a:ext cx="3533040" cy="1896840"/>
           </a:xfrm>
           <a:prstGeom prst="rect">
             <a:avLst/>
@@ -420,18 +397,15 @@
             <a:normAutofit/>
           </a:bodyPr>
           <a:p>
-            <a:endParaRPr b="0" lang="en-US" sz="2000" spc="-1" strike="noStrike">
-              <a:solidFill>
-                <a:srgbClr val="595959"/>
-              </a:solidFill>
-              <a:latin typeface="Gill Sans MT"/>
-            </a:endParaRPr>
-          </a:p>
-        </p:txBody>
-      </p:sp>
-      <p:sp>
-        <p:nvSpPr>
-          <p:cNvPr id="40" name="PlaceHolder 3"/>
+            <a:endParaRPr b="0" lang="en-US" sz="3200" spc="-1" strike="noStrike">
+              <a:latin typeface="Arial"/>
+            </a:endParaRPr>
+          </a:p>
+        </p:txBody>
+      </p:sp>
+      <p:sp>
+        <p:nvSpPr>
+          <p:cNvPr id="37" name="PlaceHolder 3"/>
           <p:cNvSpPr>
             <a:spLocks noGrp="1"/>
           </p:cNvSpPr>
@@ -441,8 +415,8 @@
         </p:nvSpPr>
         <p:spPr>
           <a:xfrm>
-            <a:off x="4692960" y="2286000"/>
-            <a:ext cx="3277080" cy="1713600"/>
+            <a:off x="4319640" y="1604520"/>
+            <a:ext cx="3533040" cy="1896840"/>
           </a:xfrm>
           <a:prstGeom prst="rect">
             <a:avLst/>
@@ -453,18 +427,15 @@
             <a:normAutofit/>
           </a:bodyPr>
           <a:p>
-            <a:endParaRPr b="0" lang="en-US" sz="2000" spc="-1" strike="noStrike">
-              <a:solidFill>
-                <a:srgbClr val="595959"/>
-              </a:solidFill>
-              <a:latin typeface="Gill Sans MT"/>
-            </a:endParaRPr>
-          </a:p>
-        </p:txBody>
-      </p:sp>
-      <p:sp>
-        <p:nvSpPr>
-          <p:cNvPr id="41" name="PlaceHolder 4"/>
+            <a:endParaRPr b="0" lang="en-US" sz="3200" spc="-1" strike="noStrike">
+              <a:latin typeface="Arial"/>
+            </a:endParaRPr>
+          </a:p>
+        </p:txBody>
+      </p:sp>
+      <p:sp>
+        <p:nvSpPr>
+          <p:cNvPr id="38" name="PlaceHolder 4"/>
           <p:cNvSpPr>
             <a:spLocks noGrp="1"/>
           </p:cNvSpPr>
@@ -474,8 +445,8 @@
         </p:nvSpPr>
         <p:spPr>
           <a:xfrm>
-            <a:off x="8134200" y="2286000"/>
-            <a:ext cx="3277080" cy="1713600"/>
+            <a:off x="8029800" y="1604520"/>
+            <a:ext cx="3533040" cy="1896840"/>
           </a:xfrm>
           <a:prstGeom prst="rect">
             <a:avLst/>
@@ -486,18 +457,15 @@
             <a:normAutofit/>
           </a:bodyPr>
           <a:p>
-            <a:endParaRPr b="0" lang="en-US" sz="2000" spc="-1" strike="noStrike">
-              <a:solidFill>
-                <a:srgbClr val="595959"/>
-              </a:solidFill>
-              <a:latin typeface="Gill Sans MT"/>
-            </a:endParaRPr>
-          </a:p>
-        </p:txBody>
-      </p:sp>
-      <p:sp>
-        <p:nvSpPr>
-          <p:cNvPr id="42" name="PlaceHolder 5"/>
+            <a:endParaRPr b="0" lang="en-US" sz="3200" spc="-1" strike="noStrike">
+              <a:latin typeface="Arial"/>
+            </a:endParaRPr>
+          </a:p>
+        </p:txBody>
+      </p:sp>
+      <p:sp>
+        <p:nvSpPr>
+          <p:cNvPr id="39" name="PlaceHolder 5"/>
           <p:cNvSpPr>
             <a:spLocks noGrp="1"/>
           </p:cNvSpPr>
@@ -507,8 +475,8 @@
         </p:nvSpPr>
         <p:spPr>
           <a:xfrm>
-            <a:off x="8134200" y="4162680"/>
-            <a:ext cx="3277080" cy="1713600"/>
+            <a:off x="8029800" y="3682080"/>
+            <a:ext cx="3533040" cy="1896840"/>
           </a:xfrm>
           <a:prstGeom prst="rect">
             <a:avLst/>
@@ -519,18 +487,15 @@
             <a:normAutofit/>
           </a:bodyPr>
           <a:p>
-            <a:endParaRPr b="0" lang="en-US" sz="2000" spc="-1" strike="noStrike">
-              <a:solidFill>
-                <a:srgbClr val="595959"/>
-              </a:solidFill>
-              <a:latin typeface="Gill Sans MT"/>
-            </a:endParaRPr>
-          </a:p>
-        </p:txBody>
-      </p:sp>
-      <p:sp>
-        <p:nvSpPr>
-          <p:cNvPr id="43" name="PlaceHolder 6"/>
+            <a:endParaRPr b="0" lang="en-US" sz="3200" spc="-1" strike="noStrike">
+              <a:latin typeface="Arial"/>
+            </a:endParaRPr>
+          </a:p>
+        </p:txBody>
+      </p:sp>
+      <p:sp>
+        <p:nvSpPr>
+          <p:cNvPr id="40" name="PlaceHolder 6"/>
           <p:cNvSpPr>
             <a:spLocks noGrp="1"/>
           </p:cNvSpPr>
@@ -540,8 +505,8 @@
         </p:nvSpPr>
         <p:spPr>
           <a:xfrm>
-            <a:off x="4692960" y="4162680"/>
-            <a:ext cx="3277080" cy="1713600"/>
+            <a:off x="4319640" y="3682080"/>
+            <a:ext cx="3533040" cy="1896840"/>
           </a:xfrm>
           <a:prstGeom prst="rect">
             <a:avLst/>
@@ -552,18 +517,15 @@
             <a:normAutofit/>
           </a:bodyPr>
           <a:p>
-            <a:endParaRPr b="0" lang="en-US" sz="2000" spc="-1" strike="noStrike">
-              <a:solidFill>
-                <a:srgbClr val="595959"/>
-              </a:solidFill>
-              <a:latin typeface="Gill Sans MT"/>
-            </a:endParaRPr>
-          </a:p>
-        </p:txBody>
-      </p:sp>
-      <p:sp>
-        <p:nvSpPr>
-          <p:cNvPr id="44" name="PlaceHolder 7"/>
+            <a:endParaRPr b="0" lang="en-US" sz="3200" spc="-1" strike="noStrike">
+              <a:latin typeface="Arial"/>
+            </a:endParaRPr>
+          </a:p>
+        </p:txBody>
+      </p:sp>
+      <p:sp>
+        <p:nvSpPr>
+          <p:cNvPr id="41" name="PlaceHolder 7"/>
           <p:cNvSpPr>
             <a:spLocks noGrp="1"/>
           </p:cNvSpPr>
@@ -573,8 +535,8 @@
         </p:nvSpPr>
         <p:spPr>
           <a:xfrm>
-            <a:off x="1251720" y="4162680"/>
-            <a:ext cx="3277080" cy="1713600"/>
+            <a:off x="609480" y="3682080"/>
+            <a:ext cx="3533040" cy="1896840"/>
           </a:xfrm>
           <a:prstGeom prst="rect">
             <a:avLst/>
@@ -585,11 +547,8 @@
             <a:normAutofit/>
           </a:bodyPr>
           <a:p>
-            <a:endParaRPr b="0" lang="en-US" sz="2000" spc="-1" strike="noStrike">
-              <a:solidFill>
-                <a:srgbClr val="595959"/>
-              </a:solidFill>
-              <a:latin typeface="Gill Sans MT"/>
+            <a:endParaRPr b="0" lang="en-US" sz="3200" spc="-1" strike="noStrike">
+              <a:latin typeface="Arial"/>
             </a:endParaRPr>
           </a:p>
         </p:txBody>
@@ -640,7 +599,7 @@
       </p:grpSpPr>
       <p:sp>
         <p:nvSpPr>
-          <p:cNvPr id="52" name="PlaceHolder 1"/>
+          <p:cNvPr id="46" name="PlaceHolder 1"/>
           <p:cNvSpPr>
             <a:spLocks noGrp="1"/>
           </p:cNvSpPr>
@@ -650,8 +609,8 @@
         </p:nvSpPr>
         <p:spPr>
           <a:xfrm>
-            <a:off x="1251720" y="382320"/>
-            <a:ext cx="10177920" cy="1491840"/>
+            <a:off x="609480" y="273600"/>
+            <a:ext cx="10972440" cy="1144800"/>
           </a:xfrm>
           <a:prstGeom prst="rect">
             <a:avLst/>
@@ -660,18 +619,16 @@
         <p:txBody>
           <a:bodyPr lIns="0" rIns="0" tIns="0" bIns="0" anchor="ctr"/>
           <a:p>
-            <a:endParaRPr b="0" lang="en-US" sz="1800" spc="-1" strike="noStrike">
-              <a:solidFill>
-                <a:srgbClr val="000000"/>
-              </a:solidFill>
-              <a:latin typeface="Gill Sans MT"/>
-            </a:endParaRPr>
-          </a:p>
-        </p:txBody>
-      </p:sp>
-      <p:sp>
-        <p:nvSpPr>
-          <p:cNvPr id="53" name="PlaceHolder 2"/>
+            <a:pPr algn="ctr"/>
+            <a:endParaRPr b="0" lang="en-US" sz="4400" spc="-1" strike="noStrike">
+              <a:latin typeface="Arial"/>
+            </a:endParaRPr>
+          </a:p>
+        </p:txBody>
+      </p:sp>
+      <p:sp>
+        <p:nvSpPr>
+          <p:cNvPr id="47" name="PlaceHolder 2"/>
           <p:cNvSpPr>
             <a:spLocks noGrp="1"/>
           </p:cNvSpPr>
@@ -681,8 +638,8 @@
         </p:nvSpPr>
         <p:spPr>
           <a:xfrm>
-            <a:off x="1251720" y="2286000"/>
-            <a:ext cx="10177920" cy="3593160"/>
+            <a:off x="609480" y="1604520"/>
+            <a:ext cx="10972440" cy="3977280"/>
           </a:xfrm>
           <a:prstGeom prst="rect">
             <a:avLst/>
@@ -722,7 +679,7 @@
       </p:grpSpPr>
       <p:sp>
         <p:nvSpPr>
-          <p:cNvPr id="54" name="PlaceHolder 1"/>
+          <p:cNvPr id="48" name="PlaceHolder 1"/>
           <p:cNvSpPr>
             <a:spLocks noGrp="1"/>
           </p:cNvSpPr>
@@ -732,8 +689,8 @@
         </p:nvSpPr>
         <p:spPr>
           <a:xfrm>
-            <a:off x="1251720" y="382320"/>
-            <a:ext cx="10177920" cy="1491840"/>
+            <a:off x="609480" y="273600"/>
+            <a:ext cx="10972440" cy="1144800"/>
           </a:xfrm>
           <a:prstGeom prst="rect">
             <a:avLst/>
@@ -742,18 +699,16 @@
         <p:txBody>
           <a:bodyPr lIns="0" rIns="0" tIns="0" bIns="0" anchor="ctr"/>
           <a:p>
-            <a:endParaRPr b="0" lang="en-US" sz="1800" spc="-1" strike="noStrike">
-              <a:solidFill>
-                <a:srgbClr val="000000"/>
-              </a:solidFill>
-              <a:latin typeface="Gill Sans MT"/>
-            </a:endParaRPr>
-          </a:p>
-        </p:txBody>
-      </p:sp>
-      <p:sp>
-        <p:nvSpPr>
-          <p:cNvPr id="55" name="PlaceHolder 2"/>
+            <a:pPr algn="ctr"/>
+            <a:endParaRPr b="0" lang="en-US" sz="4400" spc="-1" strike="noStrike">
+              <a:latin typeface="Arial"/>
+            </a:endParaRPr>
+          </a:p>
+        </p:txBody>
+      </p:sp>
+      <p:sp>
+        <p:nvSpPr>
+          <p:cNvPr id="49" name="PlaceHolder 2"/>
           <p:cNvSpPr>
             <a:spLocks noGrp="1"/>
           </p:cNvSpPr>
@@ -763,8 +718,8 @@
         </p:nvSpPr>
         <p:spPr>
           <a:xfrm>
-            <a:off x="1251720" y="2286000"/>
-            <a:ext cx="10177920" cy="3593160"/>
+            <a:off x="609480" y="1604520"/>
+            <a:ext cx="10972440" cy="3977280"/>
           </a:xfrm>
           <a:prstGeom prst="rect">
             <a:avLst/>
@@ -775,11 +730,8 @@
             <a:normAutofit/>
           </a:bodyPr>
           <a:p>
-            <a:endParaRPr b="0" lang="en-US" sz="2000" spc="-1" strike="noStrike">
-              <a:solidFill>
-                <a:srgbClr val="595959"/>
-              </a:solidFill>
-              <a:latin typeface="Gill Sans MT"/>
+            <a:endParaRPr b="0" lang="en-US" sz="3200" spc="-1" strike="noStrike">
+              <a:latin typeface="Arial"/>
             </a:endParaRPr>
           </a:p>
         </p:txBody>
@@ -808,7 +760,7 @@
       </p:grpSpPr>
       <p:sp>
         <p:nvSpPr>
-          <p:cNvPr id="56" name="PlaceHolder 1"/>
+          <p:cNvPr id="50" name="PlaceHolder 1"/>
           <p:cNvSpPr>
             <a:spLocks noGrp="1"/>
           </p:cNvSpPr>
@@ -818,8 +770,8 @@
         </p:nvSpPr>
         <p:spPr>
           <a:xfrm>
-            <a:off x="1251720" y="382320"/>
-            <a:ext cx="10177920" cy="1491840"/>
+            <a:off x="609480" y="273600"/>
+            <a:ext cx="10972440" cy="1144800"/>
           </a:xfrm>
           <a:prstGeom prst="rect">
             <a:avLst/>
@@ -828,18 +780,16 @@
         <p:txBody>
           <a:bodyPr lIns="0" rIns="0" tIns="0" bIns="0" anchor="ctr"/>
           <a:p>
-            <a:endParaRPr b="0" lang="en-US" sz="1800" spc="-1" strike="noStrike">
-              <a:solidFill>
-                <a:srgbClr val="000000"/>
-              </a:solidFill>
-              <a:latin typeface="Gill Sans MT"/>
-            </a:endParaRPr>
-          </a:p>
-        </p:txBody>
-      </p:sp>
-      <p:sp>
-        <p:nvSpPr>
-          <p:cNvPr id="57" name="PlaceHolder 2"/>
+            <a:pPr algn="ctr"/>
+            <a:endParaRPr b="0" lang="en-US" sz="4400" spc="-1" strike="noStrike">
+              <a:latin typeface="Arial"/>
+            </a:endParaRPr>
+          </a:p>
+        </p:txBody>
+      </p:sp>
+      <p:sp>
+        <p:nvSpPr>
+          <p:cNvPr id="51" name="PlaceHolder 2"/>
           <p:cNvSpPr>
             <a:spLocks noGrp="1"/>
           </p:cNvSpPr>
@@ -849,8 +799,8 @@
         </p:nvSpPr>
         <p:spPr>
           <a:xfrm>
-            <a:off x="1251720" y="2286000"/>
-            <a:ext cx="4966560" cy="3593160"/>
+            <a:off x="609480" y="1604520"/>
+            <a:ext cx="5354280" cy="3977280"/>
           </a:xfrm>
           <a:prstGeom prst="rect">
             <a:avLst/>
@@ -861,18 +811,15 @@
             <a:normAutofit/>
           </a:bodyPr>
           <a:p>
-            <a:endParaRPr b="0" lang="en-US" sz="2000" spc="-1" strike="noStrike">
-              <a:solidFill>
-                <a:srgbClr val="595959"/>
-              </a:solidFill>
-              <a:latin typeface="Gill Sans MT"/>
-            </a:endParaRPr>
-          </a:p>
-        </p:txBody>
-      </p:sp>
-      <p:sp>
-        <p:nvSpPr>
-          <p:cNvPr id="58" name="PlaceHolder 3"/>
+            <a:endParaRPr b="0" lang="en-US" sz="3200" spc="-1" strike="noStrike">
+              <a:latin typeface="Arial"/>
+            </a:endParaRPr>
+          </a:p>
+        </p:txBody>
+      </p:sp>
+      <p:sp>
+        <p:nvSpPr>
+          <p:cNvPr id="52" name="PlaceHolder 3"/>
           <p:cNvSpPr>
             <a:spLocks noGrp="1"/>
           </p:cNvSpPr>
@@ -882,8 +829,8 @@
         </p:nvSpPr>
         <p:spPr>
           <a:xfrm>
-            <a:off x="6467040" y="2286000"/>
-            <a:ext cx="4966560" cy="3593160"/>
+            <a:off x="6231960" y="1604520"/>
+            <a:ext cx="5354280" cy="3977280"/>
           </a:xfrm>
           <a:prstGeom prst="rect">
             <a:avLst/>
@@ -894,11 +841,8 @@
             <a:normAutofit/>
           </a:bodyPr>
           <a:p>
-            <a:endParaRPr b="0" lang="en-US" sz="2000" spc="-1" strike="noStrike">
-              <a:solidFill>
-                <a:srgbClr val="595959"/>
-              </a:solidFill>
-              <a:latin typeface="Gill Sans MT"/>
+            <a:endParaRPr b="0" lang="en-US" sz="3200" spc="-1" strike="noStrike">
+              <a:latin typeface="Arial"/>
             </a:endParaRPr>
           </a:p>
         </p:txBody>
@@ -927,7 +871,7 @@
       </p:grpSpPr>
       <p:sp>
         <p:nvSpPr>
-          <p:cNvPr id="59" name="PlaceHolder 1"/>
+          <p:cNvPr id="53" name="PlaceHolder 1"/>
           <p:cNvSpPr>
             <a:spLocks noGrp="1"/>
           </p:cNvSpPr>
@@ -937,8 +881,8 @@
         </p:nvSpPr>
         <p:spPr>
           <a:xfrm>
-            <a:off x="1251720" y="382320"/>
-            <a:ext cx="10177920" cy="1491840"/>
+            <a:off x="609480" y="273600"/>
+            <a:ext cx="10972440" cy="1144800"/>
           </a:xfrm>
           <a:prstGeom prst="rect">
             <a:avLst/>
@@ -947,11 +891,9 @@
         <p:txBody>
           <a:bodyPr lIns="0" rIns="0" tIns="0" bIns="0" anchor="ctr"/>
           <a:p>
-            <a:endParaRPr b="0" lang="en-US" sz="1800" spc="-1" strike="noStrike">
-              <a:solidFill>
-                <a:srgbClr val="000000"/>
-              </a:solidFill>
-              <a:latin typeface="Gill Sans MT"/>
+            <a:pPr algn="ctr"/>
+            <a:endParaRPr b="0" lang="en-US" sz="4400" spc="-1" strike="noStrike">
+              <a:latin typeface="Arial"/>
             </a:endParaRPr>
           </a:p>
         </p:txBody>
@@ -980,7 +922,7 @@
       </p:grpSpPr>
       <p:sp>
         <p:nvSpPr>
-          <p:cNvPr id="60" name="PlaceHolder 1"/>
+          <p:cNvPr id="54" name="PlaceHolder 1"/>
           <p:cNvSpPr>
             <a:spLocks noGrp="1"/>
           </p:cNvSpPr>
@@ -990,8 +932,8 @@
         </p:nvSpPr>
         <p:spPr>
           <a:xfrm>
-            <a:off x="1251720" y="382320"/>
-            <a:ext cx="10177920" cy="6916680"/>
+            <a:off x="609480" y="273600"/>
+            <a:ext cx="10972440" cy="5307840"/>
           </a:xfrm>
           <a:prstGeom prst="rect">
             <a:avLst/>
@@ -1031,7 +973,7 @@
       </p:grpSpPr>
       <p:sp>
         <p:nvSpPr>
-          <p:cNvPr id="61" name="PlaceHolder 1"/>
+          <p:cNvPr id="55" name="PlaceHolder 1"/>
           <p:cNvSpPr>
             <a:spLocks noGrp="1"/>
           </p:cNvSpPr>
@@ -1041,8 +983,8 @@
         </p:nvSpPr>
         <p:spPr>
           <a:xfrm>
-            <a:off x="1251720" y="382320"/>
-            <a:ext cx="10177920" cy="1491840"/>
+            <a:off x="609480" y="273600"/>
+            <a:ext cx="10972440" cy="1144800"/>
           </a:xfrm>
           <a:prstGeom prst="rect">
             <a:avLst/>
@@ -1051,18 +993,16 @@
         <p:txBody>
           <a:bodyPr lIns="0" rIns="0" tIns="0" bIns="0" anchor="ctr"/>
           <a:p>
-            <a:endParaRPr b="0" lang="en-US" sz="1800" spc="-1" strike="noStrike">
-              <a:solidFill>
-                <a:srgbClr val="000000"/>
-              </a:solidFill>
-              <a:latin typeface="Gill Sans MT"/>
-            </a:endParaRPr>
-          </a:p>
-        </p:txBody>
-      </p:sp>
-      <p:sp>
-        <p:nvSpPr>
-          <p:cNvPr id="62" name="PlaceHolder 2"/>
+            <a:pPr algn="ctr"/>
+            <a:endParaRPr b="0" lang="en-US" sz="4400" spc="-1" strike="noStrike">
+              <a:latin typeface="Arial"/>
+            </a:endParaRPr>
+          </a:p>
+        </p:txBody>
+      </p:sp>
+      <p:sp>
+        <p:nvSpPr>
+          <p:cNvPr id="56" name="PlaceHolder 2"/>
           <p:cNvSpPr>
             <a:spLocks noGrp="1"/>
           </p:cNvSpPr>
@@ -1072,8 +1012,8 @@
         </p:nvSpPr>
         <p:spPr>
           <a:xfrm>
-            <a:off x="1251720" y="2286000"/>
-            <a:ext cx="4966560" cy="1713600"/>
+            <a:off x="609480" y="1604520"/>
+            <a:ext cx="5354280" cy="1896840"/>
           </a:xfrm>
           <a:prstGeom prst="rect">
             <a:avLst/>
@@ -1084,18 +1024,15 @@
             <a:normAutofit/>
           </a:bodyPr>
           <a:p>
-            <a:endParaRPr b="0" lang="en-US" sz="2000" spc="-1" strike="noStrike">
-              <a:solidFill>
-                <a:srgbClr val="595959"/>
-              </a:solidFill>
-              <a:latin typeface="Gill Sans MT"/>
-            </a:endParaRPr>
-          </a:p>
-        </p:txBody>
-      </p:sp>
-      <p:sp>
-        <p:nvSpPr>
-          <p:cNvPr id="63" name="PlaceHolder 3"/>
+            <a:endParaRPr b="0" lang="en-US" sz="3200" spc="-1" strike="noStrike">
+              <a:latin typeface="Arial"/>
+            </a:endParaRPr>
+          </a:p>
+        </p:txBody>
+      </p:sp>
+      <p:sp>
+        <p:nvSpPr>
+          <p:cNvPr id="57" name="PlaceHolder 3"/>
           <p:cNvSpPr>
             <a:spLocks noGrp="1"/>
           </p:cNvSpPr>
@@ -1105,8 +1042,8 @@
         </p:nvSpPr>
         <p:spPr>
           <a:xfrm>
-            <a:off x="1251720" y="4162680"/>
-            <a:ext cx="4966560" cy="1713600"/>
+            <a:off x="609480" y="3682080"/>
+            <a:ext cx="5354280" cy="1896840"/>
           </a:xfrm>
           <a:prstGeom prst="rect">
             <a:avLst/>
@@ -1117,18 +1054,15 @@
             <a:normAutofit/>
           </a:bodyPr>
           <a:p>
-            <a:endParaRPr b="0" lang="en-US" sz="2000" spc="-1" strike="noStrike">
-              <a:solidFill>
-                <a:srgbClr val="595959"/>
-              </a:solidFill>
-              <a:latin typeface="Gill Sans MT"/>
-            </a:endParaRPr>
-          </a:p>
-        </p:txBody>
-      </p:sp>
-      <p:sp>
-        <p:nvSpPr>
-          <p:cNvPr id="64" name="PlaceHolder 4"/>
+            <a:endParaRPr b="0" lang="en-US" sz="3200" spc="-1" strike="noStrike">
+              <a:latin typeface="Arial"/>
+            </a:endParaRPr>
+          </a:p>
+        </p:txBody>
+      </p:sp>
+      <p:sp>
+        <p:nvSpPr>
+          <p:cNvPr id="58" name="PlaceHolder 4"/>
           <p:cNvSpPr>
             <a:spLocks noGrp="1"/>
           </p:cNvSpPr>
@@ -1138,8 +1072,8 @@
         </p:nvSpPr>
         <p:spPr>
           <a:xfrm>
-            <a:off x="6467040" y="2286000"/>
-            <a:ext cx="4966560" cy="3593160"/>
+            <a:off x="6231960" y="1604520"/>
+            <a:ext cx="5354280" cy="3977280"/>
           </a:xfrm>
           <a:prstGeom prst="rect">
             <a:avLst/>
@@ -1150,11 +1084,8 @@
             <a:normAutofit/>
           </a:bodyPr>
           <a:p>
-            <a:endParaRPr b="0" lang="en-US" sz="2000" spc="-1" strike="noStrike">
-              <a:solidFill>
-                <a:srgbClr val="595959"/>
-              </a:solidFill>
-              <a:latin typeface="Gill Sans MT"/>
+            <a:endParaRPr b="0" lang="en-US" sz="3200" spc="-1" strike="noStrike">
+              <a:latin typeface="Arial"/>
             </a:endParaRPr>
           </a:p>
         </p:txBody>
@@ -1183,7 +1114,7 @@
       </p:grpSpPr>
       <p:sp>
         <p:nvSpPr>
-          <p:cNvPr id="9" name="PlaceHolder 1"/>
+          <p:cNvPr id="6" name="PlaceHolder 1"/>
           <p:cNvSpPr>
             <a:spLocks noGrp="1"/>
           </p:cNvSpPr>
@@ -1193,8 +1124,8 @@
         </p:nvSpPr>
         <p:spPr>
           <a:xfrm>
-            <a:off x="1251720" y="382320"/>
-            <a:ext cx="10177920" cy="1491840"/>
+            <a:off x="609480" y="273600"/>
+            <a:ext cx="10972440" cy="1144800"/>
           </a:xfrm>
           <a:prstGeom prst="rect">
             <a:avLst/>
@@ -1203,18 +1134,16 @@
         <p:txBody>
           <a:bodyPr lIns="0" rIns="0" tIns="0" bIns="0" anchor="ctr"/>
           <a:p>
-            <a:endParaRPr b="0" lang="en-US" sz="1800" spc="-1" strike="noStrike">
-              <a:solidFill>
-                <a:srgbClr val="000000"/>
-              </a:solidFill>
-              <a:latin typeface="Gill Sans MT"/>
-            </a:endParaRPr>
-          </a:p>
-        </p:txBody>
-      </p:sp>
-      <p:sp>
-        <p:nvSpPr>
-          <p:cNvPr id="10" name="PlaceHolder 2"/>
+            <a:pPr algn="ctr"/>
+            <a:endParaRPr b="0" lang="en-US" sz="4400" spc="-1" strike="noStrike">
+              <a:latin typeface="Arial"/>
+            </a:endParaRPr>
+          </a:p>
+        </p:txBody>
+      </p:sp>
+      <p:sp>
+        <p:nvSpPr>
+          <p:cNvPr id="7" name="PlaceHolder 2"/>
           <p:cNvSpPr>
             <a:spLocks noGrp="1"/>
           </p:cNvSpPr>
@@ -1224,8 +1153,8 @@
         </p:nvSpPr>
         <p:spPr>
           <a:xfrm>
-            <a:off x="1251720" y="2286000"/>
-            <a:ext cx="10177920" cy="3593160"/>
+            <a:off x="609480" y="1604520"/>
+            <a:ext cx="10972440" cy="3977280"/>
           </a:xfrm>
           <a:prstGeom prst="rect">
             <a:avLst/>
@@ -1265,7 +1194,7 @@
       </p:grpSpPr>
       <p:sp>
         <p:nvSpPr>
-          <p:cNvPr id="65" name="PlaceHolder 1"/>
+          <p:cNvPr id="59" name="PlaceHolder 1"/>
           <p:cNvSpPr>
             <a:spLocks noGrp="1"/>
           </p:cNvSpPr>
@@ -1275,8 +1204,8 @@
         </p:nvSpPr>
         <p:spPr>
           <a:xfrm>
-            <a:off x="1251720" y="382320"/>
-            <a:ext cx="10177920" cy="1491840"/>
+            <a:off x="609480" y="273600"/>
+            <a:ext cx="10972440" cy="1144800"/>
           </a:xfrm>
           <a:prstGeom prst="rect">
             <a:avLst/>
@@ -1285,18 +1214,16 @@
         <p:txBody>
           <a:bodyPr lIns="0" rIns="0" tIns="0" bIns="0" anchor="ctr"/>
           <a:p>
-            <a:endParaRPr b="0" lang="en-US" sz="1800" spc="-1" strike="noStrike">
-              <a:solidFill>
-                <a:srgbClr val="000000"/>
-              </a:solidFill>
-              <a:latin typeface="Gill Sans MT"/>
-            </a:endParaRPr>
-          </a:p>
-        </p:txBody>
-      </p:sp>
-      <p:sp>
-        <p:nvSpPr>
-          <p:cNvPr id="66" name="PlaceHolder 2"/>
+            <a:pPr algn="ctr"/>
+            <a:endParaRPr b="0" lang="en-US" sz="4400" spc="-1" strike="noStrike">
+              <a:latin typeface="Arial"/>
+            </a:endParaRPr>
+          </a:p>
+        </p:txBody>
+      </p:sp>
+      <p:sp>
+        <p:nvSpPr>
+          <p:cNvPr id="60" name="PlaceHolder 2"/>
           <p:cNvSpPr>
             <a:spLocks noGrp="1"/>
           </p:cNvSpPr>
@@ -1306,8 +1233,8 @@
         </p:nvSpPr>
         <p:spPr>
           <a:xfrm>
-            <a:off x="1251720" y="2286000"/>
-            <a:ext cx="4966560" cy="3593160"/>
+            <a:off x="609480" y="1604520"/>
+            <a:ext cx="5354280" cy="3977280"/>
           </a:xfrm>
           <a:prstGeom prst="rect">
             <a:avLst/>
@@ -1318,18 +1245,15 @@
             <a:normAutofit/>
           </a:bodyPr>
           <a:p>
-            <a:endParaRPr b="0" lang="en-US" sz="2000" spc="-1" strike="noStrike">
-              <a:solidFill>
-                <a:srgbClr val="595959"/>
-              </a:solidFill>
-              <a:latin typeface="Gill Sans MT"/>
-            </a:endParaRPr>
-          </a:p>
-        </p:txBody>
-      </p:sp>
-      <p:sp>
-        <p:nvSpPr>
-          <p:cNvPr id="67" name="PlaceHolder 3"/>
+            <a:endParaRPr b="0" lang="en-US" sz="3200" spc="-1" strike="noStrike">
+              <a:latin typeface="Arial"/>
+            </a:endParaRPr>
+          </a:p>
+        </p:txBody>
+      </p:sp>
+      <p:sp>
+        <p:nvSpPr>
+          <p:cNvPr id="61" name="PlaceHolder 3"/>
           <p:cNvSpPr>
             <a:spLocks noGrp="1"/>
           </p:cNvSpPr>
@@ -1339,8 +1263,8 @@
         </p:nvSpPr>
         <p:spPr>
           <a:xfrm>
-            <a:off x="6467040" y="2286000"/>
-            <a:ext cx="4966560" cy="1713600"/>
+            <a:off x="6231960" y="1604520"/>
+            <a:ext cx="5354280" cy="1896840"/>
           </a:xfrm>
           <a:prstGeom prst="rect">
             <a:avLst/>
@@ -1351,18 +1275,15 @@
             <a:normAutofit/>
           </a:bodyPr>
           <a:p>
-            <a:endParaRPr b="0" lang="en-US" sz="2000" spc="-1" strike="noStrike">
-              <a:solidFill>
-                <a:srgbClr val="595959"/>
-              </a:solidFill>
-              <a:latin typeface="Gill Sans MT"/>
-            </a:endParaRPr>
-          </a:p>
-        </p:txBody>
-      </p:sp>
-      <p:sp>
-        <p:nvSpPr>
-          <p:cNvPr id="68" name="PlaceHolder 4"/>
+            <a:endParaRPr b="0" lang="en-US" sz="3200" spc="-1" strike="noStrike">
+              <a:latin typeface="Arial"/>
+            </a:endParaRPr>
+          </a:p>
+        </p:txBody>
+      </p:sp>
+      <p:sp>
+        <p:nvSpPr>
+          <p:cNvPr id="62" name="PlaceHolder 4"/>
           <p:cNvSpPr>
             <a:spLocks noGrp="1"/>
           </p:cNvSpPr>
@@ -1372,8 +1293,8 @@
         </p:nvSpPr>
         <p:spPr>
           <a:xfrm>
-            <a:off x="6467040" y="4162680"/>
-            <a:ext cx="4966560" cy="1713600"/>
+            <a:off x="6231960" y="3682080"/>
+            <a:ext cx="5354280" cy="1896840"/>
           </a:xfrm>
           <a:prstGeom prst="rect">
             <a:avLst/>
@@ -1384,11 +1305,8 @@
             <a:normAutofit/>
           </a:bodyPr>
           <a:p>
-            <a:endParaRPr b="0" lang="en-US" sz="2000" spc="-1" strike="noStrike">
-              <a:solidFill>
-                <a:srgbClr val="595959"/>
-              </a:solidFill>
-              <a:latin typeface="Gill Sans MT"/>
+            <a:endParaRPr b="0" lang="en-US" sz="3200" spc="-1" strike="noStrike">
+              <a:latin typeface="Arial"/>
             </a:endParaRPr>
           </a:p>
         </p:txBody>
@@ -1417,7 +1335,7 @@
       </p:grpSpPr>
       <p:sp>
         <p:nvSpPr>
-          <p:cNvPr id="69" name="PlaceHolder 1"/>
+          <p:cNvPr id="63" name="PlaceHolder 1"/>
           <p:cNvSpPr>
             <a:spLocks noGrp="1"/>
           </p:cNvSpPr>
@@ -1427,8 +1345,8 @@
         </p:nvSpPr>
         <p:spPr>
           <a:xfrm>
-            <a:off x="1251720" y="382320"/>
-            <a:ext cx="10177920" cy="1491840"/>
+            <a:off x="609480" y="273600"/>
+            <a:ext cx="10972440" cy="1144800"/>
           </a:xfrm>
           <a:prstGeom prst="rect">
             <a:avLst/>
@@ -1437,18 +1355,16 @@
         <p:txBody>
           <a:bodyPr lIns="0" rIns="0" tIns="0" bIns="0" anchor="ctr"/>
           <a:p>
-            <a:endParaRPr b="0" lang="en-US" sz="1800" spc="-1" strike="noStrike">
-              <a:solidFill>
-                <a:srgbClr val="000000"/>
-              </a:solidFill>
-              <a:latin typeface="Gill Sans MT"/>
-            </a:endParaRPr>
-          </a:p>
-        </p:txBody>
-      </p:sp>
-      <p:sp>
-        <p:nvSpPr>
-          <p:cNvPr id="70" name="PlaceHolder 2"/>
+            <a:pPr algn="ctr"/>
+            <a:endParaRPr b="0" lang="en-US" sz="4400" spc="-1" strike="noStrike">
+              <a:latin typeface="Arial"/>
+            </a:endParaRPr>
+          </a:p>
+        </p:txBody>
+      </p:sp>
+      <p:sp>
+        <p:nvSpPr>
+          <p:cNvPr id="64" name="PlaceHolder 2"/>
           <p:cNvSpPr>
             <a:spLocks noGrp="1"/>
           </p:cNvSpPr>
@@ -1458,8 +1374,8 @@
         </p:nvSpPr>
         <p:spPr>
           <a:xfrm>
-            <a:off x="1251720" y="2286000"/>
-            <a:ext cx="4966560" cy="1713600"/>
+            <a:off x="609480" y="1604520"/>
+            <a:ext cx="5354280" cy="1896840"/>
           </a:xfrm>
           <a:prstGeom prst="rect">
             <a:avLst/>
@@ -1470,18 +1386,15 @@
             <a:normAutofit/>
           </a:bodyPr>
           <a:p>
-            <a:endParaRPr b="0" lang="en-US" sz="2000" spc="-1" strike="noStrike">
-              <a:solidFill>
-                <a:srgbClr val="595959"/>
-              </a:solidFill>
-              <a:latin typeface="Gill Sans MT"/>
-            </a:endParaRPr>
-          </a:p>
-        </p:txBody>
-      </p:sp>
-      <p:sp>
-        <p:nvSpPr>
-          <p:cNvPr id="71" name="PlaceHolder 3"/>
+            <a:endParaRPr b="0" lang="en-US" sz="3200" spc="-1" strike="noStrike">
+              <a:latin typeface="Arial"/>
+            </a:endParaRPr>
+          </a:p>
+        </p:txBody>
+      </p:sp>
+      <p:sp>
+        <p:nvSpPr>
+          <p:cNvPr id="65" name="PlaceHolder 3"/>
           <p:cNvSpPr>
             <a:spLocks noGrp="1"/>
           </p:cNvSpPr>
@@ -1491,8 +1404,8 @@
         </p:nvSpPr>
         <p:spPr>
           <a:xfrm>
-            <a:off x="6467040" y="2286000"/>
-            <a:ext cx="4966560" cy="1713600"/>
+            <a:off x="6231960" y="1604520"/>
+            <a:ext cx="5354280" cy="1896840"/>
           </a:xfrm>
           <a:prstGeom prst="rect">
             <a:avLst/>
@@ -1503,18 +1416,15 @@
             <a:normAutofit/>
           </a:bodyPr>
           <a:p>
-            <a:endParaRPr b="0" lang="en-US" sz="2000" spc="-1" strike="noStrike">
-              <a:solidFill>
-                <a:srgbClr val="595959"/>
-              </a:solidFill>
-              <a:latin typeface="Gill Sans MT"/>
-            </a:endParaRPr>
-          </a:p>
-        </p:txBody>
-      </p:sp>
-      <p:sp>
-        <p:nvSpPr>
-          <p:cNvPr id="72" name="PlaceHolder 4"/>
+            <a:endParaRPr b="0" lang="en-US" sz="3200" spc="-1" strike="noStrike">
+              <a:latin typeface="Arial"/>
+            </a:endParaRPr>
+          </a:p>
+        </p:txBody>
+      </p:sp>
+      <p:sp>
+        <p:nvSpPr>
+          <p:cNvPr id="66" name="PlaceHolder 4"/>
           <p:cNvSpPr>
             <a:spLocks noGrp="1"/>
           </p:cNvSpPr>
@@ -1524,8 +1434,8 @@
         </p:nvSpPr>
         <p:spPr>
           <a:xfrm>
-            <a:off x="1251720" y="4162680"/>
-            <a:ext cx="10177920" cy="1713600"/>
+            <a:off x="609480" y="3682080"/>
+            <a:ext cx="10972440" cy="1896840"/>
           </a:xfrm>
           <a:prstGeom prst="rect">
             <a:avLst/>
@@ -1536,11 +1446,8 @@
             <a:normAutofit/>
           </a:bodyPr>
           <a:p>
-            <a:endParaRPr b="0" lang="en-US" sz="2000" spc="-1" strike="noStrike">
-              <a:solidFill>
-                <a:srgbClr val="595959"/>
-              </a:solidFill>
-              <a:latin typeface="Gill Sans MT"/>
+            <a:endParaRPr b="0" lang="en-US" sz="3200" spc="-1" strike="noStrike">
+              <a:latin typeface="Arial"/>
             </a:endParaRPr>
           </a:p>
         </p:txBody>
@@ -1569,7 +1476,7 @@
       </p:grpSpPr>
       <p:sp>
         <p:nvSpPr>
-          <p:cNvPr id="73" name="PlaceHolder 1"/>
+          <p:cNvPr id="67" name="PlaceHolder 1"/>
           <p:cNvSpPr>
             <a:spLocks noGrp="1"/>
           </p:cNvSpPr>
@@ -1579,8 +1486,8 @@
         </p:nvSpPr>
         <p:spPr>
           <a:xfrm>
-            <a:off x="1251720" y="382320"/>
-            <a:ext cx="10177920" cy="1491840"/>
+            <a:off x="609480" y="273600"/>
+            <a:ext cx="10972440" cy="1144800"/>
           </a:xfrm>
           <a:prstGeom prst="rect">
             <a:avLst/>
@@ -1589,18 +1496,16 @@
         <p:txBody>
           <a:bodyPr lIns="0" rIns="0" tIns="0" bIns="0" anchor="ctr"/>
           <a:p>
-            <a:endParaRPr b="0" lang="en-US" sz="1800" spc="-1" strike="noStrike">
-              <a:solidFill>
-                <a:srgbClr val="000000"/>
-              </a:solidFill>
-              <a:latin typeface="Gill Sans MT"/>
-            </a:endParaRPr>
-          </a:p>
-        </p:txBody>
-      </p:sp>
-      <p:sp>
-        <p:nvSpPr>
-          <p:cNvPr id="74" name="PlaceHolder 2"/>
+            <a:pPr algn="ctr"/>
+            <a:endParaRPr b="0" lang="en-US" sz="4400" spc="-1" strike="noStrike">
+              <a:latin typeface="Arial"/>
+            </a:endParaRPr>
+          </a:p>
+        </p:txBody>
+      </p:sp>
+      <p:sp>
+        <p:nvSpPr>
+          <p:cNvPr id="68" name="PlaceHolder 2"/>
           <p:cNvSpPr>
             <a:spLocks noGrp="1"/>
           </p:cNvSpPr>
@@ -1610,8 +1515,8 @@
         </p:nvSpPr>
         <p:spPr>
           <a:xfrm>
-            <a:off x="1251720" y="2286000"/>
-            <a:ext cx="10177920" cy="1713600"/>
+            <a:off x="609480" y="1604520"/>
+            <a:ext cx="10972440" cy="1896840"/>
           </a:xfrm>
           <a:prstGeom prst="rect">
             <a:avLst/>
@@ -1622,18 +1527,15 @@
             <a:normAutofit/>
           </a:bodyPr>
           <a:p>
-            <a:endParaRPr b="0" lang="en-US" sz="2000" spc="-1" strike="noStrike">
-              <a:solidFill>
-                <a:srgbClr val="595959"/>
-              </a:solidFill>
-              <a:latin typeface="Gill Sans MT"/>
-            </a:endParaRPr>
-          </a:p>
-        </p:txBody>
-      </p:sp>
-      <p:sp>
-        <p:nvSpPr>
-          <p:cNvPr id="75" name="PlaceHolder 3"/>
+            <a:endParaRPr b="0" lang="en-US" sz="3200" spc="-1" strike="noStrike">
+              <a:latin typeface="Arial"/>
+            </a:endParaRPr>
+          </a:p>
+        </p:txBody>
+      </p:sp>
+      <p:sp>
+        <p:nvSpPr>
+          <p:cNvPr id="69" name="PlaceHolder 3"/>
           <p:cNvSpPr>
             <a:spLocks noGrp="1"/>
           </p:cNvSpPr>
@@ -1643,8 +1545,8 @@
         </p:nvSpPr>
         <p:spPr>
           <a:xfrm>
-            <a:off x="1251720" y="4162680"/>
-            <a:ext cx="10177920" cy="1713600"/>
+            <a:off x="609480" y="3682080"/>
+            <a:ext cx="10972440" cy="1896840"/>
           </a:xfrm>
           <a:prstGeom prst="rect">
             <a:avLst/>
@@ -1655,11 +1557,8 @@
             <a:normAutofit/>
           </a:bodyPr>
           <a:p>
-            <a:endParaRPr b="0" lang="en-US" sz="2000" spc="-1" strike="noStrike">
-              <a:solidFill>
-                <a:srgbClr val="595959"/>
-              </a:solidFill>
-              <a:latin typeface="Gill Sans MT"/>
+            <a:endParaRPr b="0" lang="en-US" sz="3200" spc="-1" strike="noStrike">
+              <a:latin typeface="Arial"/>
             </a:endParaRPr>
           </a:p>
         </p:txBody>
@@ -1688,7 +1587,7 @@
       </p:grpSpPr>
       <p:sp>
         <p:nvSpPr>
-          <p:cNvPr id="76" name="PlaceHolder 1"/>
+          <p:cNvPr id="70" name="PlaceHolder 1"/>
           <p:cNvSpPr>
             <a:spLocks noGrp="1"/>
           </p:cNvSpPr>
@@ -1698,8 +1597,8 @@
         </p:nvSpPr>
         <p:spPr>
           <a:xfrm>
-            <a:off x="1251720" y="382320"/>
-            <a:ext cx="10177920" cy="1491840"/>
+            <a:off x="609480" y="273600"/>
+            <a:ext cx="10972440" cy="1144800"/>
           </a:xfrm>
           <a:prstGeom prst="rect">
             <a:avLst/>
@@ -1708,18 +1607,16 @@
         <p:txBody>
           <a:bodyPr lIns="0" rIns="0" tIns="0" bIns="0" anchor="ctr"/>
           <a:p>
-            <a:endParaRPr b="0" lang="en-US" sz="1800" spc="-1" strike="noStrike">
-              <a:solidFill>
-                <a:srgbClr val="000000"/>
-              </a:solidFill>
-              <a:latin typeface="Gill Sans MT"/>
-            </a:endParaRPr>
-          </a:p>
-        </p:txBody>
-      </p:sp>
-      <p:sp>
-        <p:nvSpPr>
-          <p:cNvPr id="77" name="PlaceHolder 2"/>
+            <a:pPr algn="ctr"/>
+            <a:endParaRPr b="0" lang="en-US" sz="4400" spc="-1" strike="noStrike">
+              <a:latin typeface="Arial"/>
+            </a:endParaRPr>
+          </a:p>
+        </p:txBody>
+      </p:sp>
+      <p:sp>
+        <p:nvSpPr>
+          <p:cNvPr id="71" name="PlaceHolder 2"/>
           <p:cNvSpPr>
             <a:spLocks noGrp="1"/>
           </p:cNvSpPr>
@@ -1729,8 +1626,8 @@
         </p:nvSpPr>
         <p:spPr>
           <a:xfrm>
-            <a:off x="1251720" y="2286000"/>
-            <a:ext cx="4966560" cy="1713600"/>
+            <a:off x="609480" y="1604520"/>
+            <a:ext cx="5354280" cy="1896840"/>
           </a:xfrm>
           <a:prstGeom prst="rect">
             <a:avLst/>
@@ -1741,18 +1638,15 @@
             <a:normAutofit/>
           </a:bodyPr>
           <a:p>
-            <a:endParaRPr b="0" lang="en-US" sz="2000" spc="-1" strike="noStrike">
-              <a:solidFill>
-                <a:srgbClr val="595959"/>
-              </a:solidFill>
-              <a:latin typeface="Gill Sans MT"/>
-            </a:endParaRPr>
-          </a:p>
-        </p:txBody>
-      </p:sp>
-      <p:sp>
-        <p:nvSpPr>
-          <p:cNvPr id="78" name="PlaceHolder 3"/>
+            <a:endParaRPr b="0" lang="en-US" sz="3200" spc="-1" strike="noStrike">
+              <a:latin typeface="Arial"/>
+            </a:endParaRPr>
+          </a:p>
+        </p:txBody>
+      </p:sp>
+      <p:sp>
+        <p:nvSpPr>
+          <p:cNvPr id="72" name="PlaceHolder 3"/>
           <p:cNvSpPr>
             <a:spLocks noGrp="1"/>
           </p:cNvSpPr>
@@ -1762,8 +1656,8 @@
         </p:nvSpPr>
         <p:spPr>
           <a:xfrm>
-            <a:off x="6467040" y="2286000"/>
-            <a:ext cx="4966560" cy="1713600"/>
+            <a:off x="6231960" y="1604520"/>
+            <a:ext cx="5354280" cy="1896840"/>
           </a:xfrm>
           <a:prstGeom prst="rect">
             <a:avLst/>
@@ -1774,18 +1668,15 @@
             <a:normAutofit/>
           </a:bodyPr>
           <a:p>
-            <a:endParaRPr b="0" lang="en-US" sz="2000" spc="-1" strike="noStrike">
-              <a:solidFill>
-                <a:srgbClr val="595959"/>
-              </a:solidFill>
-              <a:latin typeface="Gill Sans MT"/>
-            </a:endParaRPr>
-          </a:p>
-        </p:txBody>
-      </p:sp>
-      <p:sp>
-        <p:nvSpPr>
-          <p:cNvPr id="79" name="PlaceHolder 4"/>
+            <a:endParaRPr b="0" lang="en-US" sz="3200" spc="-1" strike="noStrike">
+              <a:latin typeface="Arial"/>
+            </a:endParaRPr>
+          </a:p>
+        </p:txBody>
+      </p:sp>
+      <p:sp>
+        <p:nvSpPr>
+          <p:cNvPr id="73" name="PlaceHolder 4"/>
           <p:cNvSpPr>
             <a:spLocks noGrp="1"/>
           </p:cNvSpPr>
@@ -1795,8 +1686,8 @@
         </p:nvSpPr>
         <p:spPr>
           <a:xfrm>
-            <a:off x="6467040" y="4162680"/>
-            <a:ext cx="4966560" cy="1713600"/>
+            <a:off x="6231960" y="3682080"/>
+            <a:ext cx="5354280" cy="1896840"/>
           </a:xfrm>
           <a:prstGeom prst="rect">
             <a:avLst/>
@@ -1807,18 +1698,15 @@
             <a:normAutofit/>
           </a:bodyPr>
           <a:p>
-            <a:endParaRPr b="0" lang="en-US" sz="2000" spc="-1" strike="noStrike">
-              <a:solidFill>
-                <a:srgbClr val="595959"/>
-              </a:solidFill>
-              <a:latin typeface="Gill Sans MT"/>
-            </a:endParaRPr>
-          </a:p>
-        </p:txBody>
-      </p:sp>
-      <p:sp>
-        <p:nvSpPr>
-          <p:cNvPr id="80" name="PlaceHolder 5"/>
+            <a:endParaRPr b="0" lang="en-US" sz="3200" spc="-1" strike="noStrike">
+              <a:latin typeface="Arial"/>
+            </a:endParaRPr>
+          </a:p>
+        </p:txBody>
+      </p:sp>
+      <p:sp>
+        <p:nvSpPr>
+          <p:cNvPr id="74" name="PlaceHolder 5"/>
           <p:cNvSpPr>
             <a:spLocks noGrp="1"/>
           </p:cNvSpPr>
@@ -1828,8 +1716,8 @@
         </p:nvSpPr>
         <p:spPr>
           <a:xfrm>
-            <a:off x="1251720" y="4162680"/>
-            <a:ext cx="4966560" cy="1713600"/>
+            <a:off x="609480" y="3682080"/>
+            <a:ext cx="5354280" cy="1896840"/>
           </a:xfrm>
           <a:prstGeom prst="rect">
             <a:avLst/>
@@ -1840,11 +1728,8 @@
             <a:normAutofit/>
           </a:bodyPr>
           <a:p>
-            <a:endParaRPr b="0" lang="en-US" sz="2000" spc="-1" strike="noStrike">
-              <a:solidFill>
-                <a:srgbClr val="595959"/>
-              </a:solidFill>
-              <a:latin typeface="Gill Sans MT"/>
+            <a:endParaRPr b="0" lang="en-US" sz="3200" spc="-1" strike="noStrike">
+              <a:latin typeface="Arial"/>
             </a:endParaRPr>
           </a:p>
         </p:txBody>
@@ -1873,7 +1758,7 @@
       </p:grpSpPr>
       <p:sp>
         <p:nvSpPr>
-          <p:cNvPr id="81" name="PlaceHolder 1"/>
+          <p:cNvPr id="75" name="PlaceHolder 1"/>
           <p:cNvSpPr>
             <a:spLocks noGrp="1"/>
           </p:cNvSpPr>
@@ -1883,8 +1768,8 @@
         </p:nvSpPr>
         <p:spPr>
           <a:xfrm>
-            <a:off x="1251720" y="382320"/>
-            <a:ext cx="10177920" cy="1491840"/>
+            <a:off x="609480" y="273600"/>
+            <a:ext cx="10972440" cy="1144800"/>
           </a:xfrm>
           <a:prstGeom prst="rect">
             <a:avLst/>
@@ -1893,18 +1778,16 @@
         <p:txBody>
           <a:bodyPr lIns="0" rIns="0" tIns="0" bIns="0" anchor="ctr"/>
           <a:p>
-            <a:endParaRPr b="0" lang="en-US" sz="1800" spc="-1" strike="noStrike">
-              <a:solidFill>
-                <a:srgbClr val="000000"/>
-              </a:solidFill>
-              <a:latin typeface="Gill Sans MT"/>
-            </a:endParaRPr>
-          </a:p>
-        </p:txBody>
-      </p:sp>
-      <p:sp>
-        <p:nvSpPr>
-          <p:cNvPr id="82" name="PlaceHolder 2"/>
+            <a:pPr algn="ctr"/>
+            <a:endParaRPr b="0" lang="en-US" sz="4400" spc="-1" strike="noStrike">
+              <a:latin typeface="Arial"/>
+            </a:endParaRPr>
+          </a:p>
+        </p:txBody>
+      </p:sp>
+      <p:sp>
+        <p:nvSpPr>
+          <p:cNvPr id="76" name="PlaceHolder 2"/>
           <p:cNvSpPr>
             <a:spLocks noGrp="1"/>
           </p:cNvSpPr>
@@ -1914,8 +1797,8 @@
         </p:nvSpPr>
         <p:spPr>
           <a:xfrm>
-            <a:off x="1251720" y="2286000"/>
-            <a:ext cx="3277080" cy="1713600"/>
+            <a:off x="609480" y="1604520"/>
+            <a:ext cx="3533040" cy="1896840"/>
           </a:xfrm>
           <a:prstGeom prst="rect">
             <a:avLst/>
@@ -1926,18 +1809,15 @@
             <a:normAutofit/>
           </a:bodyPr>
           <a:p>
-            <a:endParaRPr b="0" lang="en-US" sz="2000" spc="-1" strike="noStrike">
-              <a:solidFill>
-                <a:srgbClr val="595959"/>
-              </a:solidFill>
-              <a:latin typeface="Gill Sans MT"/>
-            </a:endParaRPr>
-          </a:p>
-        </p:txBody>
-      </p:sp>
-      <p:sp>
-        <p:nvSpPr>
-          <p:cNvPr id="83" name="PlaceHolder 3"/>
+            <a:endParaRPr b="0" lang="en-US" sz="3200" spc="-1" strike="noStrike">
+              <a:latin typeface="Arial"/>
+            </a:endParaRPr>
+          </a:p>
+        </p:txBody>
+      </p:sp>
+      <p:sp>
+        <p:nvSpPr>
+          <p:cNvPr id="77" name="PlaceHolder 3"/>
           <p:cNvSpPr>
             <a:spLocks noGrp="1"/>
           </p:cNvSpPr>
@@ -1947,8 +1827,8 @@
         </p:nvSpPr>
         <p:spPr>
           <a:xfrm>
-            <a:off x="4692960" y="2286000"/>
-            <a:ext cx="3277080" cy="1713600"/>
+            <a:off x="4319640" y="1604520"/>
+            <a:ext cx="3533040" cy="1896840"/>
           </a:xfrm>
           <a:prstGeom prst="rect">
             <a:avLst/>
@@ -1959,18 +1839,15 @@
             <a:normAutofit/>
           </a:bodyPr>
           <a:p>
-            <a:endParaRPr b="0" lang="en-US" sz="2000" spc="-1" strike="noStrike">
-              <a:solidFill>
-                <a:srgbClr val="595959"/>
-              </a:solidFill>
-              <a:latin typeface="Gill Sans MT"/>
-            </a:endParaRPr>
-          </a:p>
-        </p:txBody>
-      </p:sp>
-      <p:sp>
-        <p:nvSpPr>
-          <p:cNvPr id="84" name="PlaceHolder 4"/>
+            <a:endParaRPr b="0" lang="en-US" sz="3200" spc="-1" strike="noStrike">
+              <a:latin typeface="Arial"/>
+            </a:endParaRPr>
+          </a:p>
+        </p:txBody>
+      </p:sp>
+      <p:sp>
+        <p:nvSpPr>
+          <p:cNvPr id="78" name="PlaceHolder 4"/>
           <p:cNvSpPr>
             <a:spLocks noGrp="1"/>
           </p:cNvSpPr>
@@ -1980,8 +1857,8 @@
         </p:nvSpPr>
         <p:spPr>
           <a:xfrm>
-            <a:off x="8134200" y="2286000"/>
-            <a:ext cx="3277080" cy="1713600"/>
+            <a:off x="8029800" y="1604520"/>
+            <a:ext cx="3533040" cy="1896840"/>
           </a:xfrm>
           <a:prstGeom prst="rect">
             <a:avLst/>
@@ -1992,18 +1869,15 @@
             <a:normAutofit/>
           </a:bodyPr>
           <a:p>
-            <a:endParaRPr b="0" lang="en-US" sz="2000" spc="-1" strike="noStrike">
-              <a:solidFill>
-                <a:srgbClr val="595959"/>
-              </a:solidFill>
-              <a:latin typeface="Gill Sans MT"/>
-            </a:endParaRPr>
-          </a:p>
-        </p:txBody>
-      </p:sp>
-      <p:sp>
-        <p:nvSpPr>
-          <p:cNvPr id="85" name="PlaceHolder 5"/>
+            <a:endParaRPr b="0" lang="en-US" sz="3200" spc="-1" strike="noStrike">
+              <a:latin typeface="Arial"/>
+            </a:endParaRPr>
+          </a:p>
+        </p:txBody>
+      </p:sp>
+      <p:sp>
+        <p:nvSpPr>
+          <p:cNvPr id="79" name="PlaceHolder 5"/>
           <p:cNvSpPr>
             <a:spLocks noGrp="1"/>
           </p:cNvSpPr>
@@ -2013,8 +1887,8 @@
         </p:nvSpPr>
         <p:spPr>
           <a:xfrm>
-            <a:off x="8134200" y="4162680"/>
-            <a:ext cx="3277080" cy="1713600"/>
+            <a:off x="8029800" y="3682080"/>
+            <a:ext cx="3533040" cy="1896840"/>
           </a:xfrm>
           <a:prstGeom prst="rect">
             <a:avLst/>
@@ -2025,18 +1899,15 @@
             <a:normAutofit/>
           </a:bodyPr>
           <a:p>
-            <a:endParaRPr b="0" lang="en-US" sz="2000" spc="-1" strike="noStrike">
-              <a:solidFill>
-                <a:srgbClr val="595959"/>
-              </a:solidFill>
-              <a:latin typeface="Gill Sans MT"/>
-            </a:endParaRPr>
-          </a:p>
-        </p:txBody>
-      </p:sp>
-      <p:sp>
-        <p:nvSpPr>
-          <p:cNvPr id="86" name="PlaceHolder 6"/>
+            <a:endParaRPr b="0" lang="en-US" sz="3200" spc="-1" strike="noStrike">
+              <a:latin typeface="Arial"/>
+            </a:endParaRPr>
+          </a:p>
+        </p:txBody>
+      </p:sp>
+      <p:sp>
+        <p:nvSpPr>
+          <p:cNvPr id="80" name="PlaceHolder 6"/>
           <p:cNvSpPr>
             <a:spLocks noGrp="1"/>
           </p:cNvSpPr>
@@ -2046,8 +1917,8 @@
         </p:nvSpPr>
         <p:spPr>
           <a:xfrm>
-            <a:off x="4692960" y="4162680"/>
-            <a:ext cx="3277080" cy="1713600"/>
+            <a:off x="4319640" y="3682080"/>
+            <a:ext cx="3533040" cy="1896840"/>
           </a:xfrm>
           <a:prstGeom prst="rect">
             <a:avLst/>
@@ -2058,18 +1929,15 @@
             <a:normAutofit/>
           </a:bodyPr>
           <a:p>
-            <a:endParaRPr b="0" lang="en-US" sz="2000" spc="-1" strike="noStrike">
-              <a:solidFill>
-                <a:srgbClr val="595959"/>
-              </a:solidFill>
-              <a:latin typeface="Gill Sans MT"/>
-            </a:endParaRPr>
-          </a:p>
-        </p:txBody>
-      </p:sp>
-      <p:sp>
-        <p:nvSpPr>
-          <p:cNvPr id="87" name="PlaceHolder 7"/>
+            <a:endParaRPr b="0" lang="en-US" sz="3200" spc="-1" strike="noStrike">
+              <a:latin typeface="Arial"/>
+            </a:endParaRPr>
+          </a:p>
+        </p:txBody>
+      </p:sp>
+      <p:sp>
+        <p:nvSpPr>
+          <p:cNvPr id="81" name="PlaceHolder 7"/>
           <p:cNvSpPr>
             <a:spLocks noGrp="1"/>
           </p:cNvSpPr>
@@ -2079,8 +1947,8 @@
         </p:nvSpPr>
         <p:spPr>
           <a:xfrm>
-            <a:off x="1251720" y="4162680"/>
-            <a:ext cx="3277080" cy="1713600"/>
+            <a:off x="609480" y="3682080"/>
+            <a:ext cx="3533040" cy="1896840"/>
           </a:xfrm>
           <a:prstGeom prst="rect">
             <a:avLst/>
@@ -2091,11 +1959,8 @@
             <a:normAutofit/>
           </a:bodyPr>
           <a:p>
-            <a:endParaRPr b="0" lang="en-US" sz="2000" spc="-1" strike="noStrike">
-              <a:solidFill>
-                <a:srgbClr val="595959"/>
-              </a:solidFill>
-              <a:latin typeface="Gill Sans MT"/>
+            <a:endParaRPr b="0" lang="en-US" sz="3200" spc="-1" strike="noStrike">
+              <a:latin typeface="Arial"/>
             </a:endParaRPr>
           </a:p>
         </p:txBody>
@@ -2124,7 +1989,7 @@
       </p:grpSpPr>
       <p:sp>
         <p:nvSpPr>
-          <p:cNvPr id="11" name="PlaceHolder 1"/>
+          <p:cNvPr id="8" name="PlaceHolder 1"/>
           <p:cNvSpPr>
             <a:spLocks noGrp="1"/>
           </p:cNvSpPr>
@@ -2134,8 +1999,8 @@
         </p:nvSpPr>
         <p:spPr>
           <a:xfrm>
-            <a:off x="1251720" y="382320"/>
-            <a:ext cx="10177920" cy="1491840"/>
+            <a:off x="609480" y="273600"/>
+            <a:ext cx="10972440" cy="1144800"/>
           </a:xfrm>
           <a:prstGeom prst="rect">
             <a:avLst/>
@@ -2144,18 +2009,16 @@
         <p:txBody>
           <a:bodyPr lIns="0" rIns="0" tIns="0" bIns="0" anchor="ctr"/>
           <a:p>
-            <a:endParaRPr b="0" lang="en-US" sz="1800" spc="-1" strike="noStrike">
-              <a:solidFill>
-                <a:srgbClr val="000000"/>
-              </a:solidFill>
-              <a:latin typeface="Gill Sans MT"/>
-            </a:endParaRPr>
-          </a:p>
-        </p:txBody>
-      </p:sp>
-      <p:sp>
-        <p:nvSpPr>
-          <p:cNvPr id="12" name="PlaceHolder 2"/>
+            <a:pPr algn="ctr"/>
+            <a:endParaRPr b="0" lang="en-US" sz="4400" spc="-1" strike="noStrike">
+              <a:latin typeface="Arial"/>
+            </a:endParaRPr>
+          </a:p>
+        </p:txBody>
+      </p:sp>
+      <p:sp>
+        <p:nvSpPr>
+          <p:cNvPr id="9" name="PlaceHolder 2"/>
           <p:cNvSpPr>
             <a:spLocks noGrp="1"/>
           </p:cNvSpPr>
@@ -2165,8 +2028,8 @@
         </p:nvSpPr>
         <p:spPr>
           <a:xfrm>
-            <a:off x="1251720" y="2286000"/>
-            <a:ext cx="10177920" cy="3593160"/>
+            <a:off x="609480" y="1604520"/>
+            <a:ext cx="10972440" cy="3977280"/>
           </a:xfrm>
           <a:prstGeom prst="rect">
             <a:avLst/>
@@ -2177,11 +2040,8 @@
             <a:normAutofit/>
           </a:bodyPr>
           <a:p>
-            <a:endParaRPr b="0" lang="en-US" sz="2000" spc="-1" strike="noStrike">
-              <a:solidFill>
-                <a:srgbClr val="595959"/>
-              </a:solidFill>
-              <a:latin typeface="Gill Sans MT"/>
+            <a:endParaRPr b="0" lang="en-US" sz="3200" spc="-1" strike="noStrike">
+              <a:latin typeface="Arial"/>
             </a:endParaRPr>
           </a:p>
         </p:txBody>
@@ -2210,7 +2070,7 @@
       </p:grpSpPr>
       <p:sp>
         <p:nvSpPr>
-          <p:cNvPr id="13" name="PlaceHolder 1"/>
+          <p:cNvPr id="10" name="PlaceHolder 1"/>
           <p:cNvSpPr>
             <a:spLocks noGrp="1"/>
           </p:cNvSpPr>
@@ -2220,8 +2080,8 @@
         </p:nvSpPr>
         <p:spPr>
           <a:xfrm>
-            <a:off x="1251720" y="382320"/>
-            <a:ext cx="10177920" cy="1491840"/>
+            <a:off x="609480" y="273600"/>
+            <a:ext cx="10972440" cy="1144800"/>
           </a:xfrm>
           <a:prstGeom prst="rect">
             <a:avLst/>
@@ -2230,18 +2090,16 @@
         <p:txBody>
           <a:bodyPr lIns="0" rIns="0" tIns="0" bIns="0" anchor="ctr"/>
           <a:p>
-            <a:endParaRPr b="0" lang="en-US" sz="1800" spc="-1" strike="noStrike">
-              <a:solidFill>
-                <a:srgbClr val="000000"/>
-              </a:solidFill>
-              <a:latin typeface="Gill Sans MT"/>
-            </a:endParaRPr>
-          </a:p>
-        </p:txBody>
-      </p:sp>
-      <p:sp>
-        <p:nvSpPr>
-          <p:cNvPr id="14" name="PlaceHolder 2"/>
+            <a:pPr algn="ctr"/>
+            <a:endParaRPr b="0" lang="en-US" sz="4400" spc="-1" strike="noStrike">
+              <a:latin typeface="Arial"/>
+            </a:endParaRPr>
+          </a:p>
+        </p:txBody>
+      </p:sp>
+      <p:sp>
+        <p:nvSpPr>
+          <p:cNvPr id="11" name="PlaceHolder 2"/>
           <p:cNvSpPr>
             <a:spLocks noGrp="1"/>
           </p:cNvSpPr>
@@ -2251,8 +2109,8 @@
         </p:nvSpPr>
         <p:spPr>
           <a:xfrm>
-            <a:off x="1251720" y="2286000"/>
-            <a:ext cx="4966560" cy="3593160"/>
+            <a:off x="609480" y="1604520"/>
+            <a:ext cx="5354280" cy="3977280"/>
           </a:xfrm>
           <a:prstGeom prst="rect">
             <a:avLst/>
@@ -2263,18 +2121,15 @@
             <a:normAutofit/>
           </a:bodyPr>
           <a:p>
-            <a:endParaRPr b="0" lang="en-US" sz="2000" spc="-1" strike="noStrike">
-              <a:solidFill>
-                <a:srgbClr val="595959"/>
-              </a:solidFill>
-              <a:latin typeface="Gill Sans MT"/>
-            </a:endParaRPr>
-          </a:p>
-        </p:txBody>
-      </p:sp>
-      <p:sp>
-        <p:nvSpPr>
-          <p:cNvPr id="15" name="PlaceHolder 3"/>
+            <a:endParaRPr b="0" lang="en-US" sz="3200" spc="-1" strike="noStrike">
+              <a:latin typeface="Arial"/>
+            </a:endParaRPr>
+          </a:p>
+        </p:txBody>
+      </p:sp>
+      <p:sp>
+        <p:nvSpPr>
+          <p:cNvPr id="12" name="PlaceHolder 3"/>
           <p:cNvSpPr>
             <a:spLocks noGrp="1"/>
           </p:cNvSpPr>
@@ -2284,8 +2139,8 @@
         </p:nvSpPr>
         <p:spPr>
           <a:xfrm>
-            <a:off x="6467040" y="2286000"/>
-            <a:ext cx="4966560" cy="3593160"/>
+            <a:off x="6231960" y="1604520"/>
+            <a:ext cx="5354280" cy="3977280"/>
           </a:xfrm>
           <a:prstGeom prst="rect">
             <a:avLst/>
@@ -2296,11 +2151,8 @@
             <a:normAutofit/>
           </a:bodyPr>
           <a:p>
-            <a:endParaRPr b="0" lang="en-US" sz="2000" spc="-1" strike="noStrike">
-              <a:solidFill>
-                <a:srgbClr val="595959"/>
-              </a:solidFill>
-              <a:latin typeface="Gill Sans MT"/>
+            <a:endParaRPr b="0" lang="en-US" sz="3200" spc="-1" strike="noStrike">
+              <a:latin typeface="Arial"/>
             </a:endParaRPr>
           </a:p>
         </p:txBody>
@@ -2329,7 +2181,7 @@
       </p:grpSpPr>
       <p:sp>
         <p:nvSpPr>
-          <p:cNvPr id="16" name="PlaceHolder 1"/>
+          <p:cNvPr id="13" name="PlaceHolder 1"/>
           <p:cNvSpPr>
             <a:spLocks noGrp="1"/>
           </p:cNvSpPr>
@@ -2339,8 +2191,8 @@
         </p:nvSpPr>
         <p:spPr>
           <a:xfrm>
-            <a:off x="1251720" y="382320"/>
-            <a:ext cx="10177920" cy="1491840"/>
+            <a:off x="609480" y="273600"/>
+            <a:ext cx="10972440" cy="1144800"/>
           </a:xfrm>
           <a:prstGeom prst="rect">
             <a:avLst/>
@@ -2349,11 +2201,9 @@
         <p:txBody>
           <a:bodyPr lIns="0" rIns="0" tIns="0" bIns="0" anchor="ctr"/>
           <a:p>
-            <a:endParaRPr b="0" lang="en-US" sz="1800" spc="-1" strike="noStrike">
-              <a:solidFill>
-                <a:srgbClr val="000000"/>
-              </a:solidFill>
-              <a:latin typeface="Gill Sans MT"/>
+            <a:pPr algn="ctr"/>
+            <a:endParaRPr b="0" lang="en-US" sz="4400" spc="-1" strike="noStrike">
+              <a:latin typeface="Arial"/>
             </a:endParaRPr>
           </a:p>
         </p:txBody>
@@ -2382,7 +2232,7 @@
       </p:grpSpPr>
       <p:sp>
         <p:nvSpPr>
-          <p:cNvPr id="17" name="PlaceHolder 1"/>
+          <p:cNvPr id="14" name="PlaceHolder 1"/>
           <p:cNvSpPr>
             <a:spLocks noGrp="1"/>
           </p:cNvSpPr>
@@ -2392,8 +2242,8 @@
         </p:nvSpPr>
         <p:spPr>
           <a:xfrm>
-            <a:off x="1251720" y="382320"/>
-            <a:ext cx="10177920" cy="6916680"/>
+            <a:off x="609480" y="273600"/>
+            <a:ext cx="10972440" cy="5307840"/>
           </a:xfrm>
           <a:prstGeom prst="rect">
             <a:avLst/>
@@ -2433,7 +2283,7 @@
       </p:grpSpPr>
       <p:sp>
         <p:nvSpPr>
-          <p:cNvPr id="18" name="PlaceHolder 1"/>
+          <p:cNvPr id="15" name="PlaceHolder 1"/>
           <p:cNvSpPr>
             <a:spLocks noGrp="1"/>
           </p:cNvSpPr>
@@ -2443,8 +2293,8 @@
         </p:nvSpPr>
         <p:spPr>
           <a:xfrm>
-            <a:off x="1251720" y="382320"/>
-            <a:ext cx="10177920" cy="1491840"/>
+            <a:off x="609480" y="273600"/>
+            <a:ext cx="10972440" cy="1144800"/>
           </a:xfrm>
           <a:prstGeom prst="rect">
             <a:avLst/>
@@ -2453,18 +2303,16 @@
         <p:txBody>
           <a:bodyPr lIns="0" rIns="0" tIns="0" bIns="0" anchor="ctr"/>
           <a:p>
-            <a:endParaRPr b="0" lang="en-US" sz="1800" spc="-1" strike="noStrike">
-              <a:solidFill>
-                <a:srgbClr val="000000"/>
-              </a:solidFill>
-              <a:latin typeface="Gill Sans MT"/>
-            </a:endParaRPr>
-          </a:p>
-        </p:txBody>
-      </p:sp>
-      <p:sp>
-        <p:nvSpPr>
-          <p:cNvPr id="19" name="PlaceHolder 2"/>
+            <a:pPr algn="ctr"/>
+            <a:endParaRPr b="0" lang="en-US" sz="4400" spc="-1" strike="noStrike">
+              <a:latin typeface="Arial"/>
+            </a:endParaRPr>
+          </a:p>
+        </p:txBody>
+      </p:sp>
+      <p:sp>
+        <p:nvSpPr>
+          <p:cNvPr id="16" name="PlaceHolder 2"/>
           <p:cNvSpPr>
             <a:spLocks noGrp="1"/>
           </p:cNvSpPr>
@@ -2474,8 +2322,8 @@
         </p:nvSpPr>
         <p:spPr>
           <a:xfrm>
-            <a:off x="1251720" y="2286000"/>
-            <a:ext cx="4966560" cy="1713600"/>
+            <a:off x="609480" y="1604520"/>
+            <a:ext cx="5354280" cy="1896840"/>
           </a:xfrm>
           <a:prstGeom prst="rect">
             <a:avLst/>
@@ -2486,18 +2334,15 @@
             <a:normAutofit/>
           </a:bodyPr>
           <a:p>
-            <a:endParaRPr b="0" lang="en-US" sz="2000" spc="-1" strike="noStrike">
-              <a:solidFill>
-                <a:srgbClr val="595959"/>
-              </a:solidFill>
-              <a:latin typeface="Gill Sans MT"/>
-            </a:endParaRPr>
-          </a:p>
-        </p:txBody>
-      </p:sp>
-      <p:sp>
-        <p:nvSpPr>
-          <p:cNvPr id="20" name="PlaceHolder 3"/>
+            <a:endParaRPr b="0" lang="en-US" sz="3200" spc="-1" strike="noStrike">
+              <a:latin typeface="Arial"/>
+            </a:endParaRPr>
+          </a:p>
+        </p:txBody>
+      </p:sp>
+      <p:sp>
+        <p:nvSpPr>
+          <p:cNvPr id="17" name="PlaceHolder 3"/>
           <p:cNvSpPr>
             <a:spLocks noGrp="1"/>
           </p:cNvSpPr>
@@ -2507,8 +2352,8 @@
         </p:nvSpPr>
         <p:spPr>
           <a:xfrm>
-            <a:off x="1251720" y="4162680"/>
-            <a:ext cx="4966560" cy="1713600"/>
+            <a:off x="609480" y="3682080"/>
+            <a:ext cx="5354280" cy="1896840"/>
           </a:xfrm>
           <a:prstGeom prst="rect">
             <a:avLst/>
@@ -2519,18 +2364,15 @@
             <a:normAutofit/>
           </a:bodyPr>
           <a:p>
-            <a:endParaRPr b="0" lang="en-US" sz="2000" spc="-1" strike="noStrike">
-              <a:solidFill>
-                <a:srgbClr val="595959"/>
-              </a:solidFill>
-              <a:latin typeface="Gill Sans MT"/>
-            </a:endParaRPr>
-          </a:p>
-        </p:txBody>
-      </p:sp>
-      <p:sp>
-        <p:nvSpPr>
-          <p:cNvPr id="21" name="PlaceHolder 4"/>
+            <a:endParaRPr b="0" lang="en-US" sz="3200" spc="-1" strike="noStrike">
+              <a:latin typeface="Arial"/>
+            </a:endParaRPr>
+          </a:p>
+        </p:txBody>
+      </p:sp>
+      <p:sp>
+        <p:nvSpPr>
+          <p:cNvPr id="18" name="PlaceHolder 4"/>
           <p:cNvSpPr>
             <a:spLocks noGrp="1"/>
           </p:cNvSpPr>
@@ -2540,8 +2382,8 @@
         </p:nvSpPr>
         <p:spPr>
           <a:xfrm>
-            <a:off x="6467040" y="2286000"/>
-            <a:ext cx="4966560" cy="3593160"/>
+            <a:off x="6231960" y="1604520"/>
+            <a:ext cx="5354280" cy="3977280"/>
           </a:xfrm>
           <a:prstGeom prst="rect">
             <a:avLst/>
@@ -2552,11 +2394,8 @@
             <a:normAutofit/>
           </a:bodyPr>
           <a:p>
-            <a:endParaRPr b="0" lang="en-US" sz="2000" spc="-1" strike="noStrike">
-              <a:solidFill>
-                <a:srgbClr val="595959"/>
-              </a:solidFill>
-              <a:latin typeface="Gill Sans MT"/>
+            <a:endParaRPr b="0" lang="en-US" sz="3200" spc="-1" strike="noStrike">
+              <a:latin typeface="Arial"/>
             </a:endParaRPr>
           </a:p>
         </p:txBody>
@@ -2585,7 +2424,7 @@
       </p:grpSpPr>
       <p:sp>
         <p:nvSpPr>
-          <p:cNvPr id="22" name="PlaceHolder 1"/>
+          <p:cNvPr id="19" name="PlaceHolder 1"/>
           <p:cNvSpPr>
             <a:spLocks noGrp="1"/>
           </p:cNvSpPr>
@@ -2595,8 +2434,8 @@
         </p:nvSpPr>
         <p:spPr>
           <a:xfrm>
-            <a:off x="1251720" y="382320"/>
-            <a:ext cx="10177920" cy="1491840"/>
+            <a:off x="609480" y="273600"/>
+            <a:ext cx="10972440" cy="1144800"/>
           </a:xfrm>
           <a:prstGeom prst="rect">
             <a:avLst/>
@@ -2605,18 +2444,16 @@
         <p:txBody>
           <a:bodyPr lIns="0" rIns="0" tIns="0" bIns="0" anchor="ctr"/>
           <a:p>
-            <a:endParaRPr b="0" lang="en-US" sz="1800" spc="-1" strike="noStrike">
-              <a:solidFill>
-                <a:srgbClr val="000000"/>
-              </a:solidFill>
-              <a:latin typeface="Gill Sans MT"/>
-            </a:endParaRPr>
-          </a:p>
-        </p:txBody>
-      </p:sp>
-      <p:sp>
-        <p:nvSpPr>
-          <p:cNvPr id="23" name="PlaceHolder 2"/>
+            <a:pPr algn="ctr"/>
+            <a:endParaRPr b="0" lang="en-US" sz="4400" spc="-1" strike="noStrike">
+              <a:latin typeface="Arial"/>
+            </a:endParaRPr>
+          </a:p>
+        </p:txBody>
+      </p:sp>
+      <p:sp>
+        <p:nvSpPr>
+          <p:cNvPr id="20" name="PlaceHolder 2"/>
           <p:cNvSpPr>
             <a:spLocks noGrp="1"/>
           </p:cNvSpPr>
@@ -2626,8 +2463,8 @@
         </p:nvSpPr>
         <p:spPr>
           <a:xfrm>
-            <a:off x="1251720" y="2286000"/>
-            <a:ext cx="4966560" cy="3593160"/>
+            <a:off x="609480" y="1604520"/>
+            <a:ext cx="5354280" cy="3977280"/>
           </a:xfrm>
           <a:prstGeom prst="rect">
             <a:avLst/>
@@ -2638,18 +2475,15 @@
             <a:normAutofit/>
           </a:bodyPr>
           <a:p>
-            <a:endParaRPr b="0" lang="en-US" sz="2000" spc="-1" strike="noStrike">
-              <a:solidFill>
-                <a:srgbClr val="595959"/>
-              </a:solidFill>
-              <a:latin typeface="Gill Sans MT"/>
-            </a:endParaRPr>
-          </a:p>
-        </p:txBody>
-      </p:sp>
-      <p:sp>
-        <p:nvSpPr>
-          <p:cNvPr id="24" name="PlaceHolder 3"/>
+            <a:endParaRPr b="0" lang="en-US" sz="3200" spc="-1" strike="noStrike">
+              <a:latin typeface="Arial"/>
+            </a:endParaRPr>
+          </a:p>
+        </p:txBody>
+      </p:sp>
+      <p:sp>
+        <p:nvSpPr>
+          <p:cNvPr id="21" name="PlaceHolder 3"/>
           <p:cNvSpPr>
             <a:spLocks noGrp="1"/>
           </p:cNvSpPr>
@@ -2659,8 +2493,8 @@
         </p:nvSpPr>
         <p:spPr>
           <a:xfrm>
-            <a:off x="6467040" y="2286000"/>
-            <a:ext cx="4966560" cy="1713600"/>
+            <a:off x="6231960" y="1604520"/>
+            <a:ext cx="5354280" cy="1896840"/>
           </a:xfrm>
           <a:prstGeom prst="rect">
             <a:avLst/>
@@ -2671,18 +2505,15 @@
             <a:normAutofit/>
           </a:bodyPr>
           <a:p>
-            <a:endParaRPr b="0" lang="en-US" sz="2000" spc="-1" strike="noStrike">
-              <a:solidFill>
-                <a:srgbClr val="595959"/>
-              </a:solidFill>
-              <a:latin typeface="Gill Sans MT"/>
-            </a:endParaRPr>
-          </a:p>
-        </p:txBody>
-      </p:sp>
-      <p:sp>
-        <p:nvSpPr>
-          <p:cNvPr id="25" name="PlaceHolder 4"/>
+            <a:endParaRPr b="0" lang="en-US" sz="3200" spc="-1" strike="noStrike">
+              <a:latin typeface="Arial"/>
+            </a:endParaRPr>
+          </a:p>
+        </p:txBody>
+      </p:sp>
+      <p:sp>
+        <p:nvSpPr>
+          <p:cNvPr id="22" name="PlaceHolder 4"/>
           <p:cNvSpPr>
             <a:spLocks noGrp="1"/>
           </p:cNvSpPr>
@@ -2692,8 +2523,8 @@
         </p:nvSpPr>
         <p:spPr>
           <a:xfrm>
-            <a:off x="6467040" y="4162680"/>
-            <a:ext cx="4966560" cy="1713600"/>
+            <a:off x="6231960" y="3682080"/>
+            <a:ext cx="5354280" cy="1896840"/>
           </a:xfrm>
           <a:prstGeom prst="rect">
             <a:avLst/>
@@ -2704,11 +2535,8 @@
             <a:normAutofit/>
           </a:bodyPr>
           <a:p>
-            <a:endParaRPr b="0" lang="en-US" sz="2000" spc="-1" strike="noStrike">
-              <a:solidFill>
-                <a:srgbClr val="595959"/>
-              </a:solidFill>
-              <a:latin typeface="Gill Sans MT"/>
+            <a:endParaRPr b="0" lang="en-US" sz="3200" spc="-1" strike="noStrike">
+              <a:latin typeface="Arial"/>
             </a:endParaRPr>
           </a:p>
         </p:txBody>
@@ -2737,7 +2565,7 @@
       </p:grpSpPr>
       <p:sp>
         <p:nvSpPr>
-          <p:cNvPr id="26" name="PlaceHolder 1"/>
+          <p:cNvPr id="23" name="PlaceHolder 1"/>
           <p:cNvSpPr>
             <a:spLocks noGrp="1"/>
           </p:cNvSpPr>
@@ -2747,8 +2575,8 @@
         </p:nvSpPr>
         <p:spPr>
           <a:xfrm>
-            <a:off x="1251720" y="382320"/>
-            <a:ext cx="10177920" cy="1491840"/>
+            <a:off x="609480" y="273600"/>
+            <a:ext cx="10972440" cy="1144800"/>
           </a:xfrm>
           <a:prstGeom prst="rect">
             <a:avLst/>
@@ -2757,18 +2585,16 @@
         <p:txBody>
           <a:bodyPr lIns="0" rIns="0" tIns="0" bIns="0" anchor="ctr"/>
           <a:p>
-            <a:endParaRPr b="0" lang="en-US" sz="1800" spc="-1" strike="noStrike">
-              <a:solidFill>
-                <a:srgbClr val="000000"/>
-              </a:solidFill>
-              <a:latin typeface="Gill Sans MT"/>
-            </a:endParaRPr>
-          </a:p>
-        </p:txBody>
-      </p:sp>
-      <p:sp>
-        <p:nvSpPr>
-          <p:cNvPr id="27" name="PlaceHolder 2"/>
+            <a:pPr algn="ctr"/>
+            <a:endParaRPr b="0" lang="en-US" sz="4400" spc="-1" strike="noStrike">
+              <a:latin typeface="Arial"/>
+            </a:endParaRPr>
+          </a:p>
+        </p:txBody>
+      </p:sp>
+      <p:sp>
+        <p:nvSpPr>
+          <p:cNvPr id="24" name="PlaceHolder 2"/>
           <p:cNvSpPr>
             <a:spLocks noGrp="1"/>
           </p:cNvSpPr>
@@ -2778,8 +2604,8 @@
         </p:nvSpPr>
         <p:spPr>
           <a:xfrm>
-            <a:off x="1251720" y="2286000"/>
-            <a:ext cx="4966560" cy="1713600"/>
+            <a:off x="609480" y="1604520"/>
+            <a:ext cx="5354280" cy="1896840"/>
           </a:xfrm>
           <a:prstGeom prst="rect">
             <a:avLst/>
@@ -2790,18 +2616,15 @@
             <a:normAutofit/>
           </a:bodyPr>
           <a:p>
-            <a:endParaRPr b="0" lang="en-US" sz="2000" spc="-1" strike="noStrike">
-              <a:solidFill>
-                <a:srgbClr val="595959"/>
-              </a:solidFill>
-              <a:latin typeface="Gill Sans MT"/>
-            </a:endParaRPr>
-          </a:p>
-        </p:txBody>
-      </p:sp>
-      <p:sp>
-        <p:nvSpPr>
-          <p:cNvPr id="28" name="PlaceHolder 3"/>
+            <a:endParaRPr b="0" lang="en-US" sz="3200" spc="-1" strike="noStrike">
+              <a:latin typeface="Arial"/>
+            </a:endParaRPr>
+          </a:p>
+        </p:txBody>
+      </p:sp>
+      <p:sp>
+        <p:nvSpPr>
+          <p:cNvPr id="25" name="PlaceHolder 3"/>
           <p:cNvSpPr>
             <a:spLocks noGrp="1"/>
           </p:cNvSpPr>
@@ -2811,8 +2634,8 @@
         </p:nvSpPr>
         <p:spPr>
           <a:xfrm>
-            <a:off x="6467040" y="2286000"/>
-            <a:ext cx="4966560" cy="1713600"/>
+            <a:off x="6231960" y="1604520"/>
+            <a:ext cx="5354280" cy="1896840"/>
           </a:xfrm>
           <a:prstGeom prst="rect">
             <a:avLst/>
@@ -2823,18 +2646,15 @@
             <a:normAutofit/>
           </a:bodyPr>
           <a:p>
-            <a:endParaRPr b="0" lang="en-US" sz="2000" spc="-1" strike="noStrike">
-              <a:solidFill>
-                <a:srgbClr val="595959"/>
-              </a:solidFill>
-              <a:latin typeface="Gill Sans MT"/>
-            </a:endParaRPr>
-          </a:p>
-        </p:txBody>
-      </p:sp>
-      <p:sp>
-        <p:nvSpPr>
-          <p:cNvPr id="29" name="PlaceHolder 4"/>
+            <a:endParaRPr b="0" lang="en-US" sz="3200" spc="-1" strike="noStrike">
+              <a:latin typeface="Arial"/>
+            </a:endParaRPr>
+          </a:p>
+        </p:txBody>
+      </p:sp>
+      <p:sp>
+        <p:nvSpPr>
+          <p:cNvPr id="26" name="PlaceHolder 4"/>
           <p:cNvSpPr>
             <a:spLocks noGrp="1"/>
           </p:cNvSpPr>
@@ -2844,8 +2664,8 @@
         </p:nvSpPr>
         <p:spPr>
           <a:xfrm>
-            <a:off x="1251720" y="4162680"/>
-            <a:ext cx="10177920" cy="1713600"/>
+            <a:off x="609480" y="3682080"/>
+            <a:ext cx="10972440" cy="1896840"/>
           </a:xfrm>
           <a:prstGeom prst="rect">
             <a:avLst/>
@@ -2856,11 +2676,8 @@
             <a:normAutofit/>
           </a:bodyPr>
           <a:p>
-            <a:endParaRPr b="0" lang="en-US" sz="2000" spc="-1" strike="noStrike">
-              <a:solidFill>
-                <a:srgbClr val="595959"/>
-              </a:solidFill>
-              <a:latin typeface="Gill Sans MT"/>
+            <a:endParaRPr b="0" lang="en-US" sz="3200" spc="-1" strike="noStrike">
+              <a:latin typeface="Arial"/>
             </a:endParaRPr>
           </a:p>
         </p:txBody>
@@ -2903,7 +2720,7 @@
         <p:spPr>
           <a:xfrm>
             <a:off x="0" y="0"/>
-            <a:ext cx="885600" cy="6857640"/>
+            <a:ext cx="884880" cy="6856920"/>
           </a:xfrm>
           <a:custGeom>
             <a:avLst/>
@@ -3368,7 +3185,7 @@
         <p:spPr>
           <a:xfrm>
             <a:off x="11908440" y="0"/>
-            <a:ext cx="282960" cy="6857640"/>
+            <a:ext cx="282240" cy="6856920"/>
           </a:xfrm>
           <a:prstGeom prst="rect">
             <a:avLst/>
@@ -3404,7 +3221,7 @@
         <p:spPr>
           <a:xfrm>
             <a:off x="3557160" y="631080"/>
-            <a:ext cx="5235120" cy="5229000"/>
+            <a:ext cx="5234400" cy="5228280"/>
           </a:xfrm>
           <a:custGeom>
             <a:avLst/>
@@ -4444,171 +4261,14 @@
       </p:sp>
       <p:sp>
         <p:nvSpPr>
-          <p:cNvPr id="3" name="PlaceHolder 4"/>
-          <p:cNvSpPr>
-            <a:spLocks noGrp="1"/>
-          </p:cNvSpPr>
-          <p:nvPr>
-            <p:ph type="title"/>
-          </p:nvPr>
-        </p:nvSpPr>
-        <p:spPr>
-          <a:xfrm>
-            <a:off x="1078560" y="1098360"/>
-            <a:ext cx="10317960" cy="4394520"/>
-          </a:xfrm>
-          <a:prstGeom prst="rect">
-            <a:avLst/>
-          </a:prstGeom>
-        </p:spPr>
-        <p:txBody>
-          <a:bodyPr anchor="ctr"/>
-          <a:p>
-            <a:pPr algn="ctr">
-              <a:lnSpc>
-                <a:spcPct val="100000"/>
-              </a:lnSpc>
-            </a:pPr>
-            <a:r>
-              <a:rPr b="0" lang="en-US" sz="10000" spc="797" strike="noStrike" cap="all">
-                <a:solidFill>
-                  <a:srgbClr val="2a1a00"/>
-                </a:solidFill>
-                <a:latin typeface="Impact"/>
-              </a:rPr>
-              <a:t>Klik om stijl te bewerken</a:t>
-            </a:r>
-            <a:endParaRPr b="0" lang="en-US" sz="10000" spc="-1" strike="noStrike">
-              <a:solidFill>
-                <a:srgbClr val="000000"/>
-              </a:solidFill>
-              <a:latin typeface="Gill Sans MT"/>
-            </a:endParaRPr>
-          </a:p>
-        </p:txBody>
-      </p:sp>
-      <p:sp>
-        <p:nvSpPr>
-          <p:cNvPr id="4" name="PlaceHolder 5"/>
-          <p:cNvSpPr>
-            <a:spLocks noGrp="1"/>
-          </p:cNvSpPr>
-          <p:nvPr>
-            <p:ph type="dt"/>
-          </p:nvPr>
-        </p:nvSpPr>
-        <p:spPr>
-          <a:xfrm>
-            <a:off x="1078560" y="6375600"/>
-            <a:ext cx="2329200" cy="348120"/>
-          </a:xfrm>
-          <a:prstGeom prst="rect">
-            <a:avLst/>
-          </a:prstGeom>
-        </p:spPr>
-        <p:txBody>
-          <a:bodyPr anchor="ctr"/>
-          <a:p>
-            <a:pPr>
-              <a:lnSpc>
-                <a:spcPct val="100000"/>
-              </a:lnSpc>
-            </a:pPr>
-            <a:fld id="{60250649-DC82-4215-A142-035E47C2C6C7}" type="datetime">
-              <a:rPr b="0" lang="en-US" sz="1200" spc="-1" strike="noStrike">
-                <a:solidFill>
-                  <a:srgbClr val="b07906"/>
-                </a:solidFill>
-                <a:latin typeface="Gill Sans MT"/>
-              </a:rPr>
-              <a:t>10/18/18</a:t>
-            </a:fld>
-            <a:endParaRPr b="0" lang="en-US" sz="1200" spc="-1" strike="noStrike">
-              <a:latin typeface="Times New Roman"/>
-            </a:endParaRPr>
-          </a:p>
-        </p:txBody>
-      </p:sp>
-      <p:sp>
-        <p:nvSpPr>
-          <p:cNvPr id="5" name="PlaceHolder 6"/>
-          <p:cNvSpPr>
-            <a:spLocks noGrp="1"/>
-          </p:cNvSpPr>
-          <p:nvPr>
-            <p:ph type="ftr"/>
-          </p:nvPr>
-        </p:nvSpPr>
-        <p:spPr>
-          <a:xfrm>
-            <a:off x="4180320" y="6375600"/>
-            <a:ext cx="4114440" cy="345600"/>
-          </a:xfrm>
-          <a:prstGeom prst="rect">
-            <a:avLst/>
-          </a:prstGeom>
-        </p:spPr>
-        <p:txBody>
-          <a:bodyPr anchor="ctr"/>
-          <a:p>
-            <a:endParaRPr b="0" lang="en-US" sz="2400" spc="-1" strike="noStrike">
-              <a:latin typeface="Times New Roman"/>
-            </a:endParaRPr>
-          </a:p>
-        </p:txBody>
-      </p:sp>
-      <p:sp>
-        <p:nvSpPr>
-          <p:cNvPr id="6" name="PlaceHolder 7"/>
-          <p:cNvSpPr>
-            <a:spLocks noGrp="1"/>
-          </p:cNvSpPr>
-          <p:nvPr>
-            <p:ph type="sldNum"/>
-          </p:nvPr>
-        </p:nvSpPr>
-        <p:spPr>
-          <a:xfrm>
-            <a:off x="9067320" y="6375600"/>
-            <a:ext cx="2329200" cy="345600"/>
-          </a:xfrm>
-          <a:prstGeom prst="rect">
-            <a:avLst/>
-          </a:prstGeom>
-        </p:spPr>
-        <p:txBody>
-          <a:bodyPr anchor="ctr"/>
-          <a:p>
-            <a:pPr algn="r">
-              <a:lnSpc>
-                <a:spcPct val="100000"/>
-              </a:lnSpc>
-            </a:pPr>
-            <a:fld id="{B1581BEA-CFB8-48E0-8C30-1C57F8162C83}" type="slidenum">
-              <a:rPr b="0" lang="en-US" sz="1200" spc="-1" strike="noStrike">
-                <a:solidFill>
-                  <a:srgbClr val="b07906"/>
-                </a:solidFill>
-                <a:latin typeface="Gill Sans MT"/>
-              </a:rPr>
-              <a:t>&lt;number&gt;</a:t>
-            </a:fld>
-            <a:endParaRPr b="0" lang="en-US" sz="1200" spc="-1" strike="noStrike">
-              <a:latin typeface="Times New Roman"/>
-            </a:endParaRPr>
-          </a:p>
-        </p:txBody>
-      </p:sp>
-      <p:sp>
-        <p:nvSpPr>
-          <p:cNvPr id="7" name="CustomShape 8"/>
+          <p:cNvPr id="3" name="CustomShape 4"/>
           <p:cNvSpPr/>
           <p:nvPr/>
         </p:nvSpPr>
         <p:spPr>
           <a:xfrm>
             <a:off x="0" y="0"/>
-            <a:ext cx="282960" cy="6857640"/>
+            <a:ext cx="282240" cy="6856920"/>
           </a:xfrm>
           <a:prstGeom prst="rect">
             <a:avLst/>
@@ -4637,7 +4297,41 @@
       </p:sp>
       <p:sp>
         <p:nvSpPr>
-          <p:cNvPr id="8" name="PlaceHolder 9"/>
+          <p:cNvPr id="4" name="PlaceHolder 5"/>
+          <p:cNvSpPr>
+            <a:spLocks noGrp="1"/>
+          </p:cNvSpPr>
+          <p:nvPr>
+            <p:ph type="title"/>
+          </p:nvPr>
+        </p:nvSpPr>
+        <p:spPr>
+          <a:xfrm>
+            <a:off x="609480" y="273600"/>
+            <a:ext cx="10972080" cy="1144440"/>
+          </a:xfrm>
+          <a:prstGeom prst="rect">
+            <a:avLst/>
+          </a:prstGeom>
+        </p:spPr>
+        <p:txBody>
+          <a:bodyPr lIns="0" rIns="0" tIns="0" bIns="0" anchor="ctr"/>
+          <a:p>
+            <a:r>
+              <a:rPr b="0" lang="en-US" sz="1800" spc="-1" strike="noStrike">
+                <a:latin typeface="Arial"/>
+              </a:rPr>
+              <a:t>Click to edit the title text format</a:t>
+            </a:r>
+            <a:endParaRPr b="0" lang="en-US" sz="1800" spc="-1" strike="noStrike">
+              <a:latin typeface="Arial"/>
+            </a:endParaRPr>
+          </a:p>
+        </p:txBody>
+      </p:sp>
+      <p:sp>
+        <p:nvSpPr>
+          <p:cNvPr id="5" name="PlaceHolder 6"/>
           <p:cNvSpPr>
             <a:spLocks noGrp="1"/>
           </p:cNvSpPr>
@@ -4648,7 +4342,7 @@
         <p:spPr>
           <a:xfrm>
             <a:off x="609480" y="1604520"/>
-            <a:ext cx="10972440" cy="3977280"/>
+            <a:ext cx="10972080" cy="3976920"/>
           </a:xfrm>
           <a:prstGeom prst="rect">
             <a:avLst/>
@@ -4671,19 +4365,13 @@
               <a:buChar char=""/>
             </a:pPr>
             <a:r>
-              <a:rPr b="0" lang="en-US" sz="2000" spc="-1" strike="noStrike">
-                <a:solidFill>
-                  <a:srgbClr val="595959"/>
-                </a:solidFill>
-                <a:latin typeface="Gill Sans MT"/>
+              <a:rPr b="0" lang="en-US" sz="1800" spc="-1" strike="noStrike">
+                <a:latin typeface="Arial"/>
               </a:rPr>
               <a:t>Click to edit the outline text format</a:t>
             </a:r>
-            <a:endParaRPr b="0" lang="en-US" sz="2000" spc="-1" strike="noStrike">
-              <a:solidFill>
-                <a:srgbClr val="595959"/>
-              </a:solidFill>
-              <a:latin typeface="Gill Sans MT"/>
+            <a:endParaRPr b="0" lang="en-US" sz="1800" spc="-1" strike="noStrike">
+              <a:latin typeface="Arial"/>
             </a:endParaRPr>
           </a:p>
           <a:p>
@@ -4699,19 +4387,13 @@
               <a:buChar char=""/>
             </a:pPr>
             <a:r>
-              <a:rPr b="0" lang="en-US" sz="1600" spc="-1" strike="noStrike">
-                <a:solidFill>
-                  <a:srgbClr val="595959"/>
-                </a:solidFill>
-                <a:latin typeface="Gill Sans MT"/>
+              <a:rPr b="0" lang="en-US" sz="1800" spc="-1" strike="noStrike">
+                <a:latin typeface="Arial"/>
               </a:rPr>
               <a:t>Second Outline Level</a:t>
             </a:r>
-            <a:endParaRPr b="0" lang="en-US" sz="1600" spc="-1" strike="noStrike">
-              <a:solidFill>
-                <a:srgbClr val="595959"/>
-              </a:solidFill>
-              <a:latin typeface="Gill Sans MT"/>
+            <a:endParaRPr b="0" lang="en-US" sz="1800" spc="-1" strike="noStrike">
+              <a:latin typeface="Arial"/>
             </a:endParaRPr>
           </a:p>
           <a:p>
@@ -4727,19 +4409,13 @@
               <a:buChar char=""/>
             </a:pPr>
             <a:r>
-              <a:rPr b="0" lang="en-US" sz="1400" spc="-1" strike="noStrike">
-                <a:solidFill>
-                  <a:srgbClr val="595959"/>
-                </a:solidFill>
-                <a:latin typeface="Gill Sans MT"/>
+              <a:rPr b="0" lang="en-US" sz="1800" spc="-1" strike="noStrike">
+                <a:latin typeface="Arial"/>
               </a:rPr>
               <a:t>Third Outline Level</a:t>
             </a:r>
-            <a:endParaRPr b="0" lang="en-US" sz="1400" spc="-1" strike="noStrike">
-              <a:solidFill>
-                <a:srgbClr val="595959"/>
-              </a:solidFill>
-              <a:latin typeface="Gill Sans MT"/>
+            <a:endParaRPr b="0" lang="en-US" sz="1800" spc="-1" strike="noStrike">
+              <a:latin typeface="Arial"/>
             </a:endParaRPr>
           </a:p>
           <a:p>
@@ -4755,19 +4431,13 @@
               <a:buChar char=""/>
             </a:pPr>
             <a:r>
-              <a:rPr b="0" lang="en-US" sz="1400" spc="-1" strike="noStrike">
-                <a:solidFill>
-                  <a:srgbClr val="595959"/>
-                </a:solidFill>
-                <a:latin typeface="Gill Sans MT"/>
+              <a:rPr b="0" lang="en-US" sz="1800" spc="-1" strike="noStrike">
+                <a:latin typeface="Arial"/>
               </a:rPr>
               <a:t>Fourth Outline Level</a:t>
             </a:r>
-            <a:endParaRPr b="0" lang="en-US" sz="1400" spc="-1" strike="noStrike">
-              <a:solidFill>
-                <a:srgbClr val="595959"/>
-              </a:solidFill>
-              <a:latin typeface="Gill Sans MT"/>
+            <a:endParaRPr b="0" lang="en-US" sz="1800" spc="-1" strike="noStrike">
+              <a:latin typeface="Arial"/>
             </a:endParaRPr>
           </a:p>
           <a:p>
@@ -4783,19 +4453,13 @@
               <a:buChar char=""/>
             </a:pPr>
             <a:r>
-              <a:rPr b="0" lang="en-US" sz="2000" spc="-1" strike="noStrike">
-                <a:solidFill>
-                  <a:srgbClr val="595959"/>
-                </a:solidFill>
-                <a:latin typeface="Gill Sans MT"/>
+              <a:rPr b="0" lang="en-US" sz="1800" spc="-1" strike="noStrike">
+                <a:latin typeface="Arial"/>
               </a:rPr>
               <a:t>Fifth Outline Level</a:t>
             </a:r>
-            <a:endParaRPr b="0" lang="en-US" sz="2000" spc="-1" strike="noStrike">
-              <a:solidFill>
-                <a:srgbClr val="595959"/>
-              </a:solidFill>
-              <a:latin typeface="Gill Sans MT"/>
+            <a:endParaRPr b="0" lang="en-US" sz="1800" spc="-1" strike="noStrike">
+              <a:latin typeface="Arial"/>
             </a:endParaRPr>
           </a:p>
           <a:p>
@@ -4811,19 +4475,13 @@
               <a:buChar char=""/>
             </a:pPr>
             <a:r>
-              <a:rPr b="0" lang="en-US" sz="2000" spc="-1" strike="noStrike">
-                <a:solidFill>
-                  <a:srgbClr val="595959"/>
-                </a:solidFill>
-                <a:latin typeface="Gill Sans MT"/>
+              <a:rPr b="0" lang="en-US" sz="1800" spc="-1" strike="noStrike">
+                <a:latin typeface="Arial"/>
               </a:rPr>
               <a:t>Sixth Outline Level</a:t>
             </a:r>
-            <a:endParaRPr b="0" lang="en-US" sz="2000" spc="-1" strike="noStrike">
-              <a:solidFill>
-                <a:srgbClr val="595959"/>
-              </a:solidFill>
-              <a:latin typeface="Gill Sans MT"/>
+            <a:endParaRPr b="0" lang="en-US" sz="1800" spc="-1" strike="noStrike">
+              <a:latin typeface="Arial"/>
             </a:endParaRPr>
           </a:p>
           <a:p>
@@ -4839,19 +4497,13 @@
               <a:buChar char=""/>
             </a:pPr>
             <a:r>
-              <a:rPr b="0" lang="en-US" sz="2000" spc="-1" strike="noStrike">
-                <a:solidFill>
-                  <a:srgbClr val="595959"/>
-                </a:solidFill>
-                <a:latin typeface="Gill Sans MT"/>
+              <a:rPr b="0" lang="en-US" sz="1800" spc="-1" strike="noStrike">
+                <a:latin typeface="Arial"/>
               </a:rPr>
               <a:t>Seventh Outline Level</a:t>
             </a:r>
-            <a:endParaRPr b="0" lang="en-US" sz="2000" spc="-1" strike="noStrike">
-              <a:solidFill>
-                <a:srgbClr val="595959"/>
-              </a:solidFill>
-              <a:latin typeface="Gill Sans MT"/>
+            <a:endParaRPr b="0" lang="en-US" sz="1800" spc="-1" strike="noStrike">
+              <a:latin typeface="Arial"/>
             </a:endParaRPr>
           </a:p>
         </p:txBody>
@@ -4902,14 +4554,14 @@
       </p:grpSpPr>
       <p:sp>
         <p:nvSpPr>
-          <p:cNvPr id="45" name="CustomShape 1"/>
+          <p:cNvPr id="42" name="CustomShape 1"/>
           <p:cNvSpPr/>
           <p:nvPr/>
         </p:nvSpPr>
         <p:spPr>
           <a:xfrm>
             <a:off x="0" y="0"/>
-            <a:ext cx="885600" cy="6857640"/>
+            <a:ext cx="884880" cy="6856920"/>
           </a:xfrm>
           <a:custGeom>
             <a:avLst/>
@@ -5367,14 +5019,14 @@
       </p:sp>
       <p:sp>
         <p:nvSpPr>
-          <p:cNvPr id="46" name="CustomShape 2"/>
+          <p:cNvPr id="43" name="CustomShape 2"/>
           <p:cNvSpPr/>
           <p:nvPr/>
         </p:nvSpPr>
         <p:spPr>
           <a:xfrm>
             <a:off x="11908440" y="0"/>
-            <a:ext cx="282960" cy="6857640"/>
+            <a:ext cx="282240" cy="6856920"/>
           </a:xfrm>
           <a:prstGeom prst="rect">
             <a:avLst/>
@@ -5403,7 +5055,7 @@
       </p:sp>
       <p:sp>
         <p:nvSpPr>
-          <p:cNvPr id="47" name="PlaceHolder 3"/>
+          <p:cNvPr id="44" name="PlaceHolder 3"/>
           <p:cNvSpPr>
             <a:spLocks noGrp="1"/>
           </p:cNvSpPr>
@@ -5413,42 +5065,32 @@
         </p:nvSpPr>
         <p:spPr>
           <a:xfrm>
-            <a:off x="1251720" y="382320"/>
-            <a:ext cx="10177920" cy="1491840"/>
-          </a:xfrm>
-          <a:prstGeom prst="rect">
-            <a:avLst/>
-          </a:prstGeom>
-        </p:spPr>
-        <p:txBody>
-          <a:bodyPr/>
-          <a:p>
-            <a:pPr>
-              <a:lnSpc>
-                <a:spcPct val="90000"/>
-              </a:lnSpc>
-            </a:pPr>
+            <a:off x="609480" y="273600"/>
+            <a:ext cx="10972440" cy="1144800"/>
+          </a:xfrm>
+          <a:prstGeom prst="rect">
+            <a:avLst/>
+          </a:prstGeom>
+        </p:spPr>
+        <p:txBody>
+          <a:bodyPr lIns="0" rIns="0" tIns="0" bIns="0" anchor="ctr"/>
+          <a:p>
+            <a:pPr algn="ctr"/>
             <a:r>
-              <a:rPr b="0" lang="en-US" sz="5100" spc="199" strike="noStrike" cap="all">
-                <a:solidFill>
-                  <a:srgbClr val="2a1a00"/>
-                </a:solidFill>
-                <a:latin typeface="Impact"/>
+              <a:rPr b="0" lang="en-US" sz="4400" spc="-1" strike="noStrike">
+                <a:latin typeface="Arial"/>
               </a:rPr>
-              <a:t>Klik om stijl te bewerken</a:t>
+              <a:t>Click to edit the title text format</a:t>
             </a:r>
-            <a:endParaRPr b="0" lang="en-US" sz="5100" spc="-1" strike="noStrike">
-              <a:solidFill>
-                <a:srgbClr val="000000"/>
-              </a:solidFill>
-              <a:latin typeface="Gill Sans MT"/>
-            </a:endParaRPr>
-          </a:p>
-        </p:txBody>
-      </p:sp>
-      <p:sp>
-        <p:nvSpPr>
-          <p:cNvPr id="48" name="PlaceHolder 4"/>
+            <a:endParaRPr b="0" lang="en-US" sz="4400" spc="-1" strike="noStrike">
+              <a:latin typeface="Arial"/>
+            </a:endParaRPr>
+          </a:p>
+        </p:txBody>
+      </p:sp>
+      <p:sp>
+        <p:nvSpPr>
+          <p:cNvPr id="45" name="PlaceHolder 4"/>
           <p:cNvSpPr>
             <a:spLocks noGrp="1"/>
           </p:cNvSpPr>
@@ -5458,275 +5100,169 @@
         </p:nvSpPr>
         <p:spPr>
           <a:xfrm>
-            <a:off x="1251720" y="2286000"/>
-            <a:ext cx="10177920" cy="3593160"/>
-          </a:xfrm>
-          <a:prstGeom prst="rect">
-            <a:avLst/>
-          </a:prstGeom>
-        </p:spPr>
-        <p:txBody>
-          <a:bodyPr/>
-          <a:p>
-            <a:pPr marL="228600" indent="-228240">
-              <a:lnSpc>
-                <a:spcPct val="100000"/>
-              </a:lnSpc>
+            <a:off x="609480" y="1604520"/>
+            <a:ext cx="10972440" cy="3977280"/>
+          </a:xfrm>
+          <a:prstGeom prst="rect">
+            <a:avLst/>
+          </a:prstGeom>
+        </p:spPr>
+        <p:txBody>
+          <a:bodyPr lIns="0" rIns="0" tIns="0" bIns="0">
+            <a:normAutofit/>
+          </a:bodyPr>
+          <a:p>
+            <a:pPr marL="432000" indent="-324000">
               <a:spcBef>
-                <a:spcPts val="700"/>
+                <a:spcPts val="1417"/>
               </a:spcBef>
               <a:buClr>
-                <a:srgbClr val="2a1a00"/>
+                <a:srgbClr val="000000"/>
               </a:buClr>
-              <a:buFont typeface="Arial"/>
-              <a:buChar char="•"/>
+              <a:buSzPct val="45000"/>
+              <a:buFont typeface="Wingdings" charset="2"/>
+              <a:buChar char=""/>
+            </a:pPr>
+            <a:r>
+              <a:rPr b="0" lang="en-US" sz="3200" spc="-1" strike="noStrike">
+                <a:latin typeface="Arial"/>
+              </a:rPr>
+              <a:t>Click to edit the outline text format</a:t>
+            </a:r>
+            <a:endParaRPr b="0" lang="en-US" sz="3200" spc="-1" strike="noStrike">
+              <a:latin typeface="Arial"/>
+            </a:endParaRPr>
+          </a:p>
+          <a:p>
+            <a:pPr lvl="1" marL="864000" indent="-324000">
+              <a:spcBef>
+                <a:spcPts val="1134"/>
+              </a:spcBef>
+              <a:buClr>
+                <a:srgbClr val="000000"/>
+              </a:buClr>
+              <a:buSzPct val="75000"/>
+              <a:buFont typeface="Symbol" charset="2"/>
+              <a:buChar char=""/>
+            </a:pPr>
+            <a:r>
+              <a:rPr b="0" lang="en-US" sz="2800" spc="-1" strike="noStrike">
+                <a:latin typeface="Arial"/>
+              </a:rPr>
+              <a:t>Second Outline Level</a:t>
+            </a:r>
+            <a:endParaRPr b="0" lang="en-US" sz="2800" spc="-1" strike="noStrike">
+              <a:latin typeface="Arial"/>
+            </a:endParaRPr>
+          </a:p>
+          <a:p>
+            <a:pPr lvl="2" marL="1296000" indent="-288000">
+              <a:spcBef>
+                <a:spcPts val="850"/>
+              </a:spcBef>
+              <a:buClr>
+                <a:srgbClr val="000000"/>
+              </a:buClr>
+              <a:buSzPct val="45000"/>
+              <a:buFont typeface="Wingdings" charset="2"/>
+              <a:buChar char=""/>
+            </a:pPr>
+            <a:r>
+              <a:rPr b="0" lang="en-US" sz="2400" spc="-1" strike="noStrike">
+                <a:latin typeface="Arial"/>
+              </a:rPr>
+              <a:t>Third Outline Level</a:t>
+            </a:r>
+            <a:endParaRPr b="0" lang="en-US" sz="2400" spc="-1" strike="noStrike">
+              <a:latin typeface="Arial"/>
+            </a:endParaRPr>
+          </a:p>
+          <a:p>
+            <a:pPr lvl="3" marL="1728000" indent="-216000">
+              <a:spcBef>
+                <a:spcPts val="567"/>
+              </a:spcBef>
+              <a:buClr>
+                <a:srgbClr val="000000"/>
+              </a:buClr>
+              <a:buSzPct val="75000"/>
+              <a:buFont typeface="Symbol" charset="2"/>
+              <a:buChar char=""/>
             </a:pPr>
             <a:r>
               <a:rPr b="0" lang="en-US" sz="2000" spc="-1" strike="noStrike">
-                <a:solidFill>
-                  <a:srgbClr val="595959"/>
-                </a:solidFill>
-                <a:latin typeface="Gill Sans MT"/>
+                <a:latin typeface="Arial"/>
               </a:rPr>
-              <a:t>Tekststijl van het model bewerken</a:t>
+              <a:t>Fourth Outline Level</a:t>
             </a:r>
             <a:endParaRPr b="0" lang="en-US" sz="2000" spc="-1" strike="noStrike">
-              <a:solidFill>
-                <a:srgbClr val="595959"/>
-              </a:solidFill>
-              <a:latin typeface="Gill Sans MT"/>
-            </a:endParaRPr>
-          </a:p>
-          <a:p>
-            <a:pPr lvl="1" marL="685800" indent="-228240">
-              <a:lnSpc>
-                <a:spcPct val="100000"/>
-              </a:lnSpc>
+              <a:latin typeface="Arial"/>
+            </a:endParaRPr>
+          </a:p>
+          <a:p>
+            <a:pPr lvl="4" marL="2160000" indent="-216000">
               <a:spcBef>
-                <a:spcPts val="700"/>
+                <a:spcPts val="283"/>
               </a:spcBef>
               <a:buClr>
-                <a:srgbClr val="2a1a00"/>
+                <a:srgbClr val="000000"/>
               </a:buClr>
-              <a:buFont typeface="Gill Sans MT"/>
-              <a:buChar char="–"/>
+              <a:buSzPct val="45000"/>
+              <a:buFont typeface="Wingdings" charset="2"/>
+              <a:buChar char=""/>
             </a:pPr>
             <a:r>
-              <a:rPr b="0" lang="en-US" sz="1800" spc="-1" strike="noStrike">
-                <a:solidFill>
-                  <a:srgbClr val="595959"/>
-                </a:solidFill>
-                <a:latin typeface="Gill Sans MT"/>
+              <a:rPr b="0" lang="en-US" sz="2000" spc="-1" strike="noStrike">
+                <a:latin typeface="Arial"/>
               </a:rPr>
-              <a:t>Tweede niveau</a:t>
+              <a:t>Fifth Outline Level</a:t>
             </a:r>
-            <a:endParaRPr b="0" lang="en-US" sz="1800" spc="-1" strike="noStrike">
-              <a:solidFill>
-                <a:srgbClr val="595959"/>
-              </a:solidFill>
-              <a:latin typeface="Gill Sans MT"/>
-            </a:endParaRPr>
-          </a:p>
-          <a:p>
-            <a:pPr lvl="2" marL="1143000" indent="-228240">
-              <a:lnSpc>
-                <a:spcPct val="100000"/>
-              </a:lnSpc>
+            <a:endParaRPr b="0" lang="en-US" sz="2000" spc="-1" strike="noStrike">
+              <a:latin typeface="Arial"/>
+            </a:endParaRPr>
+          </a:p>
+          <a:p>
+            <a:pPr lvl="5" marL="2592000" indent="-216000">
               <a:spcBef>
-                <a:spcPts val="700"/>
+                <a:spcPts val="283"/>
               </a:spcBef>
               <a:buClr>
-                <a:srgbClr val="2a1a00"/>
+                <a:srgbClr val="000000"/>
               </a:buClr>
-              <a:buFont typeface="Arial"/>
-              <a:buChar char="•"/>
+              <a:buSzPct val="45000"/>
+              <a:buFont typeface="Wingdings" charset="2"/>
+              <a:buChar char=""/>
             </a:pPr>
             <a:r>
-              <a:rPr b="0" lang="en-US" sz="1600" spc="-1" strike="noStrike">
-                <a:solidFill>
-                  <a:srgbClr val="595959"/>
-                </a:solidFill>
-                <a:latin typeface="Gill Sans MT"/>
+              <a:rPr b="0" lang="en-US" sz="2000" spc="-1" strike="noStrike">
+                <a:latin typeface="Arial"/>
               </a:rPr>
-              <a:t>Derde niveau</a:t>
+              <a:t>Sixth Outline Level</a:t>
             </a:r>
-            <a:endParaRPr b="0" lang="en-US" sz="1600" spc="-1" strike="noStrike">
-              <a:solidFill>
-                <a:srgbClr val="595959"/>
-              </a:solidFill>
-              <a:latin typeface="Gill Sans MT"/>
-            </a:endParaRPr>
-          </a:p>
-          <a:p>
-            <a:pPr lvl="3" marL="1600200" indent="-228240">
-              <a:lnSpc>
-                <a:spcPct val="100000"/>
-              </a:lnSpc>
+            <a:endParaRPr b="0" lang="en-US" sz="2000" spc="-1" strike="noStrike">
+              <a:latin typeface="Arial"/>
+            </a:endParaRPr>
+          </a:p>
+          <a:p>
+            <a:pPr lvl="6" marL="3024000" indent="-216000">
               <a:spcBef>
-                <a:spcPts val="700"/>
+                <a:spcPts val="283"/>
               </a:spcBef>
               <a:buClr>
-                <a:srgbClr val="2a1a00"/>
+                <a:srgbClr val="000000"/>
               </a:buClr>
-              <a:buFont typeface="Gill Sans MT"/>
-              <a:buChar char="–"/>
+              <a:buSzPct val="45000"/>
+              <a:buFont typeface="Wingdings" charset="2"/>
+              <a:buChar char=""/>
             </a:pPr>
             <a:r>
-              <a:rPr b="0" lang="en-US" sz="1400" spc="-1" strike="noStrike">
-                <a:solidFill>
-                  <a:srgbClr val="595959"/>
-                </a:solidFill>
-                <a:latin typeface="Gill Sans MT"/>
+              <a:rPr b="0" lang="en-US" sz="2000" spc="-1" strike="noStrike">
+                <a:latin typeface="Arial"/>
               </a:rPr>
-              <a:t>Vierde niveau</a:t>
+              <a:t>Seventh Outline Level</a:t>
             </a:r>
-            <a:endParaRPr b="0" lang="en-US" sz="1400" spc="-1" strike="noStrike">
-              <a:solidFill>
-                <a:srgbClr val="595959"/>
-              </a:solidFill>
-              <a:latin typeface="Gill Sans MT"/>
-            </a:endParaRPr>
-          </a:p>
-          <a:p>
-            <a:pPr lvl="4" marL="2057400" indent="-228240">
-              <a:lnSpc>
-                <a:spcPct val="100000"/>
-              </a:lnSpc>
-              <a:spcBef>
-                <a:spcPts val="700"/>
-              </a:spcBef>
-              <a:buClr>
-                <a:srgbClr val="2a1a00"/>
-              </a:buClr>
-              <a:buFont typeface="Arial"/>
-              <a:buChar char="•"/>
-            </a:pPr>
-            <a:r>
-              <a:rPr b="0" lang="en-US" sz="1400" spc="-1" strike="noStrike">
-                <a:solidFill>
-                  <a:srgbClr val="595959"/>
-                </a:solidFill>
-                <a:latin typeface="Gill Sans MT"/>
-              </a:rPr>
-              <a:t>Vijfde niveau</a:t>
-            </a:r>
-            <a:endParaRPr b="0" lang="en-US" sz="1400" spc="-1" strike="noStrike">
-              <a:solidFill>
-                <a:srgbClr val="595959"/>
-              </a:solidFill>
-              <a:latin typeface="Gill Sans MT"/>
-            </a:endParaRPr>
-          </a:p>
-        </p:txBody>
-      </p:sp>
-      <p:sp>
-        <p:nvSpPr>
-          <p:cNvPr id="49" name="PlaceHolder 5"/>
-          <p:cNvSpPr>
-            <a:spLocks noGrp="1"/>
-          </p:cNvSpPr>
-          <p:nvPr>
-            <p:ph type="dt"/>
-          </p:nvPr>
-        </p:nvSpPr>
-        <p:spPr>
-          <a:xfrm>
-            <a:off x="1251720" y="6375600"/>
-            <a:ext cx="2329200" cy="348120"/>
-          </a:xfrm>
-          <a:prstGeom prst="rect">
-            <a:avLst/>
-          </a:prstGeom>
-        </p:spPr>
-        <p:txBody>
-          <a:bodyPr anchor="ctr"/>
-          <a:p>
-            <a:pPr>
-              <a:lnSpc>
-                <a:spcPct val="100000"/>
-              </a:lnSpc>
-            </a:pPr>
-            <a:fld id="{491A47D7-1CD8-4811-8E57-C009C1CD3F66}" type="datetime">
-              <a:rPr b="0" lang="en-US" sz="1200" spc="-1" strike="noStrike">
-                <a:solidFill>
-                  <a:srgbClr val="595959"/>
-                </a:solidFill>
-                <a:latin typeface="Gill Sans MT"/>
-              </a:rPr>
-              <a:t>10/18/18</a:t>
-            </a:fld>
-            <a:endParaRPr b="0" lang="en-US" sz="1200" spc="-1" strike="noStrike">
-              <a:latin typeface="Times New Roman"/>
-            </a:endParaRPr>
-          </a:p>
-        </p:txBody>
-      </p:sp>
-      <p:sp>
-        <p:nvSpPr>
-          <p:cNvPr id="50" name="PlaceHolder 6"/>
-          <p:cNvSpPr>
-            <a:spLocks noGrp="1"/>
-          </p:cNvSpPr>
-          <p:nvPr>
-            <p:ph type="ftr"/>
-          </p:nvPr>
-        </p:nvSpPr>
-        <p:spPr>
-          <a:xfrm>
-            <a:off x="4038480" y="6375600"/>
-            <a:ext cx="4114440" cy="345600"/>
-          </a:xfrm>
-          <a:prstGeom prst="rect">
-            <a:avLst/>
-          </a:prstGeom>
-        </p:spPr>
-        <p:txBody>
-          <a:bodyPr anchor="ctr"/>
-          <a:p>
-            <a:endParaRPr b="0" lang="en-US" sz="2400" spc="-1" strike="noStrike">
-              <a:latin typeface="Times New Roman"/>
-            </a:endParaRPr>
-          </a:p>
-        </p:txBody>
-      </p:sp>
-      <p:sp>
-        <p:nvSpPr>
-          <p:cNvPr id="51" name="PlaceHolder 7"/>
-          <p:cNvSpPr>
-            <a:spLocks noGrp="1"/>
-          </p:cNvSpPr>
-          <p:nvPr>
-            <p:ph type="sldNum"/>
-          </p:nvPr>
-        </p:nvSpPr>
-        <p:spPr>
-          <a:xfrm>
-            <a:off x="8610480" y="6375600"/>
-            <a:ext cx="2819160" cy="345600"/>
-          </a:xfrm>
-          <a:prstGeom prst="rect">
-            <a:avLst/>
-          </a:prstGeom>
-        </p:spPr>
-        <p:txBody>
-          <a:bodyPr anchor="ctr"/>
-          <a:p>
-            <a:pPr algn="r">
-              <a:lnSpc>
-                <a:spcPct val="100000"/>
-              </a:lnSpc>
-            </a:pPr>
-            <a:fld id="{D26BF323-1A75-4409-8763-92BC2F1EE1BA}" type="slidenum">
-              <a:rPr b="0" lang="en-US" sz="1200" spc="-1" strike="noStrike">
-                <a:solidFill>
-                  <a:srgbClr val="595959"/>
-                </a:solidFill>
-                <a:latin typeface="Gill Sans MT"/>
-              </a:rPr>
-              <a:t>1</a:t>
-            </a:fld>
-            <a:endParaRPr b="0" lang="en-US" sz="1200" spc="-1" strike="noStrike">
-              <a:latin typeface="Times New Roman"/>
+            <a:endParaRPr b="0" lang="en-US" sz="2000" spc="-1" strike="noStrike">
+              <a:latin typeface="Arial"/>
             </a:endParaRPr>
           </a:p>
         </p:txBody>
@@ -5770,14 +5306,14 @@
       </p:grpSpPr>
       <p:sp>
         <p:nvSpPr>
-          <p:cNvPr id="88" name="TextShape 1"/>
-          <p:cNvSpPr txBox="1"/>
+          <p:cNvPr id="82" name="CustomShape 1"/>
+          <p:cNvSpPr/>
           <p:nvPr/>
         </p:nvSpPr>
         <p:spPr>
           <a:xfrm>
             <a:off x="1078560" y="1098360"/>
-            <a:ext cx="10317960" cy="4394520"/>
+            <a:ext cx="10317240" cy="4393800"/>
           </a:xfrm>
           <a:prstGeom prst="rect">
             <a:avLst/>
@@ -5787,8 +5323,14 @@
             <a:noFill/>
           </a:ln>
         </p:spPr>
-        <p:txBody>
-          <a:bodyPr anchor="ctr"/>
+        <p:style>
+          <a:lnRef idx="0"/>
+          <a:fillRef idx="0"/>
+          <a:effectRef idx="0"/>
+          <a:fontRef idx="minor"/>
+        </p:style>
+        <p:txBody>
+          <a:bodyPr lIns="90000" rIns="90000" tIns="45000" bIns="45000" anchor="ctr"/>
           <a:p>
             <a:pPr algn="ctr">
               <a:lnSpc>
@@ -5796,33 +5338,31 @@
               </a:lnSpc>
             </a:pPr>
             <a:r>
-              <a:rPr b="0" lang="en-US" sz="10000" spc="797" strike="noStrike" cap="all">
+              <a:rPr b="0" lang="en-US" sz="10000" spc="792" strike="noStrike" cap="all">
                 <a:solidFill>
                   <a:srgbClr val="2a1a00"/>
                 </a:solidFill>
                 <a:latin typeface="Impact"/>
+                <a:ea typeface="DejaVu Sans"/>
               </a:rPr>
               <a:t>Blackboard Snapshot</a:t>
             </a:r>
             <a:endParaRPr b="0" lang="en-US" sz="10000" spc="-1" strike="noStrike">
-              <a:solidFill>
-                <a:srgbClr val="000000"/>
-              </a:solidFill>
-              <a:latin typeface="Gill Sans MT"/>
-            </a:endParaRPr>
-          </a:p>
-        </p:txBody>
-      </p:sp>
-      <p:sp>
-        <p:nvSpPr>
-          <p:cNvPr id="89" name="TextShape 2"/>
-          <p:cNvSpPr txBox="1"/>
+              <a:latin typeface="Arial"/>
+            </a:endParaRPr>
+          </a:p>
+        </p:txBody>
+      </p:sp>
+      <p:sp>
+        <p:nvSpPr>
+          <p:cNvPr id="83" name="CustomShape 2"/>
+          <p:cNvSpPr/>
           <p:nvPr/>
         </p:nvSpPr>
         <p:spPr>
           <a:xfrm>
             <a:off x="2215080" y="5979240"/>
-            <a:ext cx="8044920" cy="741960"/>
+            <a:ext cx="8044200" cy="741240"/>
           </a:xfrm>
           <a:prstGeom prst="rect">
             <a:avLst/>
@@ -5832,8 +5372,14 @@
             <a:noFill/>
           </a:ln>
         </p:spPr>
-        <p:txBody>
-          <a:bodyPr/>
+        <p:style>
+          <a:lnRef idx="0"/>
+          <a:fillRef idx="0"/>
+          <a:effectRef idx="0"/>
+          <a:fontRef idx="minor"/>
+        </p:style>
+        <p:txBody>
+          <a:bodyPr lIns="90000" rIns="90000" tIns="45000" bIns="45000"/>
           <a:p>
             <a:pPr algn="ctr">
               <a:lnSpc>
@@ -5844,11 +5390,12 @@
               </a:spcBef>
             </a:pPr>
             <a:r>
-              <a:rPr b="1" lang="en-US" sz="2000" spc="398" strike="noStrike" cap="all">
+              <a:rPr b="1" lang="en-US" sz="2000" spc="392" strike="noStrike" cap="all">
                 <a:solidFill>
                   <a:srgbClr val="2a1a00"/>
                 </a:solidFill>
                 <a:latin typeface="Gill Sans MT"/>
+                <a:ea typeface="DejaVu Sans"/>
               </a:rPr>
               <a:t>Joren Jamar, Viktor Segers, Joeri Temmerman, Kevin Davis</a:t>
             </a:r>
@@ -5909,14 +5456,14 @@
       </p:grpSpPr>
       <p:sp>
         <p:nvSpPr>
-          <p:cNvPr id="109" name="TextShape 1"/>
-          <p:cNvSpPr txBox="1"/>
+          <p:cNvPr id="101" name="CustomShape 1"/>
+          <p:cNvSpPr/>
           <p:nvPr/>
         </p:nvSpPr>
         <p:spPr>
           <a:xfrm>
             <a:off x="1251720" y="382320"/>
-            <a:ext cx="10177920" cy="1491840"/>
+            <a:ext cx="10177200" cy="1491120"/>
           </a:xfrm>
           <a:prstGeom prst="rect">
             <a:avLst/>
@@ -5926,8 +5473,14 @@
             <a:noFill/>
           </a:ln>
         </p:spPr>
-        <p:txBody>
-          <a:bodyPr/>
+        <p:style>
+          <a:lnRef idx="0"/>
+          <a:fillRef idx="0"/>
+          <a:effectRef idx="0"/>
+          <a:fontRef idx="minor"/>
+        </p:style>
+        <p:txBody>
+          <a:bodyPr lIns="90000" rIns="90000" tIns="45000" bIns="45000"/>
           <a:p>
             <a:pPr>
               <a:lnSpc>
@@ -5935,33 +5488,178 @@
               </a:lnSpc>
             </a:pPr>
             <a:r>
-              <a:rPr b="0" lang="en-US" sz="5100" spc="199" strike="noStrike" cap="all">
+              <a:rPr b="0" lang="en-US" sz="5100" spc="194" strike="noStrike" cap="all">
                 <a:solidFill>
                   <a:srgbClr val="2a1a00"/>
                 </a:solidFill>
                 <a:latin typeface="Impact"/>
+                <a:ea typeface="DejaVu Sans"/>
+              </a:rPr>
+              <a:t>Burndown Chart</a:t>
+            </a:r>
+            <a:endParaRPr b="0" lang="en-US" sz="5100" spc="-1" strike="noStrike">
+              <a:latin typeface="Arial"/>
+            </a:endParaRPr>
+          </a:p>
+        </p:txBody>
+      </p:sp>
+      <p:sp>
+        <p:nvSpPr>
+          <p:cNvPr id="102" name="CustomShape 2"/>
+          <p:cNvSpPr/>
+          <p:nvPr/>
+        </p:nvSpPr>
+        <p:spPr>
+          <a:xfrm>
+            <a:off x="1251720" y="2286000"/>
+            <a:ext cx="10177200" cy="3592440"/>
+          </a:xfrm>
+          <a:prstGeom prst="rect">
+            <a:avLst/>
+          </a:prstGeom>
+          <a:noFill/>
+          <a:ln>
+            <a:noFill/>
+          </a:ln>
+        </p:spPr>
+        <p:style>
+          <a:lnRef idx="0"/>
+          <a:fillRef idx="0"/>
+          <a:effectRef idx="0"/>
+          <a:fontRef idx="minor"/>
+        </p:style>
+      </p:sp>
+      <p:pic>
+        <p:nvPicPr>
+          <p:cNvPr id="103" name="" descr=""/>
+          <p:cNvPicPr/>
+          <p:nvPr/>
+        </p:nvPicPr>
+        <p:blipFill>
+          <a:blip r:embed="rId1"/>
+          <a:stretch/>
+        </p:blipFill>
+        <p:spPr>
+          <a:xfrm>
+            <a:off x="99360" y="1463040"/>
+            <a:ext cx="12141720" cy="5265360"/>
+          </a:xfrm>
+          <a:prstGeom prst="rect">
+            <a:avLst/>
+          </a:prstGeom>
+          <a:ln>
+            <a:noFill/>
+          </a:ln>
+        </p:spPr>
+      </p:pic>
+    </p:spTree>
+  </p:cSld>
+  <p:timing>
+    <p:tnLst>
+      <p:par>
+        <p:cTn id="17" dur="indefinite" restart="never" nodeType="tmRoot">
+          <p:childTnLst>
+            <p:seq>
+              <p:cTn id="18" nodeType="mainSeq"/>
+              <p:prevCondLst>
+                <p:cond delay="0" evt="onPrev">
+                  <p:tgtEl>
+                    <p:sldTgt/>
+                  </p:tgtEl>
+                </p:cond>
+              </p:prevCondLst>
+              <p:nextCondLst>
+                <p:cond delay="0" evt="onNext">
+                  <p:tgtEl>
+                    <p:sldTgt/>
+                  </p:tgtEl>
+                </p:cond>
+              </p:nextCondLst>
+            </p:seq>
+          </p:childTnLst>
+        </p:cTn>
+      </p:par>
+    </p:tnLst>
+  </p:timing>
+</p:sld>
+</file>
+
+<file path=ppt/slides/slide11.xml><?xml version="1.0" encoding="utf-8"?>
+<p:sld xmlns:a="http://schemas.openxmlformats.org/drawingml/2006/main" xmlns:p="http://schemas.openxmlformats.org/presentationml/2006/main" xmlns:r="http://schemas.openxmlformats.org/officeDocument/2006/relationships" xmlns:p14="http://schemas.microsoft.com/office/powerpoint/2010/main" xmlns:p15="http://schemas.microsoft.com/office/powerpoint/2012/main" xmlns:mc="http://schemas.openxmlformats.org/markup-compatibility/2006">
+  <p:cSld>
+    <p:spTree>
+      <p:nvGrpSpPr>
+        <p:cNvPr id="1" name=""/>
+        <p:cNvGrpSpPr/>
+        <p:nvPr/>
+      </p:nvGrpSpPr>
+      <p:grpSpPr>
+        <a:xfrm>
+          <a:off x="0" y="0"/>
+          <a:ext cx="0" cy="0"/>
+          <a:chOff x="0" y="0"/>
+          <a:chExt cx="0" cy="0"/>
+        </a:xfrm>
+      </p:grpSpPr>
+      <p:sp>
+        <p:nvSpPr>
+          <p:cNvPr id="104" name="CustomShape 1"/>
+          <p:cNvSpPr/>
+          <p:nvPr/>
+        </p:nvSpPr>
+        <p:spPr>
+          <a:xfrm>
+            <a:off x="1251720" y="382320"/>
+            <a:ext cx="10177200" cy="1491120"/>
+          </a:xfrm>
+          <a:prstGeom prst="rect">
+            <a:avLst/>
+          </a:prstGeom>
+          <a:noFill/>
+          <a:ln>
+            <a:noFill/>
+          </a:ln>
+        </p:spPr>
+        <p:style>
+          <a:lnRef idx="0"/>
+          <a:fillRef idx="0"/>
+          <a:effectRef idx="0"/>
+          <a:fontRef idx="minor"/>
+        </p:style>
+        <p:txBody>
+          <a:bodyPr lIns="90000" rIns="90000" tIns="45000" bIns="45000"/>
+          <a:p>
+            <a:pPr>
+              <a:lnSpc>
+                <a:spcPct val="90000"/>
+              </a:lnSpc>
+            </a:pPr>
+            <a:r>
+              <a:rPr b="0" lang="en-US" sz="5100" spc="194" strike="noStrike" cap="all">
+                <a:solidFill>
+                  <a:srgbClr val="2a1a00"/>
+                </a:solidFill>
+                <a:latin typeface="Impact"/>
+                <a:ea typeface="DejaVu Sans"/>
               </a:rPr>
               <a:t>Reden slechte burndownchart</a:t>
             </a:r>
             <a:endParaRPr b="0" lang="en-US" sz="5100" spc="-1" strike="noStrike">
-              <a:solidFill>
-                <a:srgbClr val="000000"/>
-              </a:solidFill>
-              <a:latin typeface="Gill Sans MT"/>
-            </a:endParaRPr>
-          </a:p>
-        </p:txBody>
-      </p:sp>
-      <p:sp>
-        <p:nvSpPr>
-          <p:cNvPr id="110" name="TextShape 2"/>
-          <p:cNvSpPr txBox="1"/>
+              <a:latin typeface="Arial"/>
+            </a:endParaRPr>
+          </a:p>
+        </p:txBody>
+      </p:sp>
+      <p:sp>
+        <p:nvSpPr>
+          <p:cNvPr id="105" name="CustomShape 2"/>
+          <p:cNvSpPr/>
           <p:nvPr/>
         </p:nvSpPr>
         <p:spPr>
           <a:xfrm>
             <a:off x="1251720" y="2286000"/>
-            <a:ext cx="10177920" cy="3593160"/>
+            <a:ext cx="10177200" cy="3592440"/>
           </a:xfrm>
           <a:prstGeom prst="rect">
             <a:avLst/>
@@ -5971,10 +5669,16 @@
             <a:noFill/>
           </a:ln>
         </p:spPr>
-        <p:txBody>
-          <a:bodyPr/>
-          <a:p>
-            <a:pPr marL="228600" indent="-228240">
+        <p:style>
+          <a:lnRef idx="0"/>
+          <a:fillRef idx="0"/>
+          <a:effectRef idx="0"/>
+          <a:fontRef idx="minor"/>
+        </p:style>
+        <p:txBody>
+          <a:bodyPr lIns="90000" rIns="90000" tIns="45000" bIns="45000"/>
+          <a:p>
+            <a:pPr marL="228600" indent="-227520">
               <a:lnSpc>
                 <a:spcPct val="110000"/>
               </a:lnSpc>
@@ -5993,21 +5697,19 @@
                   <a:srgbClr val="595959"/>
                 </a:solidFill>
                 <a:latin typeface="Gill Sans MT"/>
+                <a:ea typeface="DejaVu Sans"/>
               </a:rPr>
               <a:t>Veel tasks, geen volledige user story</a:t>
             </a:r>
             <a:endParaRPr b="0" lang="en-US" sz="2000" spc="-1" strike="noStrike">
-              <a:solidFill>
-                <a:srgbClr val="595959"/>
-              </a:solidFill>
-              <a:latin typeface="Gill Sans MT"/>
+              <a:latin typeface="Arial"/>
             </a:endParaRPr>
           </a:p>
         </p:txBody>
       </p:sp>
       <p:pic>
         <p:nvPicPr>
-          <p:cNvPr id="111" name="Afbeelding 6" descr=""/>
+          <p:cNvPr id="106" name="Afbeelding 6" descr=""/>
           <p:cNvPicPr/>
           <p:nvPr/>
         </p:nvPicPr>
@@ -6018,7 +5720,7 @@
         <p:spPr>
           <a:xfrm>
             <a:off x="3405600" y="3277080"/>
-            <a:ext cx="5380920" cy="3580560"/>
+            <a:ext cx="5380200" cy="3579840"/>
           </a:xfrm>
           <a:prstGeom prst="rect">
             <a:avLst/>
@@ -6079,14 +5781,14 @@
       </p:grpSpPr>
       <p:sp>
         <p:nvSpPr>
-          <p:cNvPr id="90" name="TextShape 1"/>
-          <p:cNvSpPr txBox="1"/>
+          <p:cNvPr id="84" name="CustomShape 1"/>
+          <p:cNvSpPr/>
           <p:nvPr/>
         </p:nvSpPr>
         <p:spPr>
           <a:xfrm>
             <a:off x="1251720" y="382320"/>
-            <a:ext cx="10177920" cy="1491840"/>
+            <a:ext cx="10177200" cy="1491120"/>
           </a:xfrm>
           <a:prstGeom prst="rect">
             <a:avLst/>
@@ -6096,28 +5798,23 @@
             <a:noFill/>
           </a:ln>
         </p:spPr>
-        <p:txBody>
-          <a:bodyPr/>
-          <a:p>
-            <a:endParaRPr b="0" lang="en-US" sz="1800" spc="-1" strike="noStrike">
-              <a:solidFill>
-                <a:srgbClr val="000000"/>
-              </a:solidFill>
-              <a:latin typeface="Gill Sans MT"/>
-            </a:endParaRPr>
-          </a:p>
-        </p:txBody>
-      </p:sp>
-      <p:sp>
-        <p:nvSpPr>
-          <p:cNvPr id="91" name="TextShape 2"/>
-          <p:cNvSpPr txBox="1"/>
+        <p:style>
+          <a:lnRef idx="0"/>
+          <a:fillRef idx="0"/>
+          <a:effectRef idx="0"/>
+          <a:fontRef idx="minor"/>
+        </p:style>
+      </p:sp>
+      <p:sp>
+        <p:nvSpPr>
+          <p:cNvPr id="85" name="CustomShape 2"/>
+          <p:cNvSpPr/>
           <p:nvPr/>
         </p:nvSpPr>
         <p:spPr>
           <a:xfrm>
             <a:off x="1251720" y="2286000"/>
-            <a:ext cx="10177920" cy="3593160"/>
+            <a:ext cx="10177200" cy="3592440"/>
           </a:xfrm>
           <a:prstGeom prst="rect">
             <a:avLst/>
@@ -6127,21 +5824,16 @@
             <a:noFill/>
           </a:ln>
         </p:spPr>
-        <p:txBody>
-          <a:bodyPr/>
-          <a:p>
-            <a:endParaRPr b="0" lang="en-US" sz="2000" spc="-1" strike="noStrike">
-              <a:solidFill>
-                <a:srgbClr val="595959"/>
-              </a:solidFill>
-              <a:latin typeface="Gill Sans MT"/>
-            </a:endParaRPr>
-          </a:p>
-        </p:txBody>
+        <p:style>
+          <a:lnRef idx="0"/>
+          <a:fillRef idx="0"/>
+          <a:effectRef idx="0"/>
+          <a:fontRef idx="minor"/>
+        </p:style>
       </p:sp>
       <p:pic>
         <p:nvPicPr>
-          <p:cNvPr id="92" name="Afbeelding 4" descr=""/>
+          <p:cNvPr id="86" name="Afbeelding 4" descr=""/>
           <p:cNvPicPr/>
           <p:nvPr/>
         </p:nvPicPr>
@@ -6152,7 +5844,7 @@
         <p:spPr>
           <a:xfrm>
             <a:off x="1446480" y="3639960"/>
-            <a:ext cx="9298800" cy="3240360"/>
+            <a:ext cx="9298080" cy="3239640"/>
           </a:xfrm>
           <a:prstGeom prst="rect">
             <a:avLst/>
@@ -6164,7 +5856,7 @@
       </p:pic>
       <p:pic>
         <p:nvPicPr>
-          <p:cNvPr id="93" name="Afbeelding 5" descr=""/>
+          <p:cNvPr id="87" name="Afbeelding 5" descr=""/>
           <p:cNvPicPr/>
           <p:nvPr/>
         </p:nvPicPr>
@@ -6175,7 +5867,7 @@
         <p:spPr>
           <a:xfrm>
             <a:off x="1446480" y="11160"/>
-            <a:ext cx="9298800" cy="3628440"/>
+            <a:ext cx="9298080" cy="3627720"/>
           </a:xfrm>
           <a:prstGeom prst="rect">
             <a:avLst/>
@@ -6236,14 +5928,14 @@
       </p:grpSpPr>
       <p:sp>
         <p:nvSpPr>
-          <p:cNvPr id="94" name="TextShape 1"/>
-          <p:cNvSpPr txBox="1"/>
+          <p:cNvPr id="88" name="CustomShape 1"/>
+          <p:cNvSpPr/>
           <p:nvPr/>
         </p:nvSpPr>
         <p:spPr>
           <a:xfrm>
             <a:off x="1251720" y="382320"/>
-            <a:ext cx="10177920" cy="1491840"/>
+            <a:ext cx="10177200" cy="1491120"/>
           </a:xfrm>
           <a:prstGeom prst="rect">
             <a:avLst/>
@@ -6253,8 +5945,14 @@
             <a:noFill/>
           </a:ln>
         </p:spPr>
-        <p:txBody>
-          <a:bodyPr/>
+        <p:style>
+          <a:lnRef idx="0"/>
+          <a:fillRef idx="0"/>
+          <a:effectRef idx="0"/>
+          <a:fontRef idx="minor"/>
+        </p:style>
+        <p:txBody>
+          <a:bodyPr lIns="90000" rIns="90000" tIns="45000" bIns="45000"/>
           <a:p>
             <a:pPr>
               <a:lnSpc>
@@ -6262,33 +5960,31 @@
               </a:lnSpc>
             </a:pPr>
             <a:r>
-              <a:rPr b="0" lang="en-US" sz="5100" spc="199" strike="noStrike" cap="all">
+              <a:rPr b="0" lang="en-US" sz="5100" spc="194" strike="noStrike" cap="all">
                 <a:solidFill>
                   <a:srgbClr val="2a1a00"/>
                 </a:solidFill>
                 <a:latin typeface="Impact"/>
+                <a:ea typeface="DejaVu Sans"/>
               </a:rPr>
               <a:t>Wat is er gedaan van de software?</a:t>
             </a:r>
             <a:endParaRPr b="0" lang="en-US" sz="5100" spc="-1" strike="noStrike">
-              <a:solidFill>
-                <a:srgbClr val="000000"/>
-              </a:solidFill>
-              <a:latin typeface="Gill Sans MT"/>
-            </a:endParaRPr>
-          </a:p>
-        </p:txBody>
-      </p:sp>
-      <p:sp>
-        <p:nvSpPr>
-          <p:cNvPr id="95" name="TextShape 2"/>
-          <p:cNvSpPr txBox="1"/>
+              <a:latin typeface="Arial"/>
+            </a:endParaRPr>
+          </a:p>
+        </p:txBody>
+      </p:sp>
+      <p:sp>
+        <p:nvSpPr>
+          <p:cNvPr id="89" name="CustomShape 2"/>
+          <p:cNvSpPr/>
           <p:nvPr/>
         </p:nvSpPr>
         <p:spPr>
           <a:xfrm>
             <a:off x="1251720" y="2286000"/>
-            <a:ext cx="10177920" cy="3593160"/>
+            <a:ext cx="10177200" cy="3592440"/>
           </a:xfrm>
           <a:prstGeom prst="rect">
             <a:avLst/>
@@ -6298,10 +5994,16 @@
             <a:noFill/>
           </a:ln>
         </p:spPr>
-        <p:txBody>
-          <a:bodyPr/>
-          <a:p>
-            <a:pPr marL="228600" indent="-228240">
+        <p:style>
+          <a:lnRef idx="0"/>
+          <a:fillRef idx="0"/>
+          <a:effectRef idx="0"/>
+          <a:fontRef idx="minor"/>
+        </p:style>
+        <p:txBody>
+          <a:bodyPr lIns="90000" rIns="90000" tIns="45000" bIns="45000"/>
+          <a:p>
+            <a:pPr marL="228600" indent="-227520">
               <a:lnSpc>
                 <a:spcPct val="110000"/>
               </a:lnSpc>
@@ -6320,18 +6022,16 @@
                   <a:srgbClr val="595959"/>
                 </a:solidFill>
                 <a:latin typeface="Gill Sans MT"/>
+                <a:ea typeface="DejaVu Sans"/>
               </a:rPr>
               <a:t>Kevin + Joren:</a:t>
             </a:r>
             <a:endParaRPr b="0" lang="en-US" sz="2000" spc="-1" strike="noStrike">
-              <a:solidFill>
-                <a:srgbClr val="595959"/>
-              </a:solidFill>
-              <a:latin typeface="Gill Sans MT"/>
-            </a:endParaRPr>
-          </a:p>
-          <a:p>
-            <a:pPr lvl="1" marL="685800" indent="-228240">
+              <a:latin typeface="Arial"/>
+            </a:endParaRPr>
+          </a:p>
+          <a:p>
+            <a:pPr lvl="1" marL="685800" indent="-227520">
               <a:lnSpc>
                 <a:spcPct val="100000"/>
               </a:lnSpc>
@@ -6350,18 +6050,16 @@
                   <a:srgbClr val="595959"/>
                 </a:solidFill>
                 <a:latin typeface="Gill Sans MT"/>
+                <a:ea typeface="DejaVu Sans"/>
               </a:rPr>
               <a:t>Aanleren van React </a:t>
             </a:r>
             <a:endParaRPr b="0" lang="en-US" sz="1800" spc="-1" strike="noStrike">
-              <a:solidFill>
-                <a:srgbClr val="595959"/>
-              </a:solidFill>
-              <a:latin typeface="Gill Sans MT"/>
-            </a:endParaRPr>
-          </a:p>
-          <a:p>
-            <a:pPr lvl="1" marL="685800" indent="-228240">
+              <a:latin typeface="Arial"/>
+            </a:endParaRPr>
+          </a:p>
+          <a:p>
+            <a:pPr lvl="1" marL="685800" indent="-227520">
               <a:lnSpc>
                 <a:spcPct val="100000"/>
               </a:lnSpc>
@@ -6380,18 +6078,16 @@
                   <a:srgbClr val="595959"/>
                 </a:solidFill>
                 <a:latin typeface="Gill Sans MT"/>
+                <a:ea typeface="DejaVu Sans"/>
               </a:rPr>
               <a:t>Styling van webpagina (grootste deel Kevin)</a:t>
             </a:r>
             <a:endParaRPr b="0" lang="en-US" sz="1800" spc="-1" strike="noStrike">
-              <a:solidFill>
-                <a:srgbClr val="595959"/>
-              </a:solidFill>
-              <a:latin typeface="Gill Sans MT"/>
-            </a:endParaRPr>
-          </a:p>
-          <a:p>
-            <a:pPr marL="228600" indent="-228240">
+              <a:latin typeface="Arial"/>
+            </a:endParaRPr>
+          </a:p>
+          <a:p>
+            <a:pPr marL="228600" indent="-227520">
               <a:lnSpc>
                 <a:spcPct val="110000"/>
               </a:lnSpc>
@@ -6410,18 +6106,16 @@
                   <a:srgbClr val="595959"/>
                 </a:solidFill>
                 <a:latin typeface="Gill Sans MT"/>
+                <a:ea typeface="DejaVu Sans"/>
               </a:rPr>
               <a:t>Joren:</a:t>
             </a:r>
             <a:endParaRPr b="0" lang="en-US" sz="2000" spc="-1" strike="noStrike">
-              <a:solidFill>
-                <a:srgbClr val="595959"/>
-              </a:solidFill>
-              <a:latin typeface="Gill Sans MT"/>
-            </a:endParaRPr>
-          </a:p>
-          <a:p>
-            <a:pPr lvl="1" marL="685800" indent="-228240">
+              <a:latin typeface="Arial"/>
+            </a:endParaRPr>
+          </a:p>
+          <a:p>
+            <a:pPr lvl="1" marL="685800" indent="-227520">
               <a:lnSpc>
                 <a:spcPct val="100000"/>
               </a:lnSpc>
@@ -6440,18 +6134,16 @@
                   <a:srgbClr val="595959"/>
                 </a:solidFill>
                 <a:latin typeface="Gill Sans MT"/>
+                <a:ea typeface="DejaVu Sans"/>
               </a:rPr>
               <a:t>Samenvatting gemaakt van React</a:t>
             </a:r>
             <a:endParaRPr b="0" lang="en-US" sz="1800" spc="-1" strike="noStrike">
-              <a:solidFill>
-                <a:srgbClr val="595959"/>
-              </a:solidFill>
-              <a:latin typeface="Gill Sans MT"/>
-            </a:endParaRPr>
-          </a:p>
-          <a:p>
-            <a:pPr lvl="1" marL="685800" indent="-228240">
+              <a:latin typeface="Arial"/>
+            </a:endParaRPr>
+          </a:p>
+          <a:p>
+            <a:pPr lvl="1" marL="685800" indent="-227520">
               <a:lnSpc>
                 <a:spcPct val="100000"/>
               </a:lnSpc>
@@ -6470,18 +6162,16 @@
                   <a:srgbClr val="595959"/>
                 </a:solidFill>
                 <a:latin typeface="Gill Sans MT"/>
+                <a:ea typeface="DejaVu Sans"/>
               </a:rPr>
               <a:t>Uitzoeken en aankopen van Raspberry pi</a:t>
             </a:r>
             <a:endParaRPr b="0" lang="en-US" sz="1800" spc="-1" strike="noStrike">
-              <a:solidFill>
-                <a:srgbClr val="595959"/>
-              </a:solidFill>
-              <a:latin typeface="Gill Sans MT"/>
-            </a:endParaRPr>
-          </a:p>
-          <a:p>
-            <a:pPr lvl="1" marL="685800" indent="-228240">
+              <a:latin typeface="Arial"/>
+            </a:endParaRPr>
+          </a:p>
+          <a:p>
+            <a:pPr lvl="1" marL="685800" indent="-227520">
               <a:lnSpc>
                 <a:spcPct val="100000"/>
               </a:lnSpc>
@@ -6500,14 +6190,12 @@
                   <a:srgbClr val="595959"/>
                 </a:solidFill>
                 <a:latin typeface="Gill Sans MT"/>
+                <a:ea typeface="DejaVu Sans"/>
               </a:rPr>
               <a:t>Mockups maken</a:t>
             </a:r>
             <a:endParaRPr b="0" lang="en-US" sz="1800" spc="-1" strike="noStrike">
-              <a:solidFill>
-                <a:srgbClr val="595959"/>
-              </a:solidFill>
-              <a:latin typeface="Gill Sans MT"/>
+              <a:latin typeface="Arial"/>
             </a:endParaRPr>
           </a:p>
         </p:txBody>
@@ -6561,383 +6249,31 @@
           <a:chExt cx="0" cy="0"/>
         </a:xfrm>
       </p:grpSpPr>
-      <p:sp>
-        <p:nvSpPr>
-          <p:cNvPr id="96" name="TextShape 1"/>
-          <p:cNvSpPr txBox="1"/>
+      <p:pic>
+        <p:nvPicPr>
+          <p:cNvPr id="90" name="" descr=""/>
+          <p:cNvPicPr/>
           <p:nvPr/>
-        </p:nvSpPr>
-        <p:spPr>
-          <a:xfrm>
-            <a:off x="1251720" y="382320"/>
-            <a:ext cx="10177920" cy="1491840"/>
-          </a:xfrm>
-          <a:prstGeom prst="rect">
-            <a:avLst/>
-          </a:prstGeom>
-          <a:noFill/>
+        </p:nvPicPr>
+        <p:blipFill>
+          <a:blip r:embed="rId1"/>
+          <a:stretch/>
+        </p:blipFill>
+        <p:spPr>
+          <a:xfrm>
+            <a:off x="0" y="822960"/>
+            <a:ext cx="12191760" cy="5348520"/>
+          </a:xfrm>
+          <a:prstGeom prst="rect">
+            <a:avLst/>
+          </a:prstGeom>
           <a:ln>
             <a:noFill/>
           </a:ln>
         </p:spPr>
-        <p:txBody>
-          <a:bodyPr/>
-          <a:p>
-            <a:pPr>
-              <a:lnSpc>
-                <a:spcPct val="90000"/>
-              </a:lnSpc>
-            </a:pPr>
-            <a:r>
-              <a:rPr b="0" lang="en-US" sz="5100" spc="199" strike="noStrike" cap="all">
-                <a:solidFill>
-                  <a:srgbClr val="2a1a00"/>
-                </a:solidFill>
-                <a:latin typeface="Impact"/>
-              </a:rPr>
-              <a:t>Hoe komt het dat dit zo weinig is?</a:t>
-            </a:r>
-            <a:endParaRPr b="0" lang="en-US" sz="5100" spc="-1" strike="noStrike">
-              <a:solidFill>
-                <a:srgbClr val="000000"/>
-              </a:solidFill>
-              <a:latin typeface="Gill Sans MT"/>
-            </a:endParaRPr>
-          </a:p>
-        </p:txBody>
-      </p:sp>
-      <p:sp>
-        <p:nvSpPr>
-          <p:cNvPr id="97" name="TextShape 2"/>
-          <p:cNvSpPr txBox="1"/>
-          <p:nvPr/>
-        </p:nvSpPr>
-        <p:spPr>
-          <a:xfrm>
-            <a:off x="1251720" y="2286000"/>
-            <a:ext cx="10177920" cy="3593160"/>
-          </a:xfrm>
-          <a:prstGeom prst="rect">
-            <a:avLst/>
-          </a:prstGeom>
-          <a:noFill/>
-          <a:ln>
-            <a:noFill/>
-          </a:ln>
-        </p:spPr>
-        <p:txBody>
-          <a:bodyPr>
-            <a:normAutofit/>
-          </a:bodyPr>
-          <a:p>
-            <a:pPr marL="228600" indent="-228240">
-              <a:lnSpc>
-                <a:spcPct val="110000"/>
-              </a:lnSpc>
-              <a:spcBef>
-                <a:spcPts val="700"/>
-              </a:spcBef>
-              <a:buClr>
-                <a:srgbClr val="2a1a00"/>
-              </a:buClr>
-              <a:buFont typeface="Arial"/>
-              <a:buChar char="•"/>
-            </a:pPr>
-            <a:r>
-              <a:rPr b="0" lang="en-US" sz="2000" spc="-1" strike="noStrike">
-                <a:solidFill>
-                  <a:srgbClr val="595959"/>
-                </a:solidFill>
-                <a:latin typeface="Gill Sans MT"/>
-              </a:rPr>
-              <a:t>Beperkte kennis van React</a:t>
-            </a:r>
-            <a:endParaRPr b="0" lang="en-US" sz="2000" spc="-1" strike="noStrike">
-              <a:solidFill>
-                <a:srgbClr val="595959"/>
-              </a:solidFill>
-              <a:latin typeface="Gill Sans MT"/>
-            </a:endParaRPr>
-          </a:p>
-          <a:p>
-            <a:pPr marL="228600" indent="-228240">
-              <a:lnSpc>
-                <a:spcPct val="110000"/>
-              </a:lnSpc>
-              <a:spcBef>
-                <a:spcPts val="700"/>
-              </a:spcBef>
-              <a:buClr>
-                <a:srgbClr val="2a1a00"/>
-              </a:buClr>
-              <a:buFont typeface="Arial"/>
-              <a:buChar char="•"/>
-            </a:pPr>
-            <a:r>
-              <a:rPr b="0" lang="en-US" sz="2000" spc="-1" strike="noStrike">
-                <a:solidFill>
-                  <a:srgbClr val="595959"/>
-                </a:solidFill>
-                <a:latin typeface="Gill Sans MT"/>
-              </a:rPr>
-              <a:t>React moeilijker als gedacht</a:t>
-            </a:r>
-            <a:endParaRPr b="0" lang="en-US" sz="2000" spc="-1" strike="noStrike">
-              <a:solidFill>
-                <a:srgbClr val="595959"/>
-              </a:solidFill>
-              <a:latin typeface="Gill Sans MT"/>
-            </a:endParaRPr>
-          </a:p>
-          <a:p>
-            <a:pPr marL="228600" indent="-228240">
-              <a:lnSpc>
-                <a:spcPct val="110000"/>
-              </a:lnSpc>
-              <a:spcBef>
-                <a:spcPts val="700"/>
-              </a:spcBef>
-              <a:buClr>
-                <a:srgbClr val="2a1a00"/>
-              </a:buClr>
-              <a:buFont typeface="Arial"/>
-              <a:buChar char="•"/>
-            </a:pPr>
-            <a:r>
-              <a:rPr b="0" lang="en-US" sz="2000" spc="-1" strike="noStrike">
-                <a:solidFill>
-                  <a:srgbClr val="595959"/>
-                </a:solidFill>
-                <a:latin typeface="Gill Sans MT"/>
-              </a:rPr>
-              <a:t>Samenvatting/cursus maken</a:t>
-            </a:r>
-            <a:endParaRPr b="0" lang="en-US" sz="2000" spc="-1" strike="noStrike">
-              <a:solidFill>
-                <a:srgbClr val="595959"/>
-              </a:solidFill>
-              <a:latin typeface="Gill Sans MT"/>
-            </a:endParaRPr>
-          </a:p>
-          <a:p>
-            <a:pPr marL="228600" indent="-228240">
-              <a:lnSpc>
-                <a:spcPct val="110000"/>
-              </a:lnSpc>
-              <a:spcBef>
-                <a:spcPts val="700"/>
-              </a:spcBef>
-              <a:buClr>
-                <a:srgbClr val="2a1a00"/>
-              </a:buClr>
-              <a:buFont typeface="Arial"/>
-              <a:buChar char="•"/>
-            </a:pPr>
-            <a:r>
-              <a:rPr b="0" lang="en-US" sz="2000" spc="-1" strike="noStrike">
-                <a:solidFill>
-                  <a:srgbClr val="595959"/>
-                </a:solidFill>
-                <a:latin typeface="Gill Sans MT"/>
-              </a:rPr>
-              <a:t>Drukke weken</a:t>
-            </a:r>
-            <a:endParaRPr b="0" lang="en-US" sz="2000" spc="-1" strike="noStrike">
-              <a:solidFill>
-                <a:srgbClr val="595959"/>
-              </a:solidFill>
-              <a:latin typeface="Gill Sans MT"/>
-            </a:endParaRPr>
-          </a:p>
-          <a:p>
-            <a:pPr marL="228600" indent="-228240">
-              <a:lnSpc>
-                <a:spcPct val="110000"/>
-              </a:lnSpc>
-              <a:spcBef>
-                <a:spcPts val="700"/>
-              </a:spcBef>
-              <a:buClr>
-                <a:srgbClr val="2a1a00"/>
-              </a:buClr>
-              <a:buFont typeface="Arial"/>
-              <a:buChar char="•"/>
-            </a:pPr>
-            <a:r>
-              <a:rPr b="0" lang="en-US" sz="2000" spc="-1" strike="noStrike">
-                <a:solidFill>
-                  <a:srgbClr val="595959"/>
-                </a:solidFill>
-                <a:latin typeface="Gill Sans MT"/>
-              </a:rPr>
-              <a:t>Geen server omdat Raspberry Pi moest aangekocht worden</a:t>
-            </a:r>
-            <a:endParaRPr b="0" lang="en-US" sz="2000" spc="-1" strike="noStrike">
-              <a:solidFill>
-                <a:srgbClr val="595959"/>
-              </a:solidFill>
-              <a:latin typeface="Gill Sans MT"/>
-            </a:endParaRPr>
-          </a:p>
-          <a:p>
-            <a:pPr marL="228600" indent="-228240">
-              <a:lnSpc>
-                <a:spcPct val="110000"/>
-              </a:lnSpc>
-              <a:spcBef>
-                <a:spcPts val="700"/>
-              </a:spcBef>
-              <a:buClr>
-                <a:srgbClr val="2a1a00"/>
-              </a:buClr>
-              <a:buFont typeface="Arial"/>
-              <a:buChar char="•"/>
-            </a:pPr>
-            <a:r>
-              <a:rPr b="0" lang="en-US" sz="2000" spc="-1" strike="noStrike">
-                <a:solidFill>
-                  <a:srgbClr val="595959"/>
-                </a:solidFill>
-                <a:latin typeface="Gill Sans MT"/>
-              </a:rPr>
-              <a:t>Verschillende problemen gehad:</a:t>
-            </a:r>
-            <a:endParaRPr b="0" lang="en-US" sz="2000" spc="-1" strike="noStrike">
-              <a:solidFill>
-                <a:srgbClr val="595959"/>
-              </a:solidFill>
-              <a:latin typeface="Gill Sans MT"/>
-            </a:endParaRPr>
-          </a:p>
-          <a:p>
-            <a:pPr lvl="1" marL="685800" indent="-228240">
-              <a:lnSpc>
-                <a:spcPct val="100000"/>
-              </a:lnSpc>
-              <a:spcBef>
-                <a:spcPts val="700"/>
-              </a:spcBef>
-              <a:buClr>
-                <a:srgbClr val="2a1a00"/>
-              </a:buClr>
-              <a:buFont typeface="Gill Sans MT"/>
-              <a:buChar char="–"/>
-            </a:pPr>
-            <a:r>
-              <a:rPr b="0" lang="en-US" sz="1800" spc="-1" strike="noStrike">
-                <a:solidFill>
-                  <a:srgbClr val="595959"/>
-                </a:solidFill>
-                <a:latin typeface="Gill Sans MT"/>
-              </a:rPr>
-              <a:t>Dropdowns</a:t>
-            </a:r>
-            <a:endParaRPr b="0" lang="en-US" sz="1800" spc="-1" strike="noStrike">
-              <a:solidFill>
-                <a:srgbClr val="595959"/>
-              </a:solidFill>
-              <a:latin typeface="Gill Sans MT"/>
-            </a:endParaRPr>
-          </a:p>
-          <a:p>
-            <a:pPr lvl="1" marL="685800" indent="-228240">
-              <a:lnSpc>
-                <a:spcPct val="100000"/>
-              </a:lnSpc>
-              <a:spcBef>
-                <a:spcPts val="700"/>
-              </a:spcBef>
-              <a:buClr>
-                <a:srgbClr val="2a1a00"/>
-              </a:buClr>
-              <a:buFont typeface="Gill Sans MT"/>
-              <a:buChar char="–"/>
-            </a:pPr>
-            <a:r>
-              <a:rPr b="0" lang="en-US" sz="1800" spc="-1" strike="noStrike">
-                <a:solidFill>
-                  <a:srgbClr val="595959"/>
-                </a:solidFill>
-                <a:latin typeface="Gill Sans MT"/>
-              </a:rPr>
-              <a:t>Scaling van elementen met scherm</a:t>
-            </a:r>
-            <a:endParaRPr b="0" lang="en-US" sz="1800" spc="-1" strike="noStrike">
-              <a:solidFill>
-                <a:srgbClr val="595959"/>
-              </a:solidFill>
-              <a:latin typeface="Gill Sans MT"/>
-            </a:endParaRPr>
-          </a:p>
-          <a:p>
-            <a:pPr lvl="1" marL="685800" indent="-228240">
-              <a:lnSpc>
-                <a:spcPct val="100000"/>
-              </a:lnSpc>
-              <a:spcBef>
-                <a:spcPts val="700"/>
-              </a:spcBef>
-              <a:buClr>
-                <a:srgbClr val="2a1a00"/>
-              </a:buClr>
-              <a:buFont typeface="Gill Sans MT"/>
-              <a:buChar char="–"/>
-            </a:pPr>
-            <a:r>
-              <a:rPr b="0" lang="en-US" sz="1800" spc="-1" strike="noStrike">
-                <a:solidFill>
-                  <a:srgbClr val="595959"/>
-                </a:solidFill>
-                <a:latin typeface="Gill Sans MT"/>
-              </a:rPr>
-              <a:t>…</a:t>
-            </a:r>
-            <a:endParaRPr b="0" lang="en-US" sz="1800" spc="-1" strike="noStrike">
-              <a:solidFill>
-                <a:srgbClr val="595959"/>
-              </a:solidFill>
-              <a:latin typeface="Gill Sans MT"/>
-            </a:endParaRPr>
-          </a:p>
-          <a:p>
-            <a:endParaRPr b="0" lang="en-US" sz="1800" spc="-1" strike="noStrike">
-              <a:solidFill>
-                <a:srgbClr val="595959"/>
-              </a:solidFill>
-              <a:latin typeface="Gill Sans MT"/>
-            </a:endParaRPr>
-          </a:p>
-        </p:txBody>
-      </p:sp>
+      </p:pic>
     </p:spTree>
   </p:cSld>
-  <p:timing>
-    <p:tnLst>
-      <p:par>
-        <p:cTn id="7" dur="indefinite" restart="never" nodeType="tmRoot">
-          <p:childTnLst>
-            <p:seq>
-              <p:cTn id="8" nodeType="mainSeq"/>
-              <p:prevCondLst>
-                <p:cond delay="0" evt="onPrev">
-                  <p:tgtEl>
-                    <p:sldTgt/>
-                  </p:tgtEl>
-                </p:cond>
-              </p:prevCondLst>
-              <p:nextCondLst>
-                <p:cond delay="0" evt="onNext">
-                  <p:tgtEl>
-                    <p:sldTgt/>
-                  </p:tgtEl>
-                </p:cond>
-              </p:nextCondLst>
-            </p:seq>
-          </p:childTnLst>
-        </p:cTn>
-      </p:par>
-    </p:tnLst>
-  </p:timing>
 </p:sld>
 </file>
 
@@ -6960,14 +6296,14 @@
       </p:grpSpPr>
       <p:sp>
         <p:nvSpPr>
-          <p:cNvPr id="98" name="TextShape 1"/>
-          <p:cNvSpPr txBox="1"/>
+          <p:cNvPr id="91" name="CustomShape 1"/>
+          <p:cNvSpPr/>
           <p:nvPr/>
         </p:nvSpPr>
         <p:spPr>
           <a:xfrm>
             <a:off x="1251720" y="382320"/>
-            <a:ext cx="10177920" cy="1491840"/>
+            <a:ext cx="10177200" cy="1491120"/>
           </a:xfrm>
           <a:prstGeom prst="rect">
             <a:avLst/>
@@ -6977,8 +6313,14 @@
             <a:noFill/>
           </a:ln>
         </p:spPr>
-        <p:txBody>
-          <a:bodyPr/>
+        <p:style>
+          <a:lnRef idx="0"/>
+          <a:fillRef idx="0"/>
+          <a:effectRef idx="0"/>
+          <a:fontRef idx="minor"/>
+        </p:style>
+        <p:txBody>
+          <a:bodyPr lIns="90000" rIns="90000" tIns="45000" bIns="45000"/>
           <a:p>
             <a:pPr>
               <a:lnSpc>
@@ -6986,33 +6328,31 @@
               </a:lnSpc>
             </a:pPr>
             <a:r>
-              <a:rPr b="0" lang="en-US" sz="5100" spc="199" strike="noStrike" cap="all">
+              <a:rPr b="0" lang="en-US" sz="5100" spc="194" strike="noStrike" cap="all">
                 <a:solidFill>
                   <a:srgbClr val="2a1a00"/>
                 </a:solidFill>
                 <a:latin typeface="Impact"/>
+                <a:ea typeface="DejaVu Sans"/>
               </a:rPr>
-              <a:t>Wat kan er beter volgende sprint?</a:t>
+              <a:t>Hoe komt het dat dit zo weinig is?</a:t>
             </a:r>
             <a:endParaRPr b="0" lang="en-US" sz="5100" spc="-1" strike="noStrike">
-              <a:solidFill>
-                <a:srgbClr val="000000"/>
-              </a:solidFill>
-              <a:latin typeface="Gill Sans MT"/>
-            </a:endParaRPr>
-          </a:p>
-        </p:txBody>
-      </p:sp>
-      <p:sp>
-        <p:nvSpPr>
-          <p:cNvPr id="99" name="TextShape 2"/>
-          <p:cNvSpPr txBox="1"/>
+              <a:latin typeface="Arial"/>
+            </a:endParaRPr>
+          </a:p>
+        </p:txBody>
+      </p:sp>
+      <p:sp>
+        <p:nvSpPr>
+          <p:cNvPr id="92" name="CustomShape 2"/>
+          <p:cNvSpPr/>
           <p:nvPr/>
         </p:nvSpPr>
         <p:spPr>
           <a:xfrm>
             <a:off x="1251720" y="2286000"/>
-            <a:ext cx="10177920" cy="3593160"/>
+            <a:ext cx="10177200" cy="3592440"/>
           </a:xfrm>
           <a:prstGeom prst="rect">
             <a:avLst/>
@@ -7022,10 +6362,18 @@
             <a:noFill/>
           </a:ln>
         </p:spPr>
-        <p:txBody>
-          <a:bodyPr/>
-          <a:p>
-            <a:pPr marL="228600" indent="-228240">
+        <p:style>
+          <a:lnRef idx="0"/>
+          <a:fillRef idx="0"/>
+          <a:effectRef idx="0"/>
+          <a:fontRef idx="minor"/>
+        </p:style>
+        <p:txBody>
+          <a:bodyPr lIns="90000" rIns="90000" tIns="45000" bIns="45000">
+            <a:normAutofit/>
+          </a:bodyPr>
+          <a:p>
+            <a:pPr marL="228600" indent="-227520">
               <a:lnSpc>
                 <a:spcPct val="110000"/>
               </a:lnSpc>
@@ -7044,18 +6392,16 @@
                   <a:srgbClr val="595959"/>
                 </a:solidFill>
                 <a:latin typeface="Gill Sans MT"/>
+                <a:ea typeface="DejaVu Sans"/>
               </a:rPr>
-              <a:t>Meer thuis werken</a:t>
+              <a:t>Beperkte kennis van React</a:t>
             </a:r>
             <a:endParaRPr b="0" lang="en-US" sz="2000" spc="-1" strike="noStrike">
-              <a:solidFill>
-                <a:srgbClr val="595959"/>
-              </a:solidFill>
-              <a:latin typeface="Gill Sans MT"/>
-            </a:endParaRPr>
-          </a:p>
-          <a:p>
-            <a:pPr marL="228600" indent="-228240">
+              <a:latin typeface="Arial"/>
+            </a:endParaRPr>
+          </a:p>
+          <a:p>
+            <a:pPr marL="228600" indent="-227520">
               <a:lnSpc>
                 <a:spcPct val="110000"/>
               </a:lnSpc>
@@ -7074,36 +6420,16 @@
                   <a:srgbClr val="595959"/>
                 </a:solidFill>
                 <a:latin typeface="Gill Sans MT"/>
+                <a:ea typeface="DejaVu Sans"/>
               </a:rPr>
-              <a:t>Styling is klaar </a:t>
-            </a:r>
-            <a:r>
-              <a:rPr b="0" lang="en-US" sz="2000" spc="-1" strike="noStrike">
-                <a:solidFill>
-                  <a:srgbClr val="595959"/>
-                </a:solidFill>
-                <a:latin typeface="Wingdings"/>
-              </a:rPr>
-              <a:t></a:t>
-            </a:r>
-            <a:r>
-              <a:rPr b="0" lang="en-US" sz="2000" spc="-1" strike="noStrike">
-                <a:solidFill>
-                  <a:srgbClr val="595959"/>
-                </a:solidFill>
-                <a:latin typeface="Gill Sans MT"/>
-              </a:rPr>
-              <a:t> apart werken</a:t>
+              <a:t>React moeilijker als gedacht</a:t>
             </a:r>
             <a:endParaRPr b="0" lang="en-US" sz="2000" spc="-1" strike="noStrike">
-              <a:solidFill>
-                <a:srgbClr val="595959"/>
-              </a:solidFill>
-              <a:latin typeface="Gill Sans MT"/>
-            </a:endParaRPr>
-          </a:p>
-          <a:p>
-            <a:pPr marL="228600" indent="-228240">
+              <a:latin typeface="Arial"/>
+            </a:endParaRPr>
+          </a:p>
+          <a:p>
+            <a:pPr marL="228600" indent="-227520">
               <a:lnSpc>
                 <a:spcPct val="110000"/>
               </a:lnSpc>
@@ -7122,46 +6448,190 @@
                   <a:srgbClr val="595959"/>
                 </a:solidFill>
                 <a:latin typeface="Gill Sans MT"/>
+                <a:ea typeface="DejaVu Sans"/>
               </a:rPr>
-              <a:t>Zorgen voor werkende webpagina (React is aangeleerd)</a:t>
+              <a:t>Samenvatting/cursus maken</a:t>
             </a:r>
             <a:endParaRPr b="0" lang="en-US" sz="2000" spc="-1" strike="noStrike">
-              <a:solidFill>
-                <a:srgbClr val="595959"/>
-              </a:solidFill>
-              <a:latin typeface="Gill Sans MT"/>
-            </a:endParaRPr>
-          </a:p>
-          <a:p>
-            <a:pPr>
+              <a:latin typeface="Arial"/>
+            </a:endParaRPr>
+          </a:p>
+          <a:p>
+            <a:pPr marL="228600" indent="-227520">
               <a:lnSpc>
                 <a:spcPct val="110000"/>
               </a:lnSpc>
               <a:spcBef>
                 <a:spcPts val="700"/>
               </a:spcBef>
+              <a:buClr>
+                <a:srgbClr val="2a1a00"/>
+              </a:buClr>
+              <a:buFont typeface="Arial"/>
+              <a:buChar char="•"/>
             </a:pPr>
+            <a:r>
+              <a:rPr b="0" lang="en-US" sz="2000" spc="-1" strike="noStrike">
+                <a:solidFill>
+                  <a:srgbClr val="595959"/>
+                </a:solidFill>
+                <a:latin typeface="Gill Sans MT"/>
+                <a:ea typeface="DejaVu Sans"/>
+              </a:rPr>
+              <a:t>Drukke weken</a:t>
+            </a:r>
             <a:endParaRPr b="0" lang="en-US" sz="2000" spc="-1" strike="noStrike">
-              <a:solidFill>
-                <a:srgbClr val="595959"/>
-              </a:solidFill>
-              <a:latin typeface="Gill Sans MT"/>
-            </a:endParaRPr>
-          </a:p>
-          <a:p>
-            <a:pPr>
+              <a:latin typeface="Arial"/>
+            </a:endParaRPr>
+          </a:p>
+          <a:p>
+            <a:pPr marL="228600" indent="-227520">
               <a:lnSpc>
                 <a:spcPct val="110000"/>
               </a:lnSpc>
               <a:spcBef>
                 <a:spcPts val="700"/>
               </a:spcBef>
+              <a:buClr>
+                <a:srgbClr val="2a1a00"/>
+              </a:buClr>
+              <a:buFont typeface="Arial"/>
+              <a:buChar char="•"/>
             </a:pPr>
+            <a:r>
+              <a:rPr b="0" lang="en-US" sz="2000" spc="-1" strike="noStrike">
+                <a:solidFill>
+                  <a:srgbClr val="595959"/>
+                </a:solidFill>
+                <a:latin typeface="Gill Sans MT"/>
+                <a:ea typeface="DejaVu Sans"/>
+              </a:rPr>
+              <a:t>Geen server omdat Raspberry Pi moest aangekocht worden</a:t>
+            </a:r>
             <a:endParaRPr b="0" lang="en-US" sz="2000" spc="-1" strike="noStrike">
-              <a:solidFill>
-                <a:srgbClr val="595959"/>
-              </a:solidFill>
-              <a:latin typeface="Gill Sans MT"/>
+              <a:latin typeface="Arial"/>
+            </a:endParaRPr>
+          </a:p>
+          <a:p>
+            <a:pPr marL="228600" indent="-227520">
+              <a:lnSpc>
+                <a:spcPct val="110000"/>
+              </a:lnSpc>
+              <a:spcBef>
+                <a:spcPts val="700"/>
+              </a:spcBef>
+              <a:buClr>
+                <a:srgbClr val="2a1a00"/>
+              </a:buClr>
+              <a:buFont typeface="Arial"/>
+              <a:buChar char="•"/>
+            </a:pPr>
+            <a:r>
+              <a:rPr b="0" lang="en-US" sz="2000" spc="-1" strike="noStrike">
+                <a:solidFill>
+                  <a:srgbClr val="595959"/>
+                </a:solidFill>
+                <a:latin typeface="Gill Sans MT"/>
+                <a:ea typeface="DejaVu Sans"/>
+              </a:rPr>
+              <a:t>Verschillende problemen gehad:</a:t>
+            </a:r>
+            <a:endParaRPr b="0" lang="en-US" sz="2000" spc="-1" strike="noStrike">
+              <a:latin typeface="Arial"/>
+            </a:endParaRPr>
+          </a:p>
+          <a:p>
+            <a:pPr lvl="1" marL="685800" indent="-227520">
+              <a:lnSpc>
+                <a:spcPct val="100000"/>
+              </a:lnSpc>
+              <a:spcBef>
+                <a:spcPts val="700"/>
+              </a:spcBef>
+              <a:buClr>
+                <a:srgbClr val="2a1a00"/>
+              </a:buClr>
+              <a:buFont typeface="Gill Sans MT"/>
+              <a:buChar char="–"/>
+            </a:pPr>
+            <a:r>
+              <a:rPr b="0" lang="en-US" sz="1800" spc="-1" strike="noStrike">
+                <a:solidFill>
+                  <a:srgbClr val="595959"/>
+                </a:solidFill>
+                <a:latin typeface="Gill Sans MT"/>
+                <a:ea typeface="DejaVu Sans"/>
+              </a:rPr>
+              <a:t>Dropdowns</a:t>
+            </a:r>
+            <a:endParaRPr b="0" lang="en-US" sz="1800" spc="-1" strike="noStrike">
+              <a:latin typeface="Arial"/>
+            </a:endParaRPr>
+          </a:p>
+          <a:p>
+            <a:pPr lvl="1" marL="685800" indent="-227520">
+              <a:lnSpc>
+                <a:spcPct val="100000"/>
+              </a:lnSpc>
+              <a:spcBef>
+                <a:spcPts val="700"/>
+              </a:spcBef>
+              <a:buClr>
+                <a:srgbClr val="2a1a00"/>
+              </a:buClr>
+              <a:buFont typeface="Gill Sans MT"/>
+              <a:buChar char="–"/>
+            </a:pPr>
+            <a:r>
+              <a:rPr b="0" lang="en-US" sz="1800" spc="-1" strike="noStrike">
+                <a:solidFill>
+                  <a:srgbClr val="595959"/>
+                </a:solidFill>
+                <a:latin typeface="Gill Sans MT"/>
+                <a:ea typeface="DejaVu Sans"/>
+              </a:rPr>
+              <a:t>Scaling van elementen met scherm</a:t>
+            </a:r>
+            <a:endParaRPr b="0" lang="en-US" sz="1800" spc="-1" strike="noStrike">
+              <a:latin typeface="Arial"/>
+            </a:endParaRPr>
+          </a:p>
+          <a:p>
+            <a:pPr lvl="1" marL="685800" indent="-227520">
+              <a:lnSpc>
+                <a:spcPct val="100000"/>
+              </a:lnSpc>
+              <a:spcBef>
+                <a:spcPts val="700"/>
+              </a:spcBef>
+              <a:buClr>
+                <a:srgbClr val="2a1a00"/>
+              </a:buClr>
+              <a:buFont typeface="Gill Sans MT"/>
+              <a:buChar char="–"/>
+            </a:pPr>
+            <a:r>
+              <a:rPr b="0" lang="en-US" sz="1800" spc="-1" strike="noStrike">
+                <a:solidFill>
+                  <a:srgbClr val="595959"/>
+                </a:solidFill>
+                <a:latin typeface="Gill Sans MT"/>
+                <a:ea typeface="DejaVu Sans"/>
+              </a:rPr>
+              <a:t>…</a:t>
+            </a:r>
+            <a:endParaRPr b="0" lang="en-US" sz="1800" spc="-1" strike="noStrike">
+              <a:latin typeface="Arial"/>
+            </a:endParaRPr>
+          </a:p>
+          <a:p>
+            <a:pPr>
+              <a:lnSpc>
+                <a:spcPct val="100000"/>
+              </a:lnSpc>
+            </a:pPr>
+            <a:endParaRPr b="0" lang="en-US" sz="1800" spc="-1" strike="noStrike">
+              <a:latin typeface="Arial"/>
             </a:endParaRPr>
           </a:p>
         </p:txBody>
@@ -7171,10 +6641,10 @@
   <p:timing>
     <p:tnLst>
       <p:par>
-        <p:cTn id="9" dur="indefinite" restart="never" nodeType="tmRoot">
+        <p:cTn id="7" dur="indefinite" restart="never" nodeType="tmRoot">
           <p:childTnLst>
             <p:seq>
-              <p:cTn id="10" nodeType="mainSeq"/>
+              <p:cTn id="8" nodeType="mainSeq"/>
               <p:prevCondLst>
                 <p:cond delay="0" evt="onPrev">
                   <p:tgtEl>
@@ -7217,14 +6687,14 @@
       </p:grpSpPr>
       <p:sp>
         <p:nvSpPr>
-          <p:cNvPr id="100" name="TextShape 1"/>
-          <p:cNvSpPr txBox="1"/>
+          <p:cNvPr id="93" name="CustomShape 1"/>
+          <p:cNvSpPr/>
           <p:nvPr/>
         </p:nvSpPr>
         <p:spPr>
           <a:xfrm>
             <a:off x="1251720" y="382320"/>
-            <a:ext cx="10177920" cy="1491840"/>
+            <a:ext cx="10177200" cy="1491120"/>
           </a:xfrm>
           <a:prstGeom prst="rect">
             <a:avLst/>
@@ -7234,8 +6704,14 @@
             <a:noFill/>
           </a:ln>
         </p:spPr>
-        <p:txBody>
-          <a:bodyPr/>
+        <p:style>
+          <a:lnRef idx="0"/>
+          <a:fillRef idx="0"/>
+          <a:effectRef idx="0"/>
+          <a:fontRef idx="minor"/>
+        </p:style>
+        <p:txBody>
+          <a:bodyPr lIns="90000" rIns="90000" tIns="45000" bIns="45000"/>
           <a:p>
             <a:pPr>
               <a:lnSpc>
@@ -7243,33 +6719,31 @@
               </a:lnSpc>
             </a:pPr>
             <a:r>
-              <a:rPr b="0" lang="en-US" sz="5100" spc="199" strike="noStrike" cap="all">
+              <a:rPr b="0" lang="en-US" sz="5100" spc="194" strike="noStrike" cap="all">
                 <a:solidFill>
                   <a:srgbClr val="2a1a00"/>
                 </a:solidFill>
                 <a:latin typeface="Impact"/>
+                <a:ea typeface="DejaVu Sans"/>
               </a:rPr>
-              <a:t>Wat is er gedaan aan de hardware?</a:t>
+              <a:t>Wat kan er beter volgende sprint?</a:t>
             </a:r>
             <a:endParaRPr b="0" lang="en-US" sz="5100" spc="-1" strike="noStrike">
-              <a:solidFill>
-                <a:srgbClr val="000000"/>
-              </a:solidFill>
-              <a:latin typeface="Gill Sans MT"/>
-            </a:endParaRPr>
-          </a:p>
-        </p:txBody>
-      </p:sp>
-      <p:sp>
-        <p:nvSpPr>
-          <p:cNvPr id="101" name="TextShape 2"/>
-          <p:cNvSpPr txBox="1"/>
+              <a:latin typeface="Arial"/>
+            </a:endParaRPr>
+          </a:p>
+        </p:txBody>
+      </p:sp>
+      <p:sp>
+        <p:nvSpPr>
+          <p:cNvPr id="94" name="CustomShape 2"/>
+          <p:cNvSpPr/>
           <p:nvPr/>
         </p:nvSpPr>
         <p:spPr>
           <a:xfrm>
             <a:off x="1251720" y="2286000"/>
-            <a:ext cx="10177920" cy="3593160"/>
+            <a:ext cx="10177200" cy="3592440"/>
           </a:xfrm>
           <a:prstGeom prst="rect">
             <a:avLst/>
@@ -7279,10 +6753,16 @@
             <a:noFill/>
           </a:ln>
         </p:spPr>
-        <p:txBody>
-          <a:bodyPr/>
-          <a:p>
-            <a:pPr marL="228600" indent="-228240">
+        <p:style>
+          <a:lnRef idx="0"/>
+          <a:fillRef idx="0"/>
+          <a:effectRef idx="0"/>
+          <a:fontRef idx="minor"/>
+        </p:style>
+        <p:txBody>
+          <a:bodyPr lIns="90000" rIns="90000" tIns="45000" bIns="45000"/>
+          <a:p>
+            <a:pPr marL="228600" indent="-227520">
               <a:lnSpc>
                 <a:spcPct val="110000"/>
               </a:lnSpc>
@@ -7301,108 +6781,16 @@
                   <a:srgbClr val="595959"/>
                 </a:solidFill>
                 <a:latin typeface="Gill Sans MT"/>
+                <a:ea typeface="DejaVu Sans"/>
               </a:rPr>
-              <a:t>Viktor:</a:t>
+              <a:t>Meer thuis werken</a:t>
             </a:r>
             <a:endParaRPr b="0" lang="en-US" sz="2000" spc="-1" strike="noStrike">
-              <a:solidFill>
-                <a:srgbClr val="595959"/>
-              </a:solidFill>
-              <a:latin typeface="Gill Sans MT"/>
-            </a:endParaRPr>
-          </a:p>
-          <a:p>
-            <a:pPr lvl="1" marL="685800" indent="-228240">
-              <a:lnSpc>
-                <a:spcPct val="100000"/>
-              </a:lnSpc>
-              <a:spcBef>
-                <a:spcPts val="700"/>
-              </a:spcBef>
-              <a:buClr>
-                <a:srgbClr val="2a1a00"/>
-              </a:buClr>
-              <a:buFont typeface="Gill Sans MT"/>
-              <a:buChar char="–"/>
-            </a:pPr>
-            <a:r>
-              <a:rPr b="0" lang="en-US" sz="1800" spc="-1" strike="noStrike">
-                <a:solidFill>
-                  <a:srgbClr val="595959"/>
-                </a:solidFill>
-                <a:latin typeface="Gill Sans MT"/>
-              </a:rPr>
-              <a:t>Remote ontwerpen</a:t>
-            </a:r>
-            <a:endParaRPr b="0" lang="en-US" sz="1800" spc="-1" strike="noStrike">
-              <a:solidFill>
-                <a:srgbClr val="595959"/>
-              </a:solidFill>
-              <a:latin typeface="Gill Sans MT"/>
-            </a:endParaRPr>
-          </a:p>
-          <a:p>
-            <a:pPr lvl="1" marL="685800" indent="-228240">
-              <a:lnSpc>
-                <a:spcPct val="100000"/>
-              </a:lnSpc>
-              <a:spcBef>
-                <a:spcPts val="700"/>
-              </a:spcBef>
-              <a:buClr>
-                <a:srgbClr val="2a1a00"/>
-              </a:buClr>
-              <a:buFont typeface="Gill Sans MT"/>
-              <a:buChar char="–"/>
-            </a:pPr>
-            <a:r>
-              <a:rPr b="0" lang="en-US" sz="1800" spc="-1" strike="noStrike">
-                <a:solidFill>
-                  <a:srgbClr val="595959"/>
-                </a:solidFill>
-                <a:latin typeface="Gill Sans MT"/>
-              </a:rPr>
-              <a:t>PCB remote maken</a:t>
-            </a:r>
-            <a:endParaRPr b="0" lang="en-US" sz="1800" spc="-1" strike="noStrike">
-              <a:solidFill>
-                <a:srgbClr val="595959"/>
-              </a:solidFill>
-              <a:latin typeface="Gill Sans MT"/>
-            </a:endParaRPr>
-          </a:p>
-          <a:p>
-            <a:pPr lvl="1" marL="685800" indent="-228240">
-              <a:lnSpc>
-                <a:spcPct val="100000"/>
-              </a:lnSpc>
-              <a:spcBef>
-                <a:spcPts val="700"/>
-              </a:spcBef>
-              <a:buClr>
-                <a:srgbClr val="2a1a00"/>
-              </a:buClr>
-              <a:buFont typeface="Gill Sans MT"/>
-              <a:buChar char="–"/>
-            </a:pPr>
-            <a:r>
-              <a:rPr b="0" lang="en-US" sz="1800" spc="-1" strike="noStrike">
-                <a:solidFill>
-                  <a:srgbClr val="595959"/>
-                </a:solidFill>
-                <a:latin typeface="Gill Sans MT"/>
-              </a:rPr>
-              <a:t>Code schrijven voor remote</a:t>
-            </a:r>
-            <a:endParaRPr b="0" lang="en-US" sz="1800" spc="-1" strike="noStrike">
-              <a:solidFill>
-                <a:srgbClr val="595959"/>
-              </a:solidFill>
-              <a:latin typeface="Gill Sans MT"/>
-            </a:endParaRPr>
-          </a:p>
-          <a:p>
-            <a:pPr marL="228600" indent="-228240">
+              <a:latin typeface="Arial"/>
+            </a:endParaRPr>
+          </a:p>
+          <a:p>
+            <a:pPr marL="228600" indent="-227520">
               <a:lnSpc>
                 <a:spcPct val="110000"/>
               </a:lnSpc>
@@ -7421,20 +6809,18 @@
                   <a:srgbClr val="595959"/>
                 </a:solidFill>
                 <a:latin typeface="Gill Sans MT"/>
+                <a:ea typeface="DejaVu Sans"/>
               </a:rPr>
-              <a:t>Joeri</a:t>
+              <a:t>Styling is klaar → apart werken</a:t>
             </a:r>
             <a:endParaRPr b="0" lang="en-US" sz="2000" spc="-1" strike="noStrike">
-              <a:solidFill>
-                <a:srgbClr val="595959"/>
-              </a:solidFill>
-              <a:latin typeface="Gill Sans MT"/>
-            </a:endParaRPr>
-          </a:p>
-          <a:p>
-            <a:pPr lvl="1" marL="685800" indent="-228240">
+              <a:latin typeface="Arial"/>
+            </a:endParaRPr>
+          </a:p>
+          <a:p>
+            <a:pPr marL="228600" indent="-227520">
               <a:lnSpc>
-                <a:spcPct val="100000"/>
+                <a:spcPct val="110000"/>
               </a:lnSpc>
               <a:spcBef>
                 <a:spcPts val="700"/>
@@ -7442,61 +6828,47 @@
               <a:buClr>
                 <a:srgbClr val="2a1a00"/>
               </a:buClr>
-              <a:buFont typeface="Gill Sans MT"/>
-              <a:buChar char="–"/>
+              <a:buFont typeface="Arial"/>
+              <a:buChar char="•"/>
             </a:pPr>
             <a:r>
-              <a:rPr b="0" lang="en-US" sz="1800" spc="-1" strike="noStrike">
+              <a:rPr b="0" lang="en-US" sz="2000" spc="-1" strike="noStrike">
                 <a:solidFill>
                   <a:srgbClr val="595959"/>
                 </a:solidFill>
                 <a:latin typeface="Gill Sans MT"/>
+                <a:ea typeface="DejaVu Sans"/>
               </a:rPr>
-              <a:t>Ontvanger IR maken op Raspberry Pi</a:t>
+              <a:t>Zorgen voor werkende webpagina (React is aangeleerd)</a:t>
             </a:r>
-            <a:endParaRPr b="0" lang="en-US" sz="1800" spc="-1" strike="noStrike">
-              <a:solidFill>
-                <a:srgbClr val="595959"/>
-              </a:solidFill>
-              <a:latin typeface="Gill Sans MT"/>
-            </a:endParaRPr>
-          </a:p>
-          <a:p>
-            <a:pPr lvl="1" marL="685800" indent="-228240">
+            <a:endParaRPr b="0" lang="en-US" sz="2000" spc="-1" strike="noStrike">
+              <a:latin typeface="Arial"/>
+            </a:endParaRPr>
+          </a:p>
+          <a:p>
+            <a:pPr>
               <a:lnSpc>
-                <a:spcPct val="100000"/>
+                <a:spcPct val="110000"/>
               </a:lnSpc>
               <a:spcBef>
                 <a:spcPts val="700"/>
               </a:spcBef>
-              <a:buClr>
-                <a:srgbClr val="2a1a00"/>
-              </a:buClr>
-              <a:buFont typeface="Gill Sans MT"/>
-              <a:buChar char="–"/>
             </a:pPr>
-            <a:r>
-              <a:rPr b="0" lang="en-US" sz="1800" spc="-1" strike="noStrike">
-                <a:solidFill>
-                  <a:srgbClr val="595959"/>
-                </a:solidFill>
-                <a:latin typeface="Gill Sans MT"/>
-              </a:rPr>
-              <a:t>Aansluiten Canera aan RPI</a:t>
-            </a:r>
-            <a:endParaRPr b="0" lang="en-US" sz="1800" spc="-1" strike="noStrike">
-              <a:solidFill>
-                <a:srgbClr val="595959"/>
-              </a:solidFill>
-              <a:latin typeface="Gill Sans MT"/>
-            </a:endParaRPr>
-          </a:p>
-          <a:p>
-            <a:endParaRPr b="0" lang="en-US" sz="1800" spc="-1" strike="noStrike">
-              <a:solidFill>
-                <a:srgbClr val="595959"/>
-              </a:solidFill>
-              <a:latin typeface="Gill Sans MT"/>
+            <a:endParaRPr b="0" lang="en-US" sz="2000" spc="-1" strike="noStrike">
+              <a:latin typeface="Arial"/>
+            </a:endParaRPr>
+          </a:p>
+          <a:p>
+            <a:pPr>
+              <a:lnSpc>
+                <a:spcPct val="110000"/>
+              </a:lnSpc>
+              <a:spcBef>
+                <a:spcPts val="700"/>
+              </a:spcBef>
+            </a:pPr>
+            <a:endParaRPr b="0" lang="en-US" sz="2000" spc="-1" strike="noStrike">
+              <a:latin typeface="Arial"/>
             </a:endParaRPr>
           </a:p>
         </p:txBody>
@@ -7506,10 +6878,10 @@
   <p:timing>
     <p:tnLst>
       <p:par>
-        <p:cTn id="11" dur="indefinite" restart="never" nodeType="tmRoot">
+        <p:cTn id="9" dur="indefinite" restart="never" nodeType="tmRoot">
           <p:childTnLst>
             <p:seq>
-              <p:cTn id="12" nodeType="mainSeq"/>
+              <p:cTn id="10" nodeType="mainSeq"/>
               <p:prevCondLst>
                 <p:cond delay="0" evt="onPrev">
                   <p:tgtEl>
@@ -7552,14 +6924,14 @@
       </p:grpSpPr>
       <p:sp>
         <p:nvSpPr>
-          <p:cNvPr id="102" name="TextShape 1"/>
-          <p:cNvSpPr txBox="1"/>
+          <p:cNvPr id="95" name="CustomShape 1"/>
+          <p:cNvSpPr/>
           <p:nvPr/>
         </p:nvSpPr>
         <p:spPr>
           <a:xfrm>
             <a:off x="1251720" y="382320"/>
-            <a:ext cx="10177920" cy="1491840"/>
+            <a:ext cx="10177200" cy="1491120"/>
           </a:xfrm>
           <a:prstGeom prst="rect">
             <a:avLst/>
@@ -7569,8 +6941,14 @@
             <a:noFill/>
           </a:ln>
         </p:spPr>
-        <p:txBody>
-          <a:bodyPr/>
+        <p:style>
+          <a:lnRef idx="0"/>
+          <a:fillRef idx="0"/>
+          <a:effectRef idx="0"/>
+          <a:fontRef idx="minor"/>
+        </p:style>
+        <p:txBody>
+          <a:bodyPr lIns="90000" rIns="90000" tIns="45000" bIns="45000"/>
           <a:p>
             <a:pPr>
               <a:lnSpc>
@@ -7578,33 +6956,31 @@
               </a:lnSpc>
             </a:pPr>
             <a:r>
-              <a:rPr b="0" lang="en-US" sz="5100" spc="199" strike="noStrike" cap="all">
+              <a:rPr b="0" lang="en-US" sz="5100" spc="194" strike="noStrike" cap="all">
                 <a:solidFill>
                   <a:srgbClr val="2a1a00"/>
                 </a:solidFill>
                 <a:latin typeface="Impact"/>
+                <a:ea typeface="DejaVu Sans"/>
               </a:rPr>
-              <a:t>Hardware problemen?</a:t>
+              <a:t>Wat is er gedaan aan de hardware?</a:t>
             </a:r>
             <a:endParaRPr b="0" lang="en-US" sz="5100" spc="-1" strike="noStrike">
-              <a:solidFill>
-                <a:srgbClr val="000000"/>
-              </a:solidFill>
-              <a:latin typeface="Gill Sans MT"/>
-            </a:endParaRPr>
-          </a:p>
-        </p:txBody>
-      </p:sp>
-      <p:sp>
-        <p:nvSpPr>
-          <p:cNvPr id="103" name="TextShape 2"/>
-          <p:cNvSpPr txBox="1"/>
+              <a:latin typeface="Arial"/>
+            </a:endParaRPr>
+          </a:p>
+        </p:txBody>
+      </p:sp>
+      <p:sp>
+        <p:nvSpPr>
+          <p:cNvPr id="96" name="CustomShape 2"/>
+          <p:cNvSpPr/>
           <p:nvPr/>
         </p:nvSpPr>
         <p:spPr>
           <a:xfrm>
             <a:off x="1251720" y="2286000"/>
-            <a:ext cx="10177920" cy="3593160"/>
+            <a:ext cx="10177200" cy="3592440"/>
           </a:xfrm>
           <a:prstGeom prst="rect">
             <a:avLst/>
@@ -7614,10 +6990,16 @@
             <a:noFill/>
           </a:ln>
         </p:spPr>
-        <p:txBody>
-          <a:bodyPr/>
-          <a:p>
-            <a:pPr marL="228600" indent="-228240">
+        <p:style>
+          <a:lnRef idx="0"/>
+          <a:fillRef idx="0"/>
+          <a:effectRef idx="0"/>
+          <a:fontRef idx="minor"/>
+        </p:style>
+        <p:txBody>
+          <a:bodyPr lIns="90000" rIns="90000" tIns="45000" bIns="45000"/>
+          <a:p>
+            <a:pPr marL="228600" indent="-227520">
               <a:lnSpc>
                 <a:spcPct val="110000"/>
               </a:lnSpc>
@@ -7636,18 +7018,100 @@
                   <a:srgbClr val="595959"/>
                 </a:solidFill>
                 <a:latin typeface="Gill Sans MT"/>
+                <a:ea typeface="DejaVu Sans"/>
               </a:rPr>
-              <a:t>Veel tijd verloren aan implementatie IR uitkiezen</a:t>
+              <a:t>Viktor:</a:t>
             </a:r>
             <a:endParaRPr b="0" lang="en-US" sz="2000" spc="-1" strike="noStrike">
-              <a:solidFill>
-                <a:srgbClr val="595959"/>
-              </a:solidFill>
-              <a:latin typeface="Gill Sans MT"/>
-            </a:endParaRPr>
-          </a:p>
-          <a:p>
-            <a:pPr marL="228600" indent="-228240">
+              <a:latin typeface="Arial"/>
+            </a:endParaRPr>
+          </a:p>
+          <a:p>
+            <a:pPr lvl="1" marL="685800" indent="-227520">
+              <a:lnSpc>
+                <a:spcPct val="100000"/>
+              </a:lnSpc>
+              <a:spcBef>
+                <a:spcPts val="700"/>
+              </a:spcBef>
+              <a:buClr>
+                <a:srgbClr val="2a1a00"/>
+              </a:buClr>
+              <a:buFont typeface="Gill Sans MT"/>
+              <a:buChar char="–"/>
+            </a:pPr>
+            <a:r>
+              <a:rPr b="0" lang="en-US" sz="1800" spc="-1" strike="noStrike">
+                <a:solidFill>
+                  <a:srgbClr val="595959"/>
+                </a:solidFill>
+                <a:latin typeface="Gill Sans MT"/>
+                <a:ea typeface="DejaVu Sans"/>
+              </a:rPr>
+              <a:t>Remote ontwerpen</a:t>
+            </a:r>
+            <a:endParaRPr b="0" lang="en-US" sz="1800" spc="-1" strike="noStrike">
+              <a:latin typeface="Arial"/>
+            </a:endParaRPr>
+          </a:p>
+          <a:p>
+            <a:pPr lvl="1" marL="685800" indent="-227520">
+              <a:lnSpc>
+                <a:spcPct val="100000"/>
+              </a:lnSpc>
+              <a:spcBef>
+                <a:spcPts val="700"/>
+              </a:spcBef>
+              <a:buClr>
+                <a:srgbClr val="2a1a00"/>
+              </a:buClr>
+              <a:buFont typeface="Gill Sans MT"/>
+              <a:buChar char="–"/>
+            </a:pPr>
+            <a:r>
+              <a:rPr b="0" lang="en-US" sz="1800" spc="-1" strike="noStrike">
+                <a:solidFill>
+                  <a:srgbClr val="595959"/>
+                </a:solidFill>
+                <a:latin typeface="Gill Sans MT"/>
+                <a:ea typeface="DejaVu Sans"/>
+              </a:rPr>
+              <a:t>PCB remote maken</a:t>
+            </a:r>
+            <a:endParaRPr b="0" lang="en-US" sz="1800" spc="-1" strike="noStrike">
+              <a:latin typeface="Arial"/>
+            </a:endParaRPr>
+          </a:p>
+          <a:p>
+            <a:pPr lvl="1" marL="685800" indent="-227520">
+              <a:lnSpc>
+                <a:spcPct val="100000"/>
+              </a:lnSpc>
+              <a:spcBef>
+                <a:spcPts val="700"/>
+              </a:spcBef>
+              <a:buClr>
+                <a:srgbClr val="2a1a00"/>
+              </a:buClr>
+              <a:buFont typeface="Gill Sans MT"/>
+              <a:buChar char="–"/>
+            </a:pPr>
+            <a:r>
+              <a:rPr b="0" lang="en-US" sz="1800" spc="-1" strike="noStrike">
+                <a:solidFill>
+                  <a:srgbClr val="595959"/>
+                </a:solidFill>
+                <a:latin typeface="Gill Sans MT"/>
+                <a:ea typeface="DejaVu Sans"/>
+              </a:rPr>
+              <a:t>Code schrijven voor remote</a:t>
+            </a:r>
+            <a:endParaRPr b="0" lang="en-US" sz="1800" spc="-1" strike="noStrike">
+              <a:latin typeface="Arial"/>
+            </a:endParaRPr>
+          </a:p>
+          <a:p>
+            <a:pPr marL="228600" indent="-227520">
               <a:lnSpc>
                 <a:spcPct val="110000"/>
               </a:lnSpc>
@@ -7666,22 +7130,78 @@
                   <a:srgbClr val="595959"/>
                 </a:solidFill>
                 <a:latin typeface="Gill Sans MT"/>
+                <a:ea typeface="DejaVu Sans"/>
               </a:rPr>
-              <a:t>Weinig kennis van gekozen technologien</a:t>
+              <a:t>Joeri</a:t>
             </a:r>
             <a:endParaRPr b="0" lang="en-US" sz="2000" spc="-1" strike="noStrike">
-              <a:solidFill>
-                <a:srgbClr val="595959"/>
-              </a:solidFill>
-              <a:latin typeface="Gill Sans MT"/>
-            </a:endParaRPr>
-          </a:p>
-          <a:p>
-            <a:endParaRPr b="0" lang="en-US" sz="2000" spc="-1" strike="noStrike">
-              <a:solidFill>
-                <a:srgbClr val="595959"/>
-              </a:solidFill>
-              <a:latin typeface="Gill Sans MT"/>
+              <a:latin typeface="Arial"/>
+            </a:endParaRPr>
+          </a:p>
+          <a:p>
+            <a:pPr lvl="1" marL="685800" indent="-227520">
+              <a:lnSpc>
+                <a:spcPct val="100000"/>
+              </a:lnSpc>
+              <a:spcBef>
+                <a:spcPts val="700"/>
+              </a:spcBef>
+              <a:buClr>
+                <a:srgbClr val="2a1a00"/>
+              </a:buClr>
+              <a:buFont typeface="Gill Sans MT"/>
+              <a:buChar char="–"/>
+            </a:pPr>
+            <a:r>
+              <a:rPr b="0" lang="en-US" sz="1800" spc="-1" strike="noStrike">
+                <a:solidFill>
+                  <a:srgbClr val="595959"/>
+                </a:solidFill>
+                <a:latin typeface="Gill Sans MT"/>
+                <a:ea typeface="DejaVu Sans"/>
+              </a:rPr>
+              <a:t>Ontvanger IR maken op Raspberry Pi</a:t>
+            </a:r>
+            <a:endParaRPr b="0" lang="en-US" sz="1800" spc="-1" strike="noStrike">
+              <a:latin typeface="Arial"/>
+            </a:endParaRPr>
+          </a:p>
+          <a:p>
+            <a:pPr lvl="1" marL="685800" indent="-227520">
+              <a:lnSpc>
+                <a:spcPct val="100000"/>
+              </a:lnSpc>
+              <a:spcBef>
+                <a:spcPts val="700"/>
+              </a:spcBef>
+              <a:buClr>
+                <a:srgbClr val="2a1a00"/>
+              </a:buClr>
+              <a:buFont typeface="Gill Sans MT"/>
+              <a:buChar char="–"/>
+            </a:pPr>
+            <a:r>
+              <a:rPr b="0" lang="en-US" sz="1800" spc="-1" strike="noStrike">
+                <a:solidFill>
+                  <a:srgbClr val="595959"/>
+                </a:solidFill>
+                <a:latin typeface="Gill Sans MT"/>
+                <a:ea typeface="DejaVu Sans"/>
+              </a:rPr>
+              <a:t>Aansluiten Camera aan RPI</a:t>
+            </a:r>
+            <a:endParaRPr b="0" lang="en-US" sz="1800" spc="-1" strike="noStrike">
+              <a:latin typeface="Arial"/>
+            </a:endParaRPr>
+          </a:p>
+          <a:p>
+            <a:pPr>
+              <a:lnSpc>
+                <a:spcPct val="100000"/>
+              </a:lnSpc>
+            </a:pPr>
+            <a:endParaRPr b="0" lang="en-US" sz="1800" spc="-1" strike="noStrike">
+              <a:latin typeface="Arial"/>
             </a:endParaRPr>
           </a:p>
         </p:txBody>
@@ -7691,10 +7211,10 @@
   <p:timing>
     <p:tnLst>
       <p:par>
-        <p:cTn id="13" dur="indefinite" restart="never" nodeType="tmRoot">
+        <p:cTn id="11" dur="indefinite" restart="never" nodeType="tmRoot">
           <p:childTnLst>
             <p:seq>
-              <p:cTn id="14" nodeType="mainSeq"/>
+              <p:cTn id="12" nodeType="mainSeq"/>
               <p:prevCondLst>
                 <p:cond delay="0" evt="onPrev">
                   <p:tgtEl>
@@ -7737,14 +7257,14 @@
       </p:grpSpPr>
       <p:sp>
         <p:nvSpPr>
-          <p:cNvPr id="104" name="TextShape 1"/>
-          <p:cNvSpPr txBox="1"/>
+          <p:cNvPr id="97" name="CustomShape 1"/>
+          <p:cNvSpPr/>
           <p:nvPr/>
         </p:nvSpPr>
         <p:spPr>
           <a:xfrm>
             <a:off x="1251720" y="382320"/>
-            <a:ext cx="10177920" cy="1491840"/>
+            <a:ext cx="10177200" cy="1491120"/>
           </a:xfrm>
           <a:prstGeom prst="rect">
             <a:avLst/>
@@ -7754,8 +7274,14 @@
             <a:noFill/>
           </a:ln>
         </p:spPr>
-        <p:txBody>
-          <a:bodyPr/>
+        <p:style>
+          <a:lnRef idx="0"/>
+          <a:fillRef idx="0"/>
+          <a:effectRef idx="0"/>
+          <a:fontRef idx="minor"/>
+        </p:style>
+        <p:txBody>
+          <a:bodyPr lIns="90000" rIns="90000" tIns="45000" bIns="45000"/>
           <a:p>
             <a:pPr>
               <a:lnSpc>
@@ -7763,33 +7289,31 @@
               </a:lnSpc>
             </a:pPr>
             <a:r>
-              <a:rPr b="0" lang="en-US" sz="5100" spc="199" strike="noStrike" cap="all">
+              <a:rPr b="0" lang="en-US" sz="5100" spc="194" strike="noStrike" cap="all">
                 <a:solidFill>
                   <a:srgbClr val="2a1a00"/>
                 </a:solidFill>
                 <a:latin typeface="Impact"/>
+                <a:ea typeface="DejaVu Sans"/>
               </a:rPr>
-              <a:t>Wat kan er beter volgende sprint?</a:t>
+              <a:t>Hardware problemen?</a:t>
             </a:r>
             <a:endParaRPr b="0" lang="en-US" sz="5100" spc="-1" strike="noStrike">
-              <a:solidFill>
-                <a:srgbClr val="000000"/>
-              </a:solidFill>
-              <a:latin typeface="Gill Sans MT"/>
-            </a:endParaRPr>
-          </a:p>
-        </p:txBody>
-      </p:sp>
-      <p:sp>
-        <p:nvSpPr>
-          <p:cNvPr id="105" name="TextShape 2"/>
-          <p:cNvSpPr txBox="1"/>
+              <a:latin typeface="Arial"/>
+            </a:endParaRPr>
+          </a:p>
+        </p:txBody>
+      </p:sp>
+      <p:sp>
+        <p:nvSpPr>
+          <p:cNvPr id="98" name="CustomShape 2"/>
+          <p:cNvSpPr/>
           <p:nvPr/>
         </p:nvSpPr>
         <p:spPr>
           <a:xfrm>
             <a:off x="1251720" y="2286000"/>
-            <a:ext cx="10177920" cy="3593160"/>
+            <a:ext cx="10177200" cy="3592440"/>
           </a:xfrm>
           <a:prstGeom prst="rect">
             <a:avLst/>
@@ -7799,10 +7323,16 @@
             <a:noFill/>
           </a:ln>
         </p:spPr>
-        <p:txBody>
-          <a:bodyPr/>
-          <a:p>
-            <a:pPr marL="228600" indent="-228240">
+        <p:style>
+          <a:lnRef idx="0"/>
+          <a:fillRef idx="0"/>
+          <a:effectRef idx="0"/>
+          <a:fontRef idx="minor"/>
+        </p:style>
+        <p:txBody>
+          <a:bodyPr lIns="90000" rIns="90000" tIns="45000" bIns="45000"/>
+          <a:p>
+            <a:pPr marL="228600" indent="-227520">
               <a:lnSpc>
                 <a:spcPct val="110000"/>
               </a:lnSpc>
@@ -7821,14 +7351,50 @@
                   <a:srgbClr val="595959"/>
                 </a:solidFill>
                 <a:latin typeface="Gill Sans MT"/>
+                <a:ea typeface="DejaVu Sans"/>
               </a:rPr>
-              <a:t>Meer gefocussed werk (minder stories tegelijk proberen afhandelen)</a:t>
+              <a:t>Veel tijd verloren aan implementatie IR uitkiezen</a:t>
             </a:r>
             <a:endParaRPr b="0" lang="en-US" sz="2000" spc="-1" strike="noStrike">
-              <a:solidFill>
-                <a:srgbClr val="595959"/>
-              </a:solidFill>
-              <a:latin typeface="Gill Sans MT"/>
+              <a:latin typeface="Arial"/>
+            </a:endParaRPr>
+          </a:p>
+          <a:p>
+            <a:pPr marL="228600" indent="-227520">
+              <a:lnSpc>
+                <a:spcPct val="110000"/>
+              </a:lnSpc>
+              <a:spcBef>
+                <a:spcPts val="700"/>
+              </a:spcBef>
+              <a:buClr>
+                <a:srgbClr val="2a1a00"/>
+              </a:buClr>
+              <a:buFont typeface="Arial"/>
+              <a:buChar char="•"/>
+            </a:pPr>
+            <a:r>
+              <a:rPr b="0" lang="en-US" sz="2000" spc="-1" strike="noStrike">
+                <a:solidFill>
+                  <a:srgbClr val="595959"/>
+                </a:solidFill>
+                <a:latin typeface="Gill Sans MT"/>
+                <a:ea typeface="DejaVu Sans"/>
+              </a:rPr>
+              <a:t>Weinig kennis van gekozen technologien</a:t>
+            </a:r>
+            <a:endParaRPr b="0" lang="en-US" sz="2000" spc="-1" strike="noStrike">
+              <a:latin typeface="Arial"/>
+            </a:endParaRPr>
+          </a:p>
+          <a:p>
+            <a:pPr>
+              <a:lnSpc>
+                <a:spcPct val="110000"/>
+              </a:lnSpc>
+            </a:pPr>
+            <a:endParaRPr b="0" lang="en-US" sz="2000" spc="-1" strike="noStrike">
+              <a:latin typeface="Arial"/>
             </a:endParaRPr>
           </a:p>
         </p:txBody>
@@ -7838,10 +7404,10 @@
   <p:timing>
     <p:tnLst>
       <p:par>
-        <p:cTn id="15" dur="indefinite" restart="never" nodeType="tmRoot">
+        <p:cTn id="13" dur="indefinite" restart="never" nodeType="tmRoot">
           <p:childTnLst>
             <p:seq>
-              <p:cTn id="16" nodeType="mainSeq"/>
+              <p:cTn id="14" nodeType="mainSeq"/>
               <p:prevCondLst>
                 <p:cond delay="0" evt="onPrev">
                   <p:tgtEl>
@@ -7884,14 +7450,14 @@
       </p:grpSpPr>
       <p:sp>
         <p:nvSpPr>
-          <p:cNvPr id="106" name="TextShape 1"/>
-          <p:cNvSpPr txBox="1"/>
+          <p:cNvPr id="99" name="CustomShape 1"/>
+          <p:cNvSpPr/>
           <p:nvPr/>
         </p:nvSpPr>
         <p:spPr>
           <a:xfrm>
             <a:off x="1251720" y="382320"/>
-            <a:ext cx="10177920" cy="1491840"/>
+            <a:ext cx="10177200" cy="1491120"/>
           </a:xfrm>
           <a:prstGeom prst="rect">
             <a:avLst/>
@@ -7901,8 +7467,14 @@
             <a:noFill/>
           </a:ln>
         </p:spPr>
-        <p:txBody>
-          <a:bodyPr/>
+        <p:style>
+          <a:lnRef idx="0"/>
+          <a:fillRef idx="0"/>
+          <a:effectRef idx="0"/>
+          <a:fontRef idx="minor"/>
+        </p:style>
+        <p:txBody>
+          <a:bodyPr lIns="90000" rIns="90000" tIns="45000" bIns="45000"/>
           <a:p>
             <a:pPr>
               <a:lnSpc>
@@ -7910,33 +7482,31 @@
               </a:lnSpc>
             </a:pPr>
             <a:r>
-              <a:rPr b="0" lang="en-US" sz="5100" spc="199" strike="noStrike" cap="all">
+              <a:rPr b="0" lang="en-US" sz="5100" spc="194" strike="noStrike" cap="all">
                 <a:solidFill>
                   <a:srgbClr val="2a1a00"/>
                 </a:solidFill>
                 <a:latin typeface="Impact"/>
+                <a:ea typeface="DejaVu Sans"/>
               </a:rPr>
-              <a:t>Burndown Chart</a:t>
+              <a:t>Wat kan er beter volgende sprint?</a:t>
             </a:r>
             <a:endParaRPr b="0" lang="en-US" sz="5100" spc="-1" strike="noStrike">
-              <a:solidFill>
-                <a:srgbClr val="000000"/>
-              </a:solidFill>
-              <a:latin typeface="Gill Sans MT"/>
-            </a:endParaRPr>
-          </a:p>
-        </p:txBody>
-      </p:sp>
-      <p:sp>
-        <p:nvSpPr>
-          <p:cNvPr id="107" name="TextShape 2"/>
-          <p:cNvSpPr txBox="1"/>
+              <a:latin typeface="Arial"/>
+            </a:endParaRPr>
+          </a:p>
+        </p:txBody>
+      </p:sp>
+      <p:sp>
+        <p:nvSpPr>
+          <p:cNvPr id="100" name="CustomShape 2"/>
+          <p:cNvSpPr/>
           <p:nvPr/>
         </p:nvSpPr>
         <p:spPr>
           <a:xfrm>
             <a:off x="1251720" y="2286000"/>
-            <a:ext cx="10177920" cy="3593160"/>
+            <a:ext cx="10177200" cy="3592440"/>
           </a:xfrm>
           <a:prstGeom prst="rect">
             <a:avLst/>
@@ -7946,50 +7516,53 @@
             <a:noFill/>
           </a:ln>
         </p:spPr>
-        <p:txBody>
-          <a:bodyPr/>
-          <a:p>
+        <p:style>
+          <a:lnRef idx="0"/>
+          <a:fillRef idx="0"/>
+          <a:effectRef idx="0"/>
+          <a:fontRef idx="minor"/>
+        </p:style>
+        <p:txBody>
+          <a:bodyPr lIns="90000" rIns="90000" tIns="45000" bIns="45000"/>
+          <a:p>
+            <a:pPr marL="228600" indent="-227520">
+              <a:lnSpc>
+                <a:spcPct val="110000"/>
+              </a:lnSpc>
+              <a:spcBef>
+                <a:spcPts val="700"/>
+              </a:spcBef>
+              <a:buClr>
+                <a:srgbClr val="2a1a00"/>
+              </a:buClr>
+              <a:buFont typeface="Arial"/>
+              <a:buChar char="•"/>
+            </a:pPr>
+            <a:r>
+              <a:rPr b="0" lang="en-US" sz="2000" spc="-1" strike="noStrike">
+                <a:solidFill>
+                  <a:srgbClr val="595959"/>
+                </a:solidFill>
+                <a:latin typeface="Gill Sans MT"/>
+                <a:ea typeface="DejaVu Sans"/>
+              </a:rPr>
+              <a:t>Meer gefocussed werk (minder stories tegelijk proberen afhandelen)</a:t>
+            </a:r>
             <a:endParaRPr b="0" lang="en-US" sz="2000" spc="-1" strike="noStrike">
-              <a:solidFill>
-                <a:srgbClr val="595959"/>
-              </a:solidFill>
-              <a:latin typeface="Gill Sans MT"/>
-            </a:endParaRPr>
-          </a:p>
-        </p:txBody>
-      </p:sp>
-      <p:pic>
-        <p:nvPicPr>
-          <p:cNvPr id="108" name="" descr=""/>
-          <p:cNvPicPr/>
-          <p:nvPr/>
-        </p:nvPicPr>
-        <p:blipFill>
-          <a:blip r:embed="rId1"/>
-          <a:stretch/>
-        </p:blipFill>
-        <p:spPr>
-          <a:xfrm>
-            <a:off x="99360" y="1463040"/>
-            <a:ext cx="12142440" cy="5266080"/>
-          </a:xfrm>
-          <a:prstGeom prst="rect">
-            <a:avLst/>
-          </a:prstGeom>
-          <a:ln>
-            <a:noFill/>
-          </a:ln>
-        </p:spPr>
-      </p:pic>
+              <a:latin typeface="Arial"/>
+            </a:endParaRPr>
+          </a:p>
+        </p:txBody>
+      </p:sp>
     </p:spTree>
   </p:cSld>
   <p:timing>
     <p:tnLst>
       <p:par>
-        <p:cTn id="17" dur="indefinite" restart="never" nodeType="tmRoot">
+        <p:cTn id="15" dur="indefinite" restart="never" nodeType="tmRoot">
           <p:childTnLst>
             <p:seq>
-              <p:cTn id="18" nodeType="mainSeq"/>
+              <p:cTn id="16" nodeType="mainSeq"/>
               <p:prevCondLst>
                 <p:cond delay="0" evt="onPrev">
                   <p:tgtEl>
